--- a/doc/phase3/外部仕様書/task_per_cpu.pptx
+++ b/doc/phase3/外部仕様書/task_per_cpu.pptx
@@ -5,17 +5,21 @@
     <p:sldMasterId id="2147483648" r:id="rId1"/>
   </p:sldMasterIdLst>
   <p:notesMasterIdLst>
-    <p:notesMasterId r:id="rId7"/>
+    <p:notesMasterId r:id="rId11"/>
   </p:notesMasterIdLst>
   <p:handoutMasterIdLst>
-    <p:handoutMasterId r:id="rId8"/>
+    <p:handoutMasterId r:id="rId12"/>
   </p:handoutMasterIdLst>
   <p:sldIdLst>
     <p:sldId id="256" r:id="rId2"/>
     <p:sldId id="257" r:id="rId3"/>
-    <p:sldId id="258" r:id="rId4"/>
-    <p:sldId id="259" r:id="rId5"/>
-    <p:sldId id="260" r:id="rId6"/>
+    <p:sldId id="261" r:id="rId4"/>
+    <p:sldId id="263" r:id="rId5"/>
+    <p:sldId id="262" r:id="rId6"/>
+    <p:sldId id="264" r:id="rId7"/>
+    <p:sldId id="265" r:id="rId8"/>
+    <p:sldId id="259" r:id="rId9"/>
+    <p:sldId id="260" r:id="rId10"/>
   </p:sldIdLst>
   <p:sldSz cx="9144000" cy="6858000" type="screen4x3"/>
   <p:notesSz cx="6858000" cy="9144000"/>
@@ -200,7 +204,7 @@
             <a:fld id="{BDAC545C-2A1F-4A7D-9F18-5EB7AF8DBD78}" type="datetimeFigureOut">
               <a:rPr kumimoji="1" lang="ja-JP" altLang="en-US" smtClean="0"/>
               <a:pPr/>
-              <a:t>2009/2/3</a:t>
+              <a:t>2009/2/10</a:t>
             </a:fld>
             <a:endParaRPr kumimoji="1" lang="ja-JP" altLang="en-US"/>
           </a:p>
@@ -362,7 +366,7 @@
             <a:fld id="{C1E0337A-A7BF-4960-B233-1F7C5F39E37B}" type="datetimeFigureOut">
               <a:rPr kumimoji="1" lang="ja-JP" altLang="en-US" smtClean="0"/>
               <a:pPr/>
-              <a:t>2009/2/3</a:t>
+              <a:t>2009/2/10</a:t>
             </a:fld>
             <a:endParaRPr kumimoji="1" lang="ja-JP" altLang="en-US"/>
           </a:p>
@@ -840,7 +844,7 @@
             <a:fld id="{FAD4F7FC-4522-4EF1-A2AD-0330D1E36FF4}" type="datetime1">
               <a:rPr kumimoji="1" lang="ja-JP" altLang="en-US" smtClean="0"/>
               <a:pPr/>
-              <a:t>2009/2/3</a:t>
+              <a:t>2009/2/10</a:t>
             </a:fld>
             <a:endParaRPr kumimoji="1" lang="ja-JP" altLang="en-US"/>
           </a:p>
@@ -1039,7 +1043,7 @@
             <a:fld id="{9ABEFCAD-8FD8-4C40-A33A-550E73C6DE98}" type="datetime1">
               <a:rPr kumimoji="1" lang="ja-JP" altLang="en-US" smtClean="0"/>
               <a:pPr/>
-              <a:t>2009/2/3</a:t>
+              <a:t>2009/2/10</a:t>
             </a:fld>
             <a:endParaRPr kumimoji="1" lang="ja-JP" altLang="en-US"/>
           </a:p>
@@ -1248,7 +1252,7 @@
             <a:fld id="{FC6DC775-F871-46D6-A450-9E2869C67FEF}" type="datetime1">
               <a:rPr kumimoji="1" lang="ja-JP" altLang="en-US" smtClean="0"/>
               <a:pPr/>
-              <a:t>2009/2/3</a:t>
+              <a:t>2009/2/10</a:t>
             </a:fld>
             <a:endParaRPr kumimoji="1" lang="ja-JP" altLang="en-US"/>
           </a:p>
@@ -1471,7 +1475,7 @@
             <a:fld id="{CBF20F69-7E39-44E6-801E-110BBE34D657}" type="datetime1">
               <a:rPr lang="ja-JP" altLang="en-US" smtClean="0"/>
               <a:pPr/>
-              <a:t>2009/2/3</a:t>
+              <a:t>2009/2/10</a:t>
             </a:fld>
             <a:endParaRPr lang="ja-JP" altLang="en-US"/>
           </a:p>
@@ -1730,7 +1734,7 @@
             <a:fld id="{3AD7B0C4-6425-4825-AF55-D95475845133}" type="datetime1">
               <a:rPr kumimoji="1" lang="ja-JP" altLang="en-US" smtClean="0"/>
               <a:pPr/>
-              <a:t>2009/2/3</a:t>
+              <a:t>2009/2/10</a:t>
             </a:fld>
             <a:endParaRPr kumimoji="1" lang="ja-JP" altLang="en-US"/>
           </a:p>
@@ -2079,7 +2083,7 @@
             <a:fld id="{F617022F-667C-42D5-A4B9-1B4AAB32BECC}" type="datetime1">
               <a:rPr kumimoji="1" lang="ja-JP" altLang="en-US" smtClean="0"/>
               <a:pPr/>
-              <a:t>2009/2/3</a:t>
+              <a:t>2009/2/10</a:t>
             </a:fld>
             <a:endParaRPr kumimoji="1" lang="ja-JP" altLang="en-US"/>
           </a:p>
@@ -2562,7 +2566,7 @@
             <a:fld id="{396FF158-522E-4A0D-B7CC-7DB595F3FAA9}" type="datetime1">
               <a:rPr kumimoji="1" lang="ja-JP" altLang="en-US" smtClean="0"/>
               <a:pPr/>
-              <a:t>2009/2/3</a:t>
+              <a:t>2009/2/10</a:t>
             </a:fld>
             <a:endParaRPr kumimoji="1" lang="ja-JP" altLang="en-US"/>
           </a:p>
@@ -2677,7 +2681,7 @@
             <a:fld id="{C630AA30-71C1-42E1-BA0F-5366384F05B0}" type="datetime1">
               <a:rPr kumimoji="1" lang="ja-JP" altLang="en-US" smtClean="0"/>
               <a:pPr/>
-              <a:t>2009/2/3</a:t>
+              <a:t>2009/2/10</a:t>
             </a:fld>
             <a:endParaRPr kumimoji="1" lang="ja-JP" altLang="en-US"/>
           </a:p>
@@ -2769,7 +2773,7 @@
             <a:fld id="{5F50DBA8-0059-402F-989A-FE3D98C36725}" type="datetime1">
               <a:rPr kumimoji="1" lang="ja-JP" altLang="en-US" smtClean="0"/>
               <a:pPr/>
-              <a:t>2009/2/3</a:t>
+              <a:t>2009/2/10</a:t>
             </a:fld>
             <a:endParaRPr kumimoji="1" lang="ja-JP" altLang="en-US"/>
           </a:p>
@@ -3075,7 +3079,7 @@
             <a:fld id="{2B44553D-E5EB-4D77-8482-DF0E1391C1D1}" type="datetime1">
               <a:rPr kumimoji="1" lang="ja-JP" altLang="en-US" smtClean="0"/>
               <a:pPr/>
-              <a:t>2009/2/3</a:t>
+              <a:t>2009/2/10</a:t>
             </a:fld>
             <a:endParaRPr kumimoji="1" lang="ja-JP" altLang="en-US"/>
           </a:p>
@@ -3329,7 +3333,7 @@
             <a:fld id="{55CBB9F3-BAB8-4179-A684-25636C26C7A2}" type="datetime1">
               <a:rPr kumimoji="1" lang="ja-JP" altLang="en-US" smtClean="0"/>
               <a:pPr/>
-              <a:t>2009/2/3</a:t>
+              <a:t>2009/2/10</a:t>
             </a:fld>
             <a:endParaRPr kumimoji="1" lang="ja-JP" altLang="en-US"/>
           </a:p>
@@ -3569,7 +3573,7 @@
             <a:fld id="{B3297207-145D-40CB-A3A8-2847F948A6DB}" type="datetime1">
               <a:rPr lang="ja-JP" altLang="en-US" smtClean="0"/>
               <a:pPr/>
-              <a:t>2009/2/3</a:t>
+              <a:t>2009/2/10</a:t>
             </a:fld>
             <a:endParaRPr lang="ja-JP" altLang="en-US"/>
           </a:p>
@@ -3971,11 +3975,7 @@
             </a:br>
             <a:r>
               <a:rPr lang="ja-JP" altLang="en-US" dirty="0" smtClean="0"/>
-              <a:t>外部</a:t>
-            </a:r>
-            <a:r>
-              <a:rPr lang="ja-JP" altLang="en-US" dirty="0" smtClean="0"/>
-              <a:t>仕様書の下書き</a:t>
+              <a:t>外部仕様</a:t>
             </a:r>
             <a:endParaRPr kumimoji="1" lang="ja-JP" altLang="en-US" dirty="0"/>
           </a:p>
@@ -3998,7 +3998,7 @@
           <a:p>
             <a:r>
               <a:rPr lang="en-US" altLang="ja-JP" dirty="0" smtClean="0"/>
-              <a:t>09/2/3</a:t>
+              <a:t>09/2/10</a:t>
             </a:r>
           </a:p>
           <a:p>
@@ -4010,6 +4010,7 @@
               <a:rPr lang="ja-JP" altLang="en-US" dirty="0" smtClean="0"/>
               <a:t>大祐</a:t>
             </a:r>
+            <a:endParaRPr lang="ja-JP" altLang="en-US" dirty="0" smtClean="0"/>
           </a:p>
         </p:txBody>
       </p:sp>
@@ -4096,10 +4097,10 @@
           <a:p>
             <a:pPr lvl="1"/>
             <a:r>
-              <a:rPr kumimoji="1" lang="ja-JP" altLang="en-US" dirty="0" smtClean="0"/>
+              <a:rPr kumimoji="1" lang="ja-JP" altLang="en-US" b="1" u="sng" dirty="0" smtClean="0"/>
               <a:t>タスク割り当て</a:t>
             </a:r>
-            <a:endParaRPr kumimoji="1" lang="en-US" altLang="ja-JP" dirty="0" smtClean="0"/>
+            <a:endParaRPr kumimoji="1" lang="en-US" altLang="ja-JP" b="1" u="sng" dirty="0" smtClean="0"/>
           </a:p>
           <a:p>
             <a:pPr lvl="1"/>
@@ -4109,26 +4110,49 @@
             </a:r>
             <a:r>
               <a:rPr lang="ja-JP" altLang="en-US" dirty="0" smtClean="0"/>
-              <a:t>の状態</a:t>
+              <a:t>の</a:t>
+            </a:r>
+            <a:r>
+              <a:rPr lang="ja-JP" altLang="en-US" dirty="0" smtClean="0"/>
+              <a:t>状態（現在の機能）</a:t>
             </a:r>
             <a:endParaRPr lang="en-US" altLang="ja-JP" dirty="0" smtClean="0"/>
           </a:p>
           <a:p>
             <a:pPr lvl="1"/>
             <a:r>
+              <a:rPr lang="ja-JP" altLang="en-US" b="1" u="sng" dirty="0" smtClean="0"/>
+              <a:t>タスクの</a:t>
+            </a:r>
+            <a:r>
+              <a:rPr lang="ja-JP" altLang="en-US" b="1" u="sng" dirty="0" smtClean="0"/>
+              <a:t>再割り当て</a:t>
+            </a:r>
+            <a:endParaRPr lang="en-US" altLang="ja-JP" b="1" u="sng" dirty="0" smtClean="0"/>
+          </a:p>
+          <a:p>
+            <a:r>
               <a:rPr lang="ja-JP" altLang="en-US" dirty="0" smtClean="0"/>
-              <a:t>タスクの再割り当て</a:t>
+              <a:t>現在の機能「実行タスク変化」に加えて表示</a:t>
             </a:r>
             <a:endParaRPr lang="en-US" altLang="ja-JP" dirty="0" smtClean="0"/>
           </a:p>
           <a:p>
             <a:r>
               <a:rPr lang="ja-JP" altLang="en-US" dirty="0" smtClean="0"/>
-              <a:t>現在の</a:t>
+              <a:t>表示切り替え</a:t>
             </a:r>
             <a:r>
               <a:rPr lang="ja-JP" altLang="en-US" dirty="0" smtClean="0"/>
-              <a:t>表示（</a:t>
+              <a:t>機能</a:t>
+            </a:r>
+            <a:endParaRPr lang="en-US" altLang="ja-JP" dirty="0" smtClean="0"/>
+          </a:p>
+          <a:p>
+            <a:pPr lvl="1"/>
+            <a:r>
+              <a:rPr lang="ja-JP" altLang="en-US" dirty="0" smtClean="0"/>
+              <a:t>現在の表示⇔</a:t>
             </a:r>
             <a:r>
               <a:rPr lang="en-US" altLang="ja-JP" dirty="0" smtClean="0"/>
@@ -4136,9 +4160,9 @@
             </a:r>
             <a:r>
               <a:rPr lang="ja-JP" altLang="en-US" dirty="0" smtClean="0"/>
-              <a:t>ごとにタスクの実行状態表示）に加えて実装</a:t>
-            </a:r>
-            <a:endParaRPr kumimoji="1" lang="ja-JP" altLang="en-US" dirty="0"/>
+              <a:t>ごとのタスク表示</a:t>
+            </a:r>
+            <a:endParaRPr lang="en-US" altLang="ja-JP" dirty="0" smtClean="0"/>
           </a:p>
         </p:txBody>
       </p:sp>
@@ -4208,98 +4232,7 @@
           <a:p>
             <a:r>
               <a:rPr kumimoji="1" lang="ja-JP" altLang="en-US" dirty="0" smtClean="0"/>
-              <a:t>入力</a:t>
-            </a:r>
-            <a:r>
-              <a:rPr kumimoji="1" lang="en-US" altLang="ja-JP" dirty="0" smtClean="0"/>
-              <a:t>(</a:t>
-            </a:r>
-            <a:r>
-              <a:rPr kumimoji="1" lang="ja-JP" altLang="en-US" dirty="0" smtClean="0"/>
-              <a:t>初期化情報</a:t>
-            </a:r>
-            <a:r>
-              <a:rPr kumimoji="1" lang="en-US" altLang="ja-JP" dirty="0" smtClean="0"/>
-              <a:t>)</a:t>
-            </a:r>
-            <a:endParaRPr kumimoji="1" lang="ja-JP" altLang="en-US" dirty="0"/>
-          </a:p>
-        </p:txBody>
-      </p:sp>
-      <p:sp>
-        <p:nvSpPr>
-          <p:cNvPr id="3" name="コンテンツ プレースホルダ 2"/>
-          <p:cNvSpPr>
-            <a:spLocks noGrp="1"/>
-          </p:cNvSpPr>
-          <p:nvPr>
-            <p:ph idx="1"/>
-          </p:nvPr>
-        </p:nvSpPr>
-        <p:spPr/>
-        <p:txBody>
-          <a:bodyPr/>
-          <a:lstStyle/>
-          <a:p>
-            <a:r>
-              <a:rPr lang="ja-JP" altLang="en-US" dirty="0" smtClean="0"/>
-              <a:t>コンフィギュレーションファイル</a:t>
-            </a:r>
-            <a:endParaRPr lang="en-US" altLang="ja-JP" dirty="0" smtClean="0"/>
-          </a:p>
-          <a:p>
-            <a:pPr lvl="1"/>
-            <a:r>
-              <a:rPr lang="en-US" altLang="ja-JP" dirty="0" smtClean="0"/>
-              <a:t>CPU</a:t>
-            </a:r>
-            <a:r>
-              <a:rPr lang="ja-JP" altLang="en-US" dirty="0" smtClean="0"/>
-              <a:t>はいくつあるか、識別子は何か</a:t>
-            </a:r>
-            <a:endParaRPr lang="en-US" altLang="ja-JP" dirty="0" smtClean="0"/>
-          </a:p>
-          <a:p>
-            <a:pPr lvl="1"/>
-            <a:r>
-              <a:rPr lang="ja-JP" altLang="en-US" dirty="0" smtClean="0"/>
-              <a:t>タスクはいくつある</a:t>
-            </a:r>
-            <a:r>
-              <a:rPr lang="ja-JP" altLang="en-US" dirty="0" smtClean="0"/>
-              <a:t>か</a:t>
-            </a:r>
-            <a:r>
-              <a:rPr lang="ja-JP" altLang="en-US" dirty="0" smtClean="0"/>
-              <a:t>、識別子は何か</a:t>
-            </a:r>
-            <a:endParaRPr lang="en-US" altLang="ja-JP" dirty="0" smtClean="0"/>
-          </a:p>
-          <a:p>
-            <a:pPr lvl="1"/>
-            <a:r>
-              <a:rPr kumimoji="1" lang="ja-JP" altLang="en-US" dirty="0" smtClean="0"/>
-              <a:t>どのタスク</a:t>
-            </a:r>
-            <a:r>
-              <a:rPr kumimoji="1" lang="ja-JP" altLang="en-US" dirty="0" smtClean="0"/>
-              <a:t>がどの</a:t>
-            </a:r>
-            <a:r>
-              <a:rPr kumimoji="1" lang="en-US" altLang="ja-JP" dirty="0" smtClean="0"/>
-              <a:t>CPU</a:t>
-            </a:r>
-            <a:r>
-              <a:rPr kumimoji="1" lang="ja-JP" altLang="en-US" dirty="0" smtClean="0"/>
-              <a:t>に割り当てられているか</a:t>
-            </a:r>
-            <a:endParaRPr kumimoji="1" lang="en-US" altLang="ja-JP" dirty="0" smtClean="0"/>
-          </a:p>
-          <a:p>
-            <a:pPr lvl="1"/>
-            <a:r>
-              <a:rPr kumimoji="1" lang="ja-JP" altLang="en-US" dirty="0" smtClean="0"/>
-              <a:t>それぞれのタスクの状態は何か</a:t>
+              <a:t>出力（画面イメージ）</a:t>
             </a:r>
             <a:endParaRPr kumimoji="1" lang="ja-JP" altLang="en-US" dirty="0"/>
           </a:p>
@@ -4329,6 +4262,1927 @@
           </a:p>
         </p:txBody>
       </p:sp>
+      <p:sp>
+        <p:nvSpPr>
+          <p:cNvPr id="5" name="テキスト ボックス 4"/>
+          <p:cNvSpPr txBox="1"/>
+          <p:nvPr/>
+        </p:nvSpPr>
+        <p:spPr>
+          <a:xfrm>
+            <a:off x="642910" y="1655192"/>
+            <a:ext cx="1678665" cy="369332"/>
+          </a:xfrm>
+          <a:prstGeom prst="rect">
+            <a:avLst/>
+          </a:prstGeom>
+          <a:noFill/>
+        </p:spPr>
+        <p:txBody>
+          <a:bodyPr wrap="none" rtlCol="0">
+            <a:spAutoFit/>
+          </a:bodyPr>
+          <a:lstStyle/>
+          <a:p>
+            <a:r>
+              <a:rPr kumimoji="1" lang="ja-JP" altLang="en-US" dirty="0" smtClean="0"/>
+              <a:t>実行タスク変化</a:t>
+            </a:r>
+            <a:endParaRPr kumimoji="1" lang="ja-JP" altLang="en-US" dirty="0"/>
+          </a:p>
+        </p:txBody>
+      </p:sp>
+      <p:sp>
+        <p:nvSpPr>
+          <p:cNvPr id="6" name="テキスト ボックス 5"/>
+          <p:cNvSpPr txBox="1"/>
+          <p:nvPr/>
+        </p:nvSpPr>
+        <p:spPr>
+          <a:xfrm>
+            <a:off x="2643174" y="1857364"/>
+            <a:ext cx="1107996" cy="369332"/>
+          </a:xfrm>
+          <a:prstGeom prst="rect">
+            <a:avLst/>
+          </a:prstGeom>
+        </p:spPr>
+        <p:style>
+          <a:lnRef idx="2">
+            <a:schemeClr val="accent1">
+              <a:shade val="50000"/>
+            </a:schemeClr>
+          </a:lnRef>
+          <a:fillRef idx="1">
+            <a:schemeClr val="accent1"/>
+          </a:fillRef>
+          <a:effectRef idx="0">
+            <a:schemeClr val="accent1"/>
+          </a:effectRef>
+          <a:fontRef idx="minor">
+            <a:schemeClr val="lt1"/>
+          </a:fontRef>
+        </p:style>
+        <p:txBody>
+          <a:bodyPr wrap="none" rtlCol="0">
+            <a:spAutoFit/>
+          </a:bodyPr>
+          <a:lstStyle/>
+          <a:p>
+            <a:r>
+              <a:rPr kumimoji="1" lang="ja-JP" altLang="en-US" dirty="0" smtClean="0"/>
+              <a:t>　　　　　　</a:t>
+            </a:r>
+            <a:endParaRPr kumimoji="1" lang="ja-JP" altLang="en-US" dirty="0"/>
+          </a:p>
+        </p:txBody>
+      </p:sp>
+      <p:sp>
+        <p:nvSpPr>
+          <p:cNvPr id="7" name="テキスト ボックス 6"/>
+          <p:cNvSpPr txBox="1"/>
+          <p:nvPr/>
+        </p:nvSpPr>
+        <p:spPr>
+          <a:xfrm>
+            <a:off x="3143240" y="1500174"/>
+            <a:ext cx="800219" cy="369332"/>
+          </a:xfrm>
+          <a:prstGeom prst="rect">
+            <a:avLst/>
+          </a:prstGeom>
+        </p:spPr>
+        <p:style>
+          <a:lnRef idx="2">
+            <a:schemeClr val="accent3">
+              <a:shade val="50000"/>
+            </a:schemeClr>
+          </a:lnRef>
+          <a:fillRef idx="1">
+            <a:schemeClr val="accent3"/>
+          </a:fillRef>
+          <a:effectRef idx="0">
+            <a:schemeClr val="accent3"/>
+          </a:effectRef>
+          <a:fontRef idx="minor">
+            <a:schemeClr val="lt1"/>
+          </a:fontRef>
+        </p:style>
+        <p:txBody>
+          <a:bodyPr wrap="none" rtlCol="0">
+            <a:spAutoFit/>
+          </a:bodyPr>
+          <a:lstStyle/>
+          <a:p>
+            <a:r>
+              <a:rPr kumimoji="1" lang="ja-JP" altLang="en-US" dirty="0" smtClean="0"/>
+              <a:t>　　　　</a:t>
+            </a:r>
+            <a:endParaRPr kumimoji="1" lang="ja-JP" altLang="en-US" dirty="0"/>
+          </a:p>
+        </p:txBody>
+      </p:sp>
+      <p:sp>
+        <p:nvSpPr>
+          <p:cNvPr id="8" name="テキスト ボックス 7"/>
+          <p:cNvSpPr txBox="1"/>
+          <p:nvPr/>
+        </p:nvSpPr>
+        <p:spPr>
+          <a:xfrm>
+            <a:off x="3793805" y="1869506"/>
+            <a:ext cx="492443" cy="369332"/>
+          </a:xfrm>
+          <a:prstGeom prst="rect">
+            <a:avLst/>
+          </a:prstGeom>
+        </p:spPr>
+        <p:style>
+          <a:lnRef idx="2">
+            <a:schemeClr val="accent2">
+              <a:shade val="50000"/>
+            </a:schemeClr>
+          </a:lnRef>
+          <a:fillRef idx="1">
+            <a:schemeClr val="accent2"/>
+          </a:fillRef>
+          <a:effectRef idx="0">
+            <a:schemeClr val="accent2"/>
+          </a:effectRef>
+          <a:fontRef idx="minor">
+            <a:schemeClr val="lt1"/>
+          </a:fontRef>
+        </p:style>
+        <p:txBody>
+          <a:bodyPr wrap="none" rtlCol="0">
+            <a:spAutoFit/>
+          </a:bodyPr>
+          <a:lstStyle/>
+          <a:p>
+            <a:r>
+              <a:rPr kumimoji="1" lang="ja-JP" altLang="en-US" dirty="0" smtClean="0"/>
+              <a:t>　　</a:t>
+            </a:r>
+            <a:endParaRPr kumimoji="1" lang="ja-JP" altLang="en-US" dirty="0"/>
+          </a:p>
+        </p:txBody>
+      </p:sp>
+      <p:sp>
+        <p:nvSpPr>
+          <p:cNvPr id="9" name="テキスト ボックス 8"/>
+          <p:cNvSpPr txBox="1"/>
+          <p:nvPr/>
+        </p:nvSpPr>
+        <p:spPr>
+          <a:xfrm>
+            <a:off x="4286248" y="1500174"/>
+            <a:ext cx="492443" cy="369332"/>
+          </a:xfrm>
+          <a:prstGeom prst="rect">
+            <a:avLst/>
+          </a:prstGeom>
+        </p:spPr>
+        <p:style>
+          <a:lnRef idx="2">
+            <a:schemeClr val="accent2">
+              <a:shade val="50000"/>
+            </a:schemeClr>
+          </a:lnRef>
+          <a:fillRef idx="1">
+            <a:schemeClr val="accent2"/>
+          </a:fillRef>
+          <a:effectRef idx="0">
+            <a:schemeClr val="accent2"/>
+          </a:effectRef>
+          <a:fontRef idx="minor">
+            <a:schemeClr val="lt1"/>
+          </a:fontRef>
+        </p:style>
+        <p:txBody>
+          <a:bodyPr wrap="none" rtlCol="0">
+            <a:spAutoFit/>
+          </a:bodyPr>
+          <a:lstStyle/>
+          <a:p>
+            <a:r>
+              <a:rPr kumimoji="1" lang="ja-JP" altLang="en-US" dirty="0" smtClean="0"/>
+              <a:t>　　</a:t>
+            </a:r>
+            <a:endParaRPr kumimoji="1" lang="ja-JP" altLang="en-US" dirty="0"/>
+          </a:p>
+        </p:txBody>
+      </p:sp>
+      <p:sp>
+        <p:nvSpPr>
+          <p:cNvPr id="10" name="テキスト ボックス 9"/>
+          <p:cNvSpPr txBox="1"/>
+          <p:nvPr/>
+        </p:nvSpPr>
+        <p:spPr>
+          <a:xfrm>
+            <a:off x="4286248" y="1869506"/>
+            <a:ext cx="1107996" cy="369332"/>
+          </a:xfrm>
+          <a:prstGeom prst="rect">
+            <a:avLst/>
+          </a:prstGeom>
+        </p:spPr>
+        <p:style>
+          <a:lnRef idx="2">
+            <a:schemeClr val="accent1">
+              <a:shade val="50000"/>
+            </a:schemeClr>
+          </a:lnRef>
+          <a:fillRef idx="1">
+            <a:schemeClr val="accent1"/>
+          </a:fillRef>
+          <a:effectRef idx="0">
+            <a:schemeClr val="accent1"/>
+          </a:effectRef>
+          <a:fontRef idx="minor">
+            <a:schemeClr val="lt1"/>
+          </a:fontRef>
+        </p:style>
+        <p:txBody>
+          <a:bodyPr wrap="none" rtlCol="0">
+            <a:spAutoFit/>
+          </a:bodyPr>
+          <a:lstStyle/>
+          <a:p>
+            <a:r>
+              <a:rPr kumimoji="1" lang="ja-JP" altLang="en-US" dirty="0" smtClean="0"/>
+              <a:t>　　　　　　</a:t>
+            </a:r>
+            <a:endParaRPr kumimoji="1" lang="ja-JP" altLang="en-US" dirty="0"/>
+          </a:p>
+        </p:txBody>
+      </p:sp>
+      <p:sp>
+        <p:nvSpPr>
+          <p:cNvPr id="11" name="テキスト ボックス 10"/>
+          <p:cNvSpPr txBox="1"/>
+          <p:nvPr/>
+        </p:nvSpPr>
+        <p:spPr>
+          <a:xfrm>
+            <a:off x="4786314" y="1500174"/>
+            <a:ext cx="800219" cy="369332"/>
+          </a:xfrm>
+          <a:prstGeom prst="rect">
+            <a:avLst/>
+          </a:prstGeom>
+        </p:spPr>
+        <p:style>
+          <a:lnRef idx="2">
+            <a:schemeClr val="accent3">
+              <a:shade val="50000"/>
+            </a:schemeClr>
+          </a:lnRef>
+          <a:fillRef idx="1">
+            <a:schemeClr val="accent3"/>
+          </a:fillRef>
+          <a:effectRef idx="0">
+            <a:schemeClr val="accent3"/>
+          </a:effectRef>
+          <a:fontRef idx="minor">
+            <a:schemeClr val="lt1"/>
+          </a:fontRef>
+        </p:style>
+        <p:txBody>
+          <a:bodyPr wrap="none" rtlCol="0">
+            <a:spAutoFit/>
+          </a:bodyPr>
+          <a:lstStyle/>
+          <a:p>
+            <a:r>
+              <a:rPr kumimoji="1" lang="ja-JP" altLang="en-US" dirty="0" smtClean="0"/>
+              <a:t>　　　　</a:t>
+            </a:r>
+            <a:endParaRPr kumimoji="1" lang="ja-JP" altLang="en-US" dirty="0"/>
+          </a:p>
+        </p:txBody>
+      </p:sp>
+      <p:sp>
+        <p:nvSpPr>
+          <p:cNvPr id="12" name="テキスト ボックス 11"/>
+          <p:cNvSpPr txBox="1"/>
+          <p:nvPr/>
+        </p:nvSpPr>
+        <p:spPr>
+          <a:xfrm>
+            <a:off x="5429256" y="1869506"/>
+            <a:ext cx="492443" cy="369332"/>
+          </a:xfrm>
+          <a:prstGeom prst="rect">
+            <a:avLst/>
+          </a:prstGeom>
+        </p:spPr>
+        <p:style>
+          <a:lnRef idx="2">
+            <a:schemeClr val="accent2">
+              <a:shade val="50000"/>
+            </a:schemeClr>
+          </a:lnRef>
+          <a:fillRef idx="1">
+            <a:schemeClr val="accent2"/>
+          </a:fillRef>
+          <a:effectRef idx="0">
+            <a:schemeClr val="accent2"/>
+          </a:effectRef>
+          <a:fontRef idx="minor">
+            <a:schemeClr val="lt1"/>
+          </a:fontRef>
+        </p:style>
+        <p:txBody>
+          <a:bodyPr wrap="none" rtlCol="0">
+            <a:spAutoFit/>
+          </a:bodyPr>
+          <a:lstStyle/>
+          <a:p>
+            <a:r>
+              <a:rPr kumimoji="1" lang="ja-JP" altLang="en-US" dirty="0" smtClean="0"/>
+              <a:t>　　</a:t>
+            </a:r>
+            <a:endParaRPr kumimoji="1" lang="ja-JP" altLang="en-US" dirty="0"/>
+          </a:p>
+        </p:txBody>
+      </p:sp>
+      <p:sp>
+        <p:nvSpPr>
+          <p:cNvPr id="13" name="テキスト ボックス 12"/>
+          <p:cNvSpPr txBox="1"/>
+          <p:nvPr/>
+        </p:nvSpPr>
+        <p:spPr>
+          <a:xfrm>
+            <a:off x="5929322" y="1869506"/>
+            <a:ext cx="1107996" cy="369332"/>
+          </a:xfrm>
+          <a:prstGeom prst="rect">
+            <a:avLst/>
+          </a:prstGeom>
+        </p:spPr>
+        <p:style>
+          <a:lnRef idx="2">
+            <a:schemeClr val="accent1">
+              <a:shade val="50000"/>
+            </a:schemeClr>
+          </a:lnRef>
+          <a:fillRef idx="1">
+            <a:schemeClr val="accent1"/>
+          </a:fillRef>
+          <a:effectRef idx="0">
+            <a:schemeClr val="accent1"/>
+          </a:effectRef>
+          <a:fontRef idx="minor">
+            <a:schemeClr val="lt1"/>
+          </a:fontRef>
+        </p:style>
+        <p:txBody>
+          <a:bodyPr wrap="none" rtlCol="0">
+            <a:spAutoFit/>
+          </a:bodyPr>
+          <a:lstStyle/>
+          <a:p>
+            <a:r>
+              <a:rPr kumimoji="1" lang="ja-JP" altLang="en-US" dirty="0" smtClean="0"/>
+              <a:t>　　　　　　</a:t>
+            </a:r>
+            <a:endParaRPr kumimoji="1" lang="ja-JP" altLang="en-US" dirty="0"/>
+          </a:p>
+        </p:txBody>
+      </p:sp>
+      <p:sp>
+        <p:nvSpPr>
+          <p:cNvPr id="14" name="テキスト ボックス 13"/>
+          <p:cNvSpPr txBox="1"/>
+          <p:nvPr/>
+        </p:nvSpPr>
+        <p:spPr>
+          <a:xfrm>
+            <a:off x="5929322" y="1512316"/>
+            <a:ext cx="492443" cy="369332"/>
+          </a:xfrm>
+          <a:prstGeom prst="rect">
+            <a:avLst/>
+          </a:prstGeom>
+        </p:spPr>
+        <p:style>
+          <a:lnRef idx="2">
+            <a:schemeClr val="accent2">
+              <a:shade val="50000"/>
+            </a:schemeClr>
+          </a:lnRef>
+          <a:fillRef idx="1">
+            <a:schemeClr val="accent2"/>
+          </a:fillRef>
+          <a:effectRef idx="0">
+            <a:schemeClr val="accent2"/>
+          </a:effectRef>
+          <a:fontRef idx="minor">
+            <a:schemeClr val="lt1"/>
+          </a:fontRef>
+        </p:style>
+        <p:txBody>
+          <a:bodyPr wrap="none" rtlCol="0">
+            <a:spAutoFit/>
+          </a:bodyPr>
+          <a:lstStyle/>
+          <a:p>
+            <a:r>
+              <a:rPr kumimoji="1" lang="ja-JP" altLang="en-US" dirty="0" smtClean="0"/>
+              <a:t>　　</a:t>
+            </a:r>
+            <a:endParaRPr kumimoji="1" lang="ja-JP" altLang="en-US" dirty="0"/>
+          </a:p>
+        </p:txBody>
+      </p:sp>
+      <p:sp>
+        <p:nvSpPr>
+          <p:cNvPr id="15" name="テキスト ボックス 14"/>
+          <p:cNvSpPr txBox="1"/>
+          <p:nvPr/>
+        </p:nvSpPr>
+        <p:spPr>
+          <a:xfrm>
+            <a:off x="6429388" y="1512316"/>
+            <a:ext cx="800219" cy="369332"/>
+          </a:xfrm>
+          <a:prstGeom prst="rect">
+            <a:avLst/>
+          </a:prstGeom>
+        </p:spPr>
+        <p:style>
+          <a:lnRef idx="2">
+            <a:schemeClr val="accent3">
+              <a:shade val="50000"/>
+            </a:schemeClr>
+          </a:lnRef>
+          <a:fillRef idx="1">
+            <a:schemeClr val="accent3"/>
+          </a:fillRef>
+          <a:effectRef idx="0">
+            <a:schemeClr val="accent3"/>
+          </a:effectRef>
+          <a:fontRef idx="minor">
+            <a:schemeClr val="lt1"/>
+          </a:fontRef>
+        </p:style>
+        <p:txBody>
+          <a:bodyPr wrap="none" rtlCol="0">
+            <a:spAutoFit/>
+          </a:bodyPr>
+          <a:lstStyle/>
+          <a:p>
+            <a:r>
+              <a:rPr kumimoji="1" lang="ja-JP" altLang="en-US" dirty="0" smtClean="0"/>
+              <a:t>　　　　</a:t>
+            </a:r>
+            <a:endParaRPr kumimoji="1" lang="ja-JP" altLang="en-US" dirty="0"/>
+          </a:p>
+        </p:txBody>
+      </p:sp>
+      <p:sp>
+        <p:nvSpPr>
+          <p:cNvPr id="28" name="テキスト ボックス 27"/>
+          <p:cNvSpPr txBox="1"/>
+          <p:nvPr/>
+        </p:nvSpPr>
+        <p:spPr>
+          <a:xfrm>
+            <a:off x="642910" y="2512448"/>
+            <a:ext cx="691215" cy="369332"/>
+          </a:xfrm>
+          <a:prstGeom prst="rect">
+            <a:avLst/>
+          </a:prstGeom>
+          <a:noFill/>
+        </p:spPr>
+        <p:txBody>
+          <a:bodyPr wrap="none" rtlCol="0">
+            <a:spAutoFit/>
+          </a:bodyPr>
+          <a:lstStyle/>
+          <a:p>
+            <a:r>
+              <a:rPr kumimoji="1" lang="en-US" altLang="ja-JP" dirty="0" smtClean="0"/>
+              <a:t>CPU1</a:t>
+            </a:r>
+            <a:endParaRPr kumimoji="1" lang="ja-JP" altLang="en-US" dirty="0"/>
+          </a:p>
+        </p:txBody>
+      </p:sp>
+      <p:sp>
+        <p:nvSpPr>
+          <p:cNvPr id="30" name="テキスト ボックス 29"/>
+          <p:cNvSpPr txBox="1"/>
+          <p:nvPr/>
+        </p:nvSpPr>
+        <p:spPr>
+          <a:xfrm>
+            <a:off x="3143240" y="2500306"/>
+            <a:ext cx="800219" cy="369332"/>
+          </a:xfrm>
+          <a:prstGeom prst="rect">
+            <a:avLst/>
+          </a:prstGeom>
+        </p:spPr>
+        <p:style>
+          <a:lnRef idx="2">
+            <a:schemeClr val="accent3">
+              <a:shade val="50000"/>
+            </a:schemeClr>
+          </a:lnRef>
+          <a:fillRef idx="1">
+            <a:schemeClr val="accent3"/>
+          </a:fillRef>
+          <a:effectRef idx="0">
+            <a:schemeClr val="accent3"/>
+          </a:effectRef>
+          <a:fontRef idx="minor">
+            <a:schemeClr val="lt1"/>
+          </a:fontRef>
+        </p:style>
+        <p:txBody>
+          <a:bodyPr wrap="none" rtlCol="0">
+            <a:spAutoFit/>
+          </a:bodyPr>
+          <a:lstStyle/>
+          <a:p>
+            <a:r>
+              <a:rPr kumimoji="1" lang="ja-JP" altLang="en-US" dirty="0" smtClean="0"/>
+              <a:t>　　　　</a:t>
+            </a:r>
+            <a:endParaRPr kumimoji="1" lang="ja-JP" altLang="en-US" dirty="0"/>
+          </a:p>
+        </p:txBody>
+      </p:sp>
+      <p:sp>
+        <p:nvSpPr>
+          <p:cNvPr id="32" name="テキスト ボックス 31"/>
+          <p:cNvSpPr txBox="1"/>
+          <p:nvPr/>
+        </p:nvSpPr>
+        <p:spPr>
+          <a:xfrm>
+            <a:off x="4286248" y="2500306"/>
+            <a:ext cx="492443" cy="369332"/>
+          </a:xfrm>
+          <a:prstGeom prst="rect">
+            <a:avLst/>
+          </a:prstGeom>
+        </p:spPr>
+        <p:style>
+          <a:lnRef idx="2">
+            <a:schemeClr val="accent2">
+              <a:shade val="50000"/>
+            </a:schemeClr>
+          </a:lnRef>
+          <a:fillRef idx="1">
+            <a:schemeClr val="accent2"/>
+          </a:fillRef>
+          <a:effectRef idx="0">
+            <a:schemeClr val="accent2"/>
+          </a:effectRef>
+          <a:fontRef idx="minor">
+            <a:schemeClr val="lt1"/>
+          </a:fontRef>
+        </p:style>
+        <p:txBody>
+          <a:bodyPr wrap="none" rtlCol="0">
+            <a:spAutoFit/>
+          </a:bodyPr>
+          <a:lstStyle/>
+          <a:p>
+            <a:r>
+              <a:rPr kumimoji="1" lang="ja-JP" altLang="en-US" dirty="0" smtClean="0"/>
+              <a:t>　　</a:t>
+            </a:r>
+            <a:endParaRPr kumimoji="1" lang="ja-JP" altLang="en-US" dirty="0"/>
+          </a:p>
+        </p:txBody>
+      </p:sp>
+      <p:sp>
+        <p:nvSpPr>
+          <p:cNvPr id="34" name="テキスト ボックス 33"/>
+          <p:cNvSpPr txBox="1"/>
+          <p:nvPr/>
+        </p:nvSpPr>
+        <p:spPr>
+          <a:xfrm>
+            <a:off x="4786314" y="2500306"/>
+            <a:ext cx="800219" cy="369332"/>
+          </a:xfrm>
+          <a:prstGeom prst="rect">
+            <a:avLst/>
+          </a:prstGeom>
+        </p:spPr>
+        <p:style>
+          <a:lnRef idx="2">
+            <a:schemeClr val="accent3">
+              <a:shade val="50000"/>
+            </a:schemeClr>
+          </a:lnRef>
+          <a:fillRef idx="1">
+            <a:schemeClr val="accent3"/>
+          </a:fillRef>
+          <a:effectRef idx="0">
+            <a:schemeClr val="accent3"/>
+          </a:effectRef>
+          <a:fontRef idx="minor">
+            <a:schemeClr val="lt1"/>
+          </a:fontRef>
+        </p:style>
+        <p:txBody>
+          <a:bodyPr wrap="none" rtlCol="0">
+            <a:spAutoFit/>
+          </a:bodyPr>
+          <a:lstStyle/>
+          <a:p>
+            <a:r>
+              <a:rPr kumimoji="1" lang="ja-JP" altLang="en-US" dirty="0" smtClean="0"/>
+              <a:t>　　　　</a:t>
+            </a:r>
+            <a:endParaRPr kumimoji="1" lang="ja-JP" altLang="en-US" dirty="0"/>
+          </a:p>
+        </p:txBody>
+      </p:sp>
+      <p:sp>
+        <p:nvSpPr>
+          <p:cNvPr id="37" name="テキスト ボックス 36"/>
+          <p:cNvSpPr txBox="1"/>
+          <p:nvPr/>
+        </p:nvSpPr>
+        <p:spPr>
+          <a:xfrm>
+            <a:off x="5929322" y="2512448"/>
+            <a:ext cx="492443" cy="369332"/>
+          </a:xfrm>
+          <a:prstGeom prst="rect">
+            <a:avLst/>
+          </a:prstGeom>
+        </p:spPr>
+        <p:style>
+          <a:lnRef idx="2">
+            <a:schemeClr val="accent2">
+              <a:shade val="50000"/>
+            </a:schemeClr>
+          </a:lnRef>
+          <a:fillRef idx="1">
+            <a:schemeClr val="accent2"/>
+          </a:fillRef>
+          <a:effectRef idx="0">
+            <a:schemeClr val="accent2"/>
+          </a:effectRef>
+          <a:fontRef idx="minor">
+            <a:schemeClr val="lt1"/>
+          </a:fontRef>
+        </p:style>
+        <p:txBody>
+          <a:bodyPr wrap="none" rtlCol="0">
+            <a:spAutoFit/>
+          </a:bodyPr>
+          <a:lstStyle/>
+          <a:p>
+            <a:r>
+              <a:rPr kumimoji="1" lang="ja-JP" altLang="en-US" dirty="0" smtClean="0"/>
+              <a:t>　　</a:t>
+            </a:r>
+            <a:endParaRPr kumimoji="1" lang="ja-JP" altLang="en-US" dirty="0"/>
+          </a:p>
+        </p:txBody>
+      </p:sp>
+      <p:sp>
+        <p:nvSpPr>
+          <p:cNvPr id="38" name="テキスト ボックス 37"/>
+          <p:cNvSpPr txBox="1"/>
+          <p:nvPr/>
+        </p:nvSpPr>
+        <p:spPr>
+          <a:xfrm>
+            <a:off x="6429388" y="2512448"/>
+            <a:ext cx="800219" cy="369332"/>
+          </a:xfrm>
+          <a:prstGeom prst="rect">
+            <a:avLst/>
+          </a:prstGeom>
+        </p:spPr>
+        <p:style>
+          <a:lnRef idx="2">
+            <a:schemeClr val="accent3">
+              <a:shade val="50000"/>
+            </a:schemeClr>
+          </a:lnRef>
+          <a:fillRef idx="1">
+            <a:schemeClr val="accent3"/>
+          </a:fillRef>
+          <a:effectRef idx="0">
+            <a:schemeClr val="accent3"/>
+          </a:effectRef>
+          <a:fontRef idx="minor">
+            <a:schemeClr val="lt1"/>
+          </a:fontRef>
+        </p:style>
+        <p:txBody>
+          <a:bodyPr wrap="none" rtlCol="0">
+            <a:spAutoFit/>
+          </a:bodyPr>
+          <a:lstStyle/>
+          <a:p>
+            <a:r>
+              <a:rPr kumimoji="1" lang="ja-JP" altLang="en-US" dirty="0" smtClean="0"/>
+              <a:t>　　　　</a:t>
+            </a:r>
+            <a:endParaRPr kumimoji="1" lang="ja-JP" altLang="en-US" dirty="0"/>
+          </a:p>
+        </p:txBody>
+      </p:sp>
+      <p:sp>
+        <p:nvSpPr>
+          <p:cNvPr id="39" name="テキスト ボックス 38"/>
+          <p:cNvSpPr txBox="1"/>
+          <p:nvPr/>
+        </p:nvSpPr>
+        <p:spPr>
+          <a:xfrm>
+            <a:off x="642910" y="4369836"/>
+            <a:ext cx="691215" cy="369332"/>
+          </a:xfrm>
+          <a:prstGeom prst="rect">
+            <a:avLst/>
+          </a:prstGeom>
+          <a:noFill/>
+        </p:spPr>
+        <p:txBody>
+          <a:bodyPr wrap="none" rtlCol="0">
+            <a:spAutoFit/>
+          </a:bodyPr>
+          <a:lstStyle/>
+          <a:p>
+            <a:r>
+              <a:rPr kumimoji="1" lang="en-US" altLang="ja-JP" dirty="0" smtClean="0"/>
+              <a:t>CPU1</a:t>
+            </a:r>
+            <a:endParaRPr kumimoji="1" lang="ja-JP" altLang="en-US" dirty="0"/>
+          </a:p>
+        </p:txBody>
+      </p:sp>
+      <p:sp>
+        <p:nvSpPr>
+          <p:cNvPr id="40" name="テキスト ボックス 39"/>
+          <p:cNvSpPr txBox="1"/>
+          <p:nvPr/>
+        </p:nvSpPr>
+        <p:spPr>
+          <a:xfrm>
+            <a:off x="2643174" y="4357694"/>
+            <a:ext cx="1107996" cy="369332"/>
+          </a:xfrm>
+          <a:prstGeom prst="rect">
+            <a:avLst/>
+          </a:prstGeom>
+        </p:spPr>
+        <p:style>
+          <a:lnRef idx="2">
+            <a:schemeClr val="accent1">
+              <a:shade val="50000"/>
+            </a:schemeClr>
+          </a:lnRef>
+          <a:fillRef idx="1">
+            <a:schemeClr val="accent1"/>
+          </a:fillRef>
+          <a:effectRef idx="0">
+            <a:schemeClr val="accent1"/>
+          </a:effectRef>
+          <a:fontRef idx="minor">
+            <a:schemeClr val="lt1"/>
+          </a:fontRef>
+        </p:style>
+        <p:txBody>
+          <a:bodyPr wrap="none" rtlCol="0">
+            <a:spAutoFit/>
+          </a:bodyPr>
+          <a:lstStyle/>
+          <a:p>
+            <a:r>
+              <a:rPr kumimoji="1" lang="ja-JP" altLang="en-US" dirty="0" smtClean="0"/>
+              <a:t>　　　　　　</a:t>
+            </a:r>
+            <a:endParaRPr kumimoji="1" lang="ja-JP" altLang="en-US" dirty="0"/>
+          </a:p>
+        </p:txBody>
+      </p:sp>
+      <p:sp>
+        <p:nvSpPr>
+          <p:cNvPr id="41" name="テキスト ボックス 40"/>
+          <p:cNvSpPr txBox="1"/>
+          <p:nvPr/>
+        </p:nvSpPr>
+        <p:spPr>
+          <a:xfrm>
+            <a:off x="3793805" y="4369836"/>
+            <a:ext cx="492443" cy="369332"/>
+          </a:xfrm>
+          <a:prstGeom prst="rect">
+            <a:avLst/>
+          </a:prstGeom>
+        </p:spPr>
+        <p:style>
+          <a:lnRef idx="2">
+            <a:schemeClr val="accent2">
+              <a:shade val="50000"/>
+            </a:schemeClr>
+          </a:lnRef>
+          <a:fillRef idx="1">
+            <a:schemeClr val="accent2"/>
+          </a:fillRef>
+          <a:effectRef idx="0">
+            <a:schemeClr val="accent2"/>
+          </a:effectRef>
+          <a:fontRef idx="minor">
+            <a:schemeClr val="lt1"/>
+          </a:fontRef>
+        </p:style>
+        <p:txBody>
+          <a:bodyPr wrap="none" rtlCol="0">
+            <a:spAutoFit/>
+          </a:bodyPr>
+          <a:lstStyle/>
+          <a:p>
+            <a:r>
+              <a:rPr kumimoji="1" lang="ja-JP" altLang="en-US" dirty="0" smtClean="0"/>
+              <a:t>　　</a:t>
+            </a:r>
+            <a:endParaRPr kumimoji="1" lang="ja-JP" altLang="en-US" dirty="0"/>
+          </a:p>
+        </p:txBody>
+      </p:sp>
+      <p:sp>
+        <p:nvSpPr>
+          <p:cNvPr id="42" name="テキスト ボックス 41"/>
+          <p:cNvSpPr txBox="1"/>
+          <p:nvPr/>
+        </p:nvSpPr>
+        <p:spPr>
+          <a:xfrm>
+            <a:off x="4286248" y="4369836"/>
+            <a:ext cx="1107996" cy="369332"/>
+          </a:xfrm>
+          <a:prstGeom prst="rect">
+            <a:avLst/>
+          </a:prstGeom>
+        </p:spPr>
+        <p:style>
+          <a:lnRef idx="2">
+            <a:schemeClr val="accent1">
+              <a:shade val="50000"/>
+            </a:schemeClr>
+          </a:lnRef>
+          <a:fillRef idx="1">
+            <a:schemeClr val="accent1"/>
+          </a:fillRef>
+          <a:effectRef idx="0">
+            <a:schemeClr val="accent1"/>
+          </a:effectRef>
+          <a:fontRef idx="minor">
+            <a:schemeClr val="lt1"/>
+          </a:fontRef>
+        </p:style>
+        <p:txBody>
+          <a:bodyPr wrap="none" rtlCol="0">
+            <a:spAutoFit/>
+          </a:bodyPr>
+          <a:lstStyle/>
+          <a:p>
+            <a:r>
+              <a:rPr kumimoji="1" lang="ja-JP" altLang="en-US" dirty="0" smtClean="0"/>
+              <a:t>　　　　　　</a:t>
+            </a:r>
+            <a:endParaRPr kumimoji="1" lang="ja-JP" altLang="en-US" dirty="0"/>
+          </a:p>
+        </p:txBody>
+      </p:sp>
+      <p:sp>
+        <p:nvSpPr>
+          <p:cNvPr id="43" name="テキスト ボックス 42"/>
+          <p:cNvSpPr txBox="1"/>
+          <p:nvPr/>
+        </p:nvSpPr>
+        <p:spPr>
+          <a:xfrm>
+            <a:off x="5429256" y="4369836"/>
+            <a:ext cx="492443" cy="369332"/>
+          </a:xfrm>
+          <a:prstGeom prst="rect">
+            <a:avLst/>
+          </a:prstGeom>
+        </p:spPr>
+        <p:style>
+          <a:lnRef idx="2">
+            <a:schemeClr val="accent2">
+              <a:shade val="50000"/>
+            </a:schemeClr>
+          </a:lnRef>
+          <a:fillRef idx="1">
+            <a:schemeClr val="accent2"/>
+          </a:fillRef>
+          <a:effectRef idx="0">
+            <a:schemeClr val="accent2"/>
+          </a:effectRef>
+          <a:fontRef idx="minor">
+            <a:schemeClr val="lt1"/>
+          </a:fontRef>
+        </p:style>
+        <p:txBody>
+          <a:bodyPr wrap="none" rtlCol="0">
+            <a:spAutoFit/>
+          </a:bodyPr>
+          <a:lstStyle/>
+          <a:p>
+            <a:r>
+              <a:rPr kumimoji="1" lang="ja-JP" altLang="en-US" dirty="0" smtClean="0"/>
+              <a:t>　　</a:t>
+            </a:r>
+            <a:endParaRPr kumimoji="1" lang="ja-JP" altLang="en-US" dirty="0"/>
+          </a:p>
+        </p:txBody>
+      </p:sp>
+      <p:sp>
+        <p:nvSpPr>
+          <p:cNvPr id="44" name="テキスト ボックス 43"/>
+          <p:cNvSpPr txBox="1"/>
+          <p:nvPr/>
+        </p:nvSpPr>
+        <p:spPr>
+          <a:xfrm>
+            <a:off x="5929322" y="4369836"/>
+            <a:ext cx="1107996" cy="369332"/>
+          </a:xfrm>
+          <a:prstGeom prst="rect">
+            <a:avLst/>
+          </a:prstGeom>
+        </p:spPr>
+        <p:style>
+          <a:lnRef idx="2">
+            <a:schemeClr val="accent1">
+              <a:shade val="50000"/>
+            </a:schemeClr>
+          </a:lnRef>
+          <a:fillRef idx="1">
+            <a:schemeClr val="accent1"/>
+          </a:fillRef>
+          <a:effectRef idx="0">
+            <a:schemeClr val="accent1"/>
+          </a:effectRef>
+          <a:fontRef idx="minor">
+            <a:schemeClr val="lt1"/>
+          </a:fontRef>
+        </p:style>
+        <p:txBody>
+          <a:bodyPr wrap="none" rtlCol="0">
+            <a:spAutoFit/>
+          </a:bodyPr>
+          <a:lstStyle/>
+          <a:p>
+            <a:r>
+              <a:rPr kumimoji="1" lang="ja-JP" altLang="en-US" dirty="0" smtClean="0"/>
+              <a:t>　　　　　　</a:t>
+            </a:r>
+            <a:endParaRPr kumimoji="1" lang="ja-JP" altLang="en-US" dirty="0"/>
+          </a:p>
+        </p:txBody>
+      </p:sp>
+      <p:sp>
+        <p:nvSpPr>
+          <p:cNvPr id="45" name="テキスト ボックス 44"/>
+          <p:cNvSpPr txBox="1"/>
+          <p:nvPr/>
+        </p:nvSpPr>
+        <p:spPr>
+          <a:xfrm>
+            <a:off x="1000100" y="2869638"/>
+            <a:ext cx="865943" cy="369332"/>
+          </a:xfrm>
+          <a:prstGeom prst="rect">
+            <a:avLst/>
+          </a:prstGeom>
+          <a:noFill/>
+        </p:spPr>
+        <p:txBody>
+          <a:bodyPr wrap="none" rtlCol="0">
+            <a:spAutoFit/>
+          </a:bodyPr>
+          <a:lstStyle/>
+          <a:p>
+            <a:r>
+              <a:rPr kumimoji="1" lang="ja-JP" altLang="en-US" dirty="0" smtClean="0"/>
+              <a:t>タスク</a:t>
+            </a:r>
+            <a:r>
+              <a:rPr kumimoji="1" lang="en-US" altLang="ja-JP" dirty="0" smtClean="0"/>
+              <a:t>a</a:t>
+            </a:r>
+          </a:p>
+        </p:txBody>
+      </p:sp>
+      <p:sp>
+        <p:nvSpPr>
+          <p:cNvPr id="46" name="テキスト ボックス 45"/>
+          <p:cNvSpPr txBox="1"/>
+          <p:nvPr/>
+        </p:nvSpPr>
+        <p:spPr>
+          <a:xfrm>
+            <a:off x="1000100" y="3226828"/>
+            <a:ext cx="877163" cy="369332"/>
+          </a:xfrm>
+          <a:prstGeom prst="rect">
+            <a:avLst/>
+          </a:prstGeom>
+          <a:noFill/>
+        </p:spPr>
+        <p:txBody>
+          <a:bodyPr wrap="none" rtlCol="0">
+            <a:spAutoFit/>
+          </a:bodyPr>
+          <a:lstStyle/>
+          <a:p>
+            <a:r>
+              <a:rPr kumimoji="1" lang="ja-JP" altLang="en-US" dirty="0" smtClean="0"/>
+              <a:t>タスク</a:t>
+            </a:r>
+            <a:r>
+              <a:rPr lang="en-US" altLang="ja-JP" dirty="0" smtClean="0"/>
+              <a:t>b</a:t>
+            </a:r>
+          </a:p>
+        </p:txBody>
+      </p:sp>
+      <p:sp>
+        <p:nvSpPr>
+          <p:cNvPr id="47" name="テキスト ボックス 46"/>
+          <p:cNvSpPr txBox="1"/>
+          <p:nvPr/>
+        </p:nvSpPr>
+        <p:spPr>
+          <a:xfrm>
+            <a:off x="1000100" y="3584018"/>
+            <a:ext cx="853119" cy="369332"/>
+          </a:xfrm>
+          <a:prstGeom prst="rect">
+            <a:avLst/>
+          </a:prstGeom>
+          <a:noFill/>
+        </p:spPr>
+        <p:txBody>
+          <a:bodyPr wrap="none" rtlCol="0">
+            <a:spAutoFit/>
+          </a:bodyPr>
+          <a:lstStyle/>
+          <a:p>
+            <a:r>
+              <a:rPr kumimoji="1" lang="ja-JP" altLang="en-US" dirty="0" smtClean="0"/>
+              <a:t>タスク</a:t>
+            </a:r>
+            <a:r>
+              <a:rPr lang="en-US" altLang="ja-JP" dirty="0" smtClean="0"/>
+              <a:t>c</a:t>
+            </a:r>
+            <a:endParaRPr kumimoji="1" lang="en-US" altLang="ja-JP" dirty="0" smtClean="0"/>
+          </a:p>
+        </p:txBody>
+      </p:sp>
+      <p:sp>
+        <p:nvSpPr>
+          <p:cNvPr id="48" name="テキスト ボックス 47"/>
+          <p:cNvSpPr txBox="1"/>
+          <p:nvPr/>
+        </p:nvSpPr>
+        <p:spPr>
+          <a:xfrm>
+            <a:off x="3143240" y="3655456"/>
+            <a:ext cx="800219" cy="369332"/>
+          </a:xfrm>
+          <a:prstGeom prst="rect">
+            <a:avLst/>
+          </a:prstGeom>
+        </p:spPr>
+        <p:style>
+          <a:lnRef idx="2">
+            <a:schemeClr val="accent3">
+              <a:shade val="50000"/>
+            </a:schemeClr>
+          </a:lnRef>
+          <a:fillRef idx="1">
+            <a:schemeClr val="accent3"/>
+          </a:fillRef>
+          <a:effectRef idx="0">
+            <a:schemeClr val="accent3"/>
+          </a:effectRef>
+          <a:fontRef idx="minor">
+            <a:schemeClr val="lt1"/>
+          </a:fontRef>
+        </p:style>
+        <p:txBody>
+          <a:bodyPr wrap="none" rtlCol="0">
+            <a:spAutoFit/>
+          </a:bodyPr>
+          <a:lstStyle/>
+          <a:p>
+            <a:r>
+              <a:rPr kumimoji="1" lang="ja-JP" altLang="en-US" dirty="0" smtClean="0"/>
+              <a:t>　　　　</a:t>
+            </a:r>
+            <a:endParaRPr kumimoji="1" lang="ja-JP" altLang="en-US" dirty="0"/>
+          </a:p>
+        </p:txBody>
+      </p:sp>
+      <p:sp>
+        <p:nvSpPr>
+          <p:cNvPr id="49" name="テキスト ボックス 48"/>
+          <p:cNvSpPr txBox="1"/>
+          <p:nvPr/>
+        </p:nvSpPr>
+        <p:spPr>
+          <a:xfrm>
+            <a:off x="4286248" y="3226828"/>
+            <a:ext cx="492443" cy="369332"/>
+          </a:xfrm>
+          <a:prstGeom prst="rect">
+            <a:avLst/>
+          </a:prstGeom>
+        </p:spPr>
+        <p:style>
+          <a:lnRef idx="2">
+            <a:schemeClr val="accent2">
+              <a:shade val="50000"/>
+            </a:schemeClr>
+          </a:lnRef>
+          <a:fillRef idx="1">
+            <a:schemeClr val="accent2"/>
+          </a:fillRef>
+          <a:effectRef idx="0">
+            <a:schemeClr val="accent2"/>
+          </a:effectRef>
+          <a:fontRef idx="minor">
+            <a:schemeClr val="lt1"/>
+          </a:fontRef>
+        </p:style>
+        <p:txBody>
+          <a:bodyPr wrap="none" rtlCol="0">
+            <a:spAutoFit/>
+          </a:bodyPr>
+          <a:lstStyle/>
+          <a:p>
+            <a:r>
+              <a:rPr kumimoji="1" lang="ja-JP" altLang="en-US" dirty="0" smtClean="0"/>
+              <a:t>　　</a:t>
+            </a:r>
+            <a:endParaRPr kumimoji="1" lang="ja-JP" altLang="en-US" dirty="0"/>
+          </a:p>
+        </p:txBody>
+      </p:sp>
+      <p:sp>
+        <p:nvSpPr>
+          <p:cNvPr id="50" name="テキスト ボックス 49"/>
+          <p:cNvSpPr txBox="1"/>
+          <p:nvPr/>
+        </p:nvSpPr>
+        <p:spPr>
+          <a:xfrm>
+            <a:off x="4786314" y="3655456"/>
+            <a:ext cx="800219" cy="369332"/>
+          </a:xfrm>
+          <a:prstGeom prst="rect">
+            <a:avLst/>
+          </a:prstGeom>
+        </p:spPr>
+        <p:style>
+          <a:lnRef idx="2">
+            <a:schemeClr val="accent3">
+              <a:shade val="50000"/>
+            </a:schemeClr>
+          </a:lnRef>
+          <a:fillRef idx="1">
+            <a:schemeClr val="accent3"/>
+          </a:fillRef>
+          <a:effectRef idx="0">
+            <a:schemeClr val="accent3"/>
+          </a:effectRef>
+          <a:fontRef idx="minor">
+            <a:schemeClr val="lt1"/>
+          </a:fontRef>
+        </p:style>
+        <p:txBody>
+          <a:bodyPr wrap="none" rtlCol="0">
+            <a:spAutoFit/>
+          </a:bodyPr>
+          <a:lstStyle/>
+          <a:p>
+            <a:r>
+              <a:rPr kumimoji="1" lang="ja-JP" altLang="en-US" dirty="0" smtClean="0"/>
+              <a:t>　　　　</a:t>
+            </a:r>
+            <a:endParaRPr kumimoji="1" lang="ja-JP" altLang="en-US" dirty="0"/>
+          </a:p>
+        </p:txBody>
+      </p:sp>
+      <p:sp>
+        <p:nvSpPr>
+          <p:cNvPr id="52" name="テキスト ボックス 51"/>
+          <p:cNvSpPr txBox="1"/>
+          <p:nvPr/>
+        </p:nvSpPr>
+        <p:spPr>
+          <a:xfrm>
+            <a:off x="5929322" y="3226828"/>
+            <a:ext cx="492443" cy="369332"/>
+          </a:xfrm>
+          <a:prstGeom prst="rect">
+            <a:avLst/>
+          </a:prstGeom>
+        </p:spPr>
+        <p:style>
+          <a:lnRef idx="2">
+            <a:schemeClr val="accent2">
+              <a:shade val="50000"/>
+            </a:schemeClr>
+          </a:lnRef>
+          <a:fillRef idx="1">
+            <a:schemeClr val="accent2"/>
+          </a:fillRef>
+          <a:effectRef idx="0">
+            <a:schemeClr val="accent2"/>
+          </a:effectRef>
+          <a:fontRef idx="minor">
+            <a:schemeClr val="lt1"/>
+          </a:fontRef>
+        </p:style>
+        <p:txBody>
+          <a:bodyPr wrap="none" rtlCol="0">
+            <a:spAutoFit/>
+          </a:bodyPr>
+          <a:lstStyle/>
+          <a:p>
+            <a:r>
+              <a:rPr kumimoji="1" lang="ja-JP" altLang="en-US" dirty="0" smtClean="0"/>
+              <a:t>　　</a:t>
+            </a:r>
+            <a:endParaRPr kumimoji="1" lang="ja-JP" altLang="en-US" dirty="0"/>
+          </a:p>
+        </p:txBody>
+      </p:sp>
+      <p:sp>
+        <p:nvSpPr>
+          <p:cNvPr id="53" name="テキスト ボックス 52"/>
+          <p:cNvSpPr txBox="1"/>
+          <p:nvPr/>
+        </p:nvSpPr>
+        <p:spPr>
+          <a:xfrm>
+            <a:off x="6429388" y="3655456"/>
+            <a:ext cx="800219" cy="369332"/>
+          </a:xfrm>
+          <a:prstGeom prst="rect">
+            <a:avLst/>
+          </a:prstGeom>
+        </p:spPr>
+        <p:style>
+          <a:lnRef idx="2">
+            <a:schemeClr val="accent3">
+              <a:shade val="50000"/>
+            </a:schemeClr>
+          </a:lnRef>
+          <a:fillRef idx="1">
+            <a:schemeClr val="accent3"/>
+          </a:fillRef>
+          <a:effectRef idx="0">
+            <a:schemeClr val="accent3"/>
+          </a:effectRef>
+          <a:fontRef idx="minor">
+            <a:schemeClr val="lt1"/>
+          </a:fontRef>
+        </p:style>
+        <p:txBody>
+          <a:bodyPr wrap="none" rtlCol="0">
+            <a:spAutoFit/>
+          </a:bodyPr>
+          <a:lstStyle/>
+          <a:p>
+            <a:r>
+              <a:rPr kumimoji="1" lang="ja-JP" altLang="en-US" dirty="0" smtClean="0"/>
+              <a:t>　　　　</a:t>
+            </a:r>
+            <a:endParaRPr kumimoji="1" lang="ja-JP" altLang="en-US" dirty="0"/>
+          </a:p>
+        </p:txBody>
+      </p:sp>
+      <p:sp>
+        <p:nvSpPr>
+          <p:cNvPr id="54" name="テキスト ボックス 53"/>
+          <p:cNvSpPr txBox="1"/>
+          <p:nvPr/>
+        </p:nvSpPr>
+        <p:spPr>
+          <a:xfrm>
+            <a:off x="1000100" y="4727026"/>
+            <a:ext cx="865943" cy="369332"/>
+          </a:xfrm>
+          <a:prstGeom prst="rect">
+            <a:avLst/>
+          </a:prstGeom>
+          <a:noFill/>
+        </p:spPr>
+        <p:txBody>
+          <a:bodyPr wrap="none" rtlCol="0">
+            <a:spAutoFit/>
+          </a:bodyPr>
+          <a:lstStyle/>
+          <a:p>
+            <a:r>
+              <a:rPr kumimoji="1" lang="ja-JP" altLang="en-US" dirty="0" smtClean="0"/>
+              <a:t>タスク</a:t>
+            </a:r>
+            <a:r>
+              <a:rPr kumimoji="1" lang="en-US" altLang="ja-JP" dirty="0" smtClean="0"/>
+              <a:t>a</a:t>
+            </a:r>
+          </a:p>
+        </p:txBody>
+      </p:sp>
+      <p:sp>
+        <p:nvSpPr>
+          <p:cNvPr id="55" name="テキスト ボックス 54"/>
+          <p:cNvSpPr txBox="1"/>
+          <p:nvPr/>
+        </p:nvSpPr>
+        <p:spPr>
+          <a:xfrm>
+            <a:off x="1000100" y="5084216"/>
+            <a:ext cx="877163" cy="369332"/>
+          </a:xfrm>
+          <a:prstGeom prst="rect">
+            <a:avLst/>
+          </a:prstGeom>
+          <a:noFill/>
+        </p:spPr>
+        <p:txBody>
+          <a:bodyPr wrap="none" rtlCol="0">
+            <a:spAutoFit/>
+          </a:bodyPr>
+          <a:lstStyle/>
+          <a:p>
+            <a:r>
+              <a:rPr kumimoji="1" lang="ja-JP" altLang="en-US" dirty="0" smtClean="0"/>
+              <a:t>タスク</a:t>
+            </a:r>
+            <a:r>
+              <a:rPr lang="en-US" altLang="ja-JP" dirty="0" smtClean="0"/>
+              <a:t>b</a:t>
+            </a:r>
+          </a:p>
+        </p:txBody>
+      </p:sp>
+      <p:sp>
+        <p:nvSpPr>
+          <p:cNvPr id="56" name="テキスト ボックス 55"/>
+          <p:cNvSpPr txBox="1"/>
+          <p:nvPr/>
+        </p:nvSpPr>
+        <p:spPr>
+          <a:xfrm>
+            <a:off x="1000100" y="5441406"/>
+            <a:ext cx="853119" cy="369332"/>
+          </a:xfrm>
+          <a:prstGeom prst="rect">
+            <a:avLst/>
+          </a:prstGeom>
+          <a:noFill/>
+        </p:spPr>
+        <p:txBody>
+          <a:bodyPr wrap="none" rtlCol="0">
+            <a:spAutoFit/>
+          </a:bodyPr>
+          <a:lstStyle/>
+          <a:p>
+            <a:r>
+              <a:rPr kumimoji="1" lang="ja-JP" altLang="en-US" dirty="0" smtClean="0"/>
+              <a:t>タスク</a:t>
+            </a:r>
+            <a:r>
+              <a:rPr lang="en-US" altLang="ja-JP" dirty="0" smtClean="0"/>
+              <a:t>c</a:t>
+            </a:r>
+            <a:endParaRPr kumimoji="1" lang="en-US" altLang="ja-JP" dirty="0" smtClean="0"/>
+          </a:p>
+        </p:txBody>
+      </p:sp>
+      <p:sp>
+        <p:nvSpPr>
+          <p:cNvPr id="57" name="テキスト ボックス 56"/>
+          <p:cNvSpPr txBox="1"/>
+          <p:nvPr/>
+        </p:nvSpPr>
+        <p:spPr>
+          <a:xfrm>
+            <a:off x="2643174" y="4727026"/>
+            <a:ext cx="1107996" cy="369332"/>
+          </a:xfrm>
+          <a:prstGeom prst="rect">
+            <a:avLst/>
+          </a:prstGeom>
+        </p:spPr>
+        <p:style>
+          <a:lnRef idx="2">
+            <a:schemeClr val="accent1">
+              <a:shade val="50000"/>
+            </a:schemeClr>
+          </a:lnRef>
+          <a:fillRef idx="1">
+            <a:schemeClr val="accent1"/>
+          </a:fillRef>
+          <a:effectRef idx="0">
+            <a:schemeClr val="accent1"/>
+          </a:effectRef>
+          <a:fontRef idx="minor">
+            <a:schemeClr val="lt1"/>
+          </a:fontRef>
+        </p:style>
+        <p:txBody>
+          <a:bodyPr wrap="none" rtlCol="0">
+            <a:spAutoFit/>
+          </a:bodyPr>
+          <a:lstStyle/>
+          <a:p>
+            <a:r>
+              <a:rPr kumimoji="1" lang="ja-JP" altLang="en-US" dirty="0" smtClean="0"/>
+              <a:t>　　　　　　</a:t>
+            </a:r>
+            <a:endParaRPr kumimoji="1" lang="ja-JP" altLang="en-US" dirty="0"/>
+          </a:p>
+        </p:txBody>
+      </p:sp>
+      <p:sp>
+        <p:nvSpPr>
+          <p:cNvPr id="58" name="テキスト ボックス 57"/>
+          <p:cNvSpPr txBox="1"/>
+          <p:nvPr/>
+        </p:nvSpPr>
+        <p:spPr>
+          <a:xfrm>
+            <a:off x="4286248" y="4739168"/>
+            <a:ext cx="1107996" cy="369332"/>
+          </a:xfrm>
+          <a:prstGeom prst="rect">
+            <a:avLst/>
+          </a:prstGeom>
+        </p:spPr>
+        <p:style>
+          <a:lnRef idx="2">
+            <a:schemeClr val="accent1">
+              <a:shade val="50000"/>
+            </a:schemeClr>
+          </a:lnRef>
+          <a:fillRef idx="1">
+            <a:schemeClr val="accent1"/>
+          </a:fillRef>
+          <a:effectRef idx="0">
+            <a:schemeClr val="accent1"/>
+          </a:effectRef>
+          <a:fontRef idx="minor">
+            <a:schemeClr val="lt1"/>
+          </a:fontRef>
+        </p:style>
+        <p:txBody>
+          <a:bodyPr wrap="none" rtlCol="0">
+            <a:spAutoFit/>
+          </a:bodyPr>
+          <a:lstStyle/>
+          <a:p>
+            <a:r>
+              <a:rPr kumimoji="1" lang="ja-JP" altLang="en-US" dirty="0" smtClean="0"/>
+              <a:t>　　　　　　</a:t>
+            </a:r>
+            <a:endParaRPr kumimoji="1" lang="ja-JP" altLang="en-US" dirty="0"/>
+          </a:p>
+        </p:txBody>
+      </p:sp>
+      <p:sp>
+        <p:nvSpPr>
+          <p:cNvPr id="59" name="テキスト ボックス 58"/>
+          <p:cNvSpPr txBox="1"/>
+          <p:nvPr/>
+        </p:nvSpPr>
+        <p:spPr>
+          <a:xfrm>
+            <a:off x="5929322" y="4739168"/>
+            <a:ext cx="1107996" cy="369332"/>
+          </a:xfrm>
+          <a:prstGeom prst="rect">
+            <a:avLst/>
+          </a:prstGeom>
+        </p:spPr>
+        <p:style>
+          <a:lnRef idx="2">
+            <a:schemeClr val="accent1">
+              <a:shade val="50000"/>
+            </a:schemeClr>
+          </a:lnRef>
+          <a:fillRef idx="1">
+            <a:schemeClr val="accent1"/>
+          </a:fillRef>
+          <a:effectRef idx="0">
+            <a:schemeClr val="accent1"/>
+          </a:effectRef>
+          <a:fontRef idx="minor">
+            <a:schemeClr val="lt1"/>
+          </a:fontRef>
+        </p:style>
+        <p:txBody>
+          <a:bodyPr wrap="none" rtlCol="0">
+            <a:spAutoFit/>
+          </a:bodyPr>
+          <a:lstStyle/>
+          <a:p>
+            <a:r>
+              <a:rPr kumimoji="1" lang="ja-JP" altLang="en-US" dirty="0" smtClean="0"/>
+              <a:t>　　　　　　</a:t>
+            </a:r>
+            <a:endParaRPr kumimoji="1" lang="ja-JP" altLang="en-US" dirty="0"/>
+          </a:p>
+        </p:txBody>
+      </p:sp>
+      <p:sp>
+        <p:nvSpPr>
+          <p:cNvPr id="60" name="テキスト ボックス 59"/>
+          <p:cNvSpPr txBox="1"/>
+          <p:nvPr/>
+        </p:nvSpPr>
+        <p:spPr>
+          <a:xfrm>
+            <a:off x="3793805" y="5155654"/>
+            <a:ext cx="492443" cy="369332"/>
+          </a:xfrm>
+          <a:prstGeom prst="rect">
+            <a:avLst/>
+          </a:prstGeom>
+        </p:spPr>
+        <p:style>
+          <a:lnRef idx="2">
+            <a:schemeClr val="accent2">
+              <a:shade val="50000"/>
+            </a:schemeClr>
+          </a:lnRef>
+          <a:fillRef idx="1">
+            <a:schemeClr val="accent2"/>
+          </a:fillRef>
+          <a:effectRef idx="0">
+            <a:schemeClr val="accent2"/>
+          </a:effectRef>
+          <a:fontRef idx="minor">
+            <a:schemeClr val="lt1"/>
+          </a:fontRef>
+        </p:style>
+        <p:txBody>
+          <a:bodyPr wrap="none" rtlCol="0">
+            <a:spAutoFit/>
+          </a:bodyPr>
+          <a:lstStyle/>
+          <a:p>
+            <a:r>
+              <a:rPr kumimoji="1" lang="ja-JP" altLang="en-US" dirty="0" smtClean="0"/>
+              <a:t>　　</a:t>
+            </a:r>
+            <a:endParaRPr kumimoji="1" lang="ja-JP" altLang="en-US" dirty="0"/>
+          </a:p>
+        </p:txBody>
+      </p:sp>
+      <p:sp>
+        <p:nvSpPr>
+          <p:cNvPr id="61" name="テキスト ボックス 60"/>
+          <p:cNvSpPr txBox="1"/>
+          <p:nvPr/>
+        </p:nvSpPr>
+        <p:spPr>
+          <a:xfrm>
+            <a:off x="5429256" y="5155654"/>
+            <a:ext cx="492443" cy="369332"/>
+          </a:xfrm>
+          <a:prstGeom prst="rect">
+            <a:avLst/>
+          </a:prstGeom>
+        </p:spPr>
+        <p:style>
+          <a:lnRef idx="2">
+            <a:schemeClr val="accent2">
+              <a:shade val="50000"/>
+            </a:schemeClr>
+          </a:lnRef>
+          <a:fillRef idx="1">
+            <a:schemeClr val="accent2"/>
+          </a:fillRef>
+          <a:effectRef idx="0">
+            <a:schemeClr val="accent2"/>
+          </a:effectRef>
+          <a:fontRef idx="minor">
+            <a:schemeClr val="lt1"/>
+          </a:fontRef>
+        </p:style>
+        <p:txBody>
+          <a:bodyPr wrap="none" rtlCol="0">
+            <a:spAutoFit/>
+          </a:bodyPr>
+          <a:lstStyle/>
+          <a:p>
+            <a:r>
+              <a:rPr kumimoji="1" lang="ja-JP" altLang="en-US" dirty="0" smtClean="0"/>
+              <a:t>　　</a:t>
+            </a:r>
+            <a:endParaRPr kumimoji="1" lang="ja-JP" altLang="en-US" dirty="0"/>
+          </a:p>
+        </p:txBody>
+      </p:sp>
+      <p:sp>
+        <p:nvSpPr>
+          <p:cNvPr id="62" name="テキスト ボックス 61"/>
+          <p:cNvSpPr txBox="1"/>
+          <p:nvPr/>
+        </p:nvSpPr>
+        <p:spPr>
+          <a:xfrm>
+            <a:off x="428596" y="1655192"/>
+            <a:ext cx="300082" cy="369332"/>
+          </a:xfrm>
+          <a:prstGeom prst="rect">
+            <a:avLst/>
+          </a:prstGeom>
+        </p:spPr>
+        <p:style>
+          <a:lnRef idx="2">
+            <a:schemeClr val="dk1"/>
+          </a:lnRef>
+          <a:fillRef idx="1">
+            <a:schemeClr val="lt1"/>
+          </a:fillRef>
+          <a:effectRef idx="0">
+            <a:schemeClr val="dk1"/>
+          </a:effectRef>
+          <a:fontRef idx="minor">
+            <a:schemeClr val="dk1"/>
+          </a:fontRef>
+        </p:style>
+        <p:txBody>
+          <a:bodyPr wrap="none" rtlCol="0">
+            <a:spAutoFit/>
+          </a:bodyPr>
+          <a:lstStyle/>
+          <a:p>
+            <a:r>
+              <a:rPr kumimoji="1" lang="en-US" altLang="ja-JP" dirty="0" smtClean="0"/>
+              <a:t>+</a:t>
+            </a:r>
+            <a:endParaRPr kumimoji="1" lang="ja-JP" altLang="en-US" dirty="0"/>
+          </a:p>
+        </p:txBody>
+      </p:sp>
+      <p:sp>
+        <p:nvSpPr>
+          <p:cNvPr id="63" name="テキスト ボックス 62"/>
+          <p:cNvSpPr txBox="1"/>
+          <p:nvPr/>
+        </p:nvSpPr>
+        <p:spPr>
+          <a:xfrm>
+            <a:off x="428596" y="2512448"/>
+            <a:ext cx="255198" cy="369332"/>
+          </a:xfrm>
+          <a:prstGeom prst="rect">
+            <a:avLst/>
+          </a:prstGeom>
+        </p:spPr>
+        <p:style>
+          <a:lnRef idx="2">
+            <a:schemeClr val="dk1"/>
+          </a:lnRef>
+          <a:fillRef idx="1">
+            <a:schemeClr val="lt1"/>
+          </a:fillRef>
+          <a:effectRef idx="0">
+            <a:schemeClr val="dk1"/>
+          </a:effectRef>
+          <a:fontRef idx="minor">
+            <a:schemeClr val="dk1"/>
+          </a:fontRef>
+        </p:style>
+        <p:txBody>
+          <a:bodyPr wrap="none" rtlCol="0">
+            <a:spAutoFit/>
+          </a:bodyPr>
+          <a:lstStyle/>
+          <a:p>
+            <a:r>
+              <a:rPr kumimoji="1" lang="en-US" altLang="ja-JP" dirty="0" smtClean="0"/>
+              <a:t>-</a:t>
+            </a:r>
+            <a:endParaRPr kumimoji="1" lang="ja-JP" altLang="en-US" dirty="0"/>
+          </a:p>
+        </p:txBody>
+      </p:sp>
+      <p:sp>
+        <p:nvSpPr>
+          <p:cNvPr id="64" name="テキスト ボックス 63"/>
+          <p:cNvSpPr txBox="1"/>
+          <p:nvPr/>
+        </p:nvSpPr>
+        <p:spPr>
+          <a:xfrm>
+            <a:off x="428596" y="4369836"/>
+            <a:ext cx="255198" cy="369332"/>
+          </a:xfrm>
+          <a:prstGeom prst="rect">
+            <a:avLst/>
+          </a:prstGeom>
+        </p:spPr>
+        <p:style>
+          <a:lnRef idx="2">
+            <a:schemeClr val="dk1"/>
+          </a:lnRef>
+          <a:fillRef idx="1">
+            <a:schemeClr val="lt1"/>
+          </a:fillRef>
+          <a:effectRef idx="0">
+            <a:schemeClr val="dk1"/>
+          </a:effectRef>
+          <a:fontRef idx="minor">
+            <a:schemeClr val="dk1"/>
+          </a:fontRef>
+        </p:style>
+        <p:txBody>
+          <a:bodyPr wrap="none" rtlCol="0">
+            <a:spAutoFit/>
+          </a:bodyPr>
+          <a:lstStyle/>
+          <a:p>
+            <a:r>
+              <a:rPr lang="en-US" altLang="ja-JP" dirty="0" smtClean="0"/>
+              <a:t>-</a:t>
+            </a:r>
+            <a:endParaRPr kumimoji="1" lang="ja-JP" altLang="en-US" dirty="0"/>
+          </a:p>
+        </p:txBody>
+      </p:sp>
+      <p:sp>
+        <p:nvSpPr>
+          <p:cNvPr id="51" name="テキスト ボックス 50"/>
+          <p:cNvSpPr txBox="1"/>
+          <p:nvPr/>
+        </p:nvSpPr>
+        <p:spPr>
+          <a:xfrm>
+            <a:off x="7043745" y="5072074"/>
+            <a:ext cx="2100255" cy="1323439"/>
+          </a:xfrm>
+          <a:prstGeom prst="rect">
+            <a:avLst/>
+          </a:prstGeom>
+        </p:spPr>
+        <p:style>
+          <a:lnRef idx="1">
+            <a:schemeClr val="accent6"/>
+          </a:lnRef>
+          <a:fillRef idx="2">
+            <a:schemeClr val="accent6"/>
+          </a:fillRef>
+          <a:effectRef idx="1">
+            <a:schemeClr val="accent6"/>
+          </a:effectRef>
+          <a:fontRef idx="minor">
+            <a:schemeClr val="dk1"/>
+          </a:fontRef>
+        </p:style>
+        <p:txBody>
+          <a:bodyPr wrap="none" rtlCol="0">
+            <a:spAutoFit/>
+          </a:bodyPr>
+          <a:lstStyle/>
+          <a:p>
+            <a:r>
+              <a:rPr kumimoji="1" lang="ja-JP" altLang="en-US" sz="2000" dirty="0" smtClean="0"/>
+              <a:t>現在の表示から、</a:t>
+            </a:r>
+            <a:endParaRPr kumimoji="1" lang="en-US" altLang="ja-JP" sz="2000" dirty="0" smtClean="0"/>
+          </a:p>
+          <a:p>
+            <a:r>
+              <a:rPr lang="ja-JP" altLang="en-US" sz="2000" dirty="0" smtClean="0"/>
+              <a:t>背景色に</a:t>
+            </a:r>
+            <a:r>
+              <a:rPr lang="ja-JP" altLang="en-US" sz="2000" dirty="0" smtClean="0"/>
+              <a:t>よる</a:t>
+            </a:r>
+            <a:endParaRPr lang="en-US" altLang="ja-JP" sz="2000" dirty="0" smtClean="0"/>
+          </a:p>
+          <a:p>
+            <a:r>
+              <a:rPr lang="en-US" altLang="ja-JP" sz="2000" dirty="0" smtClean="0"/>
+              <a:t>CPU</a:t>
+            </a:r>
+            <a:r>
+              <a:rPr lang="ja-JP" altLang="en-US" sz="2000" dirty="0" smtClean="0"/>
+              <a:t>割り当ての</a:t>
+            </a:r>
+            <a:endParaRPr lang="en-US" altLang="ja-JP" sz="2000" dirty="0" smtClean="0"/>
+          </a:p>
+          <a:p>
+            <a:r>
+              <a:rPr kumimoji="1" lang="ja-JP" altLang="en-US" sz="2000" dirty="0" smtClean="0"/>
+              <a:t>表示</a:t>
+            </a:r>
+            <a:r>
+              <a:rPr kumimoji="1" lang="ja-JP" altLang="en-US" sz="2000" dirty="0" smtClean="0"/>
+              <a:t>を省いた</a:t>
+            </a:r>
+            <a:endParaRPr kumimoji="1" lang="ja-JP" altLang="en-US" sz="2000" dirty="0"/>
+          </a:p>
+        </p:txBody>
+      </p:sp>
+      <p:sp>
+        <p:nvSpPr>
+          <p:cNvPr id="67" name="テキスト ボックス 66"/>
+          <p:cNvSpPr txBox="1"/>
+          <p:nvPr/>
+        </p:nvSpPr>
+        <p:spPr>
+          <a:xfrm>
+            <a:off x="7676932" y="1500174"/>
+            <a:ext cx="1467068" cy="400110"/>
+          </a:xfrm>
+          <a:prstGeom prst="rect">
+            <a:avLst/>
+          </a:prstGeom>
+        </p:spPr>
+        <p:style>
+          <a:lnRef idx="1">
+            <a:schemeClr val="accent6"/>
+          </a:lnRef>
+          <a:fillRef idx="2">
+            <a:schemeClr val="accent6"/>
+          </a:fillRef>
+          <a:effectRef idx="1">
+            <a:schemeClr val="accent6"/>
+          </a:effectRef>
+          <a:fontRef idx="minor">
+            <a:schemeClr val="dk1"/>
+          </a:fontRef>
+        </p:style>
+        <p:txBody>
+          <a:bodyPr wrap="none" rtlCol="0">
+            <a:spAutoFit/>
+          </a:bodyPr>
+          <a:lstStyle/>
+          <a:p>
+            <a:r>
+              <a:rPr kumimoji="1" lang="ja-JP" altLang="en-US" sz="2000" dirty="0" smtClean="0"/>
+              <a:t>現在の機能</a:t>
+            </a:r>
+            <a:endParaRPr kumimoji="1" lang="ja-JP" altLang="en-US" sz="2000" dirty="0"/>
+          </a:p>
+        </p:txBody>
+      </p:sp>
+      <p:cxnSp>
+        <p:nvCxnSpPr>
+          <p:cNvPr id="69" name="直線矢印コネクタ 68"/>
+          <p:cNvCxnSpPr/>
+          <p:nvPr/>
+        </p:nvCxnSpPr>
+        <p:spPr>
+          <a:xfrm rot="10800000" flipV="1">
+            <a:off x="7143768" y="1928802"/>
+            <a:ext cx="500066" cy="71438"/>
+          </a:xfrm>
+          <a:prstGeom prst="straightConnector1">
+            <a:avLst/>
+          </a:prstGeom>
+          <a:ln>
+            <a:tailEnd type="arrow"/>
+          </a:ln>
+        </p:spPr>
+        <p:style>
+          <a:lnRef idx="3">
+            <a:schemeClr val="accent6"/>
+          </a:lnRef>
+          <a:fillRef idx="0">
+            <a:schemeClr val="accent6"/>
+          </a:fillRef>
+          <a:effectRef idx="2">
+            <a:schemeClr val="accent6"/>
+          </a:effectRef>
+          <a:fontRef idx="minor">
+            <a:schemeClr val="tx1"/>
+          </a:fontRef>
+        </p:style>
+      </p:cxnSp>
     </p:spTree>
   </p:cSld>
   <p:clrMapOvr>
@@ -4366,110 +6220,17 @@
         </p:nvSpPr>
         <p:spPr/>
         <p:txBody>
-          <a:bodyPr>
-            <a:normAutofit/>
-          </a:bodyPr>
-          <a:lstStyle/>
-          <a:p>
-            <a:r>
-              <a:rPr kumimoji="1" lang="ja-JP" altLang="en-US" dirty="0" smtClean="0"/>
-              <a:t>入力</a:t>
-            </a:r>
-            <a:r>
-              <a:rPr kumimoji="1" lang="en-US" altLang="ja-JP" dirty="0" smtClean="0"/>
-              <a:t>(</a:t>
-            </a:r>
-            <a:r>
-              <a:rPr kumimoji="1" lang="ja-JP" altLang="en-US" dirty="0" smtClean="0"/>
-              <a:t>ログ</a:t>
-            </a:r>
-            <a:r>
-              <a:rPr kumimoji="1" lang="en-US" altLang="ja-JP" dirty="0" smtClean="0"/>
-              <a:t>)</a:t>
-            </a:r>
-            <a:endParaRPr kumimoji="1" lang="ja-JP" altLang="en-US" dirty="0"/>
-          </a:p>
-        </p:txBody>
-      </p:sp>
-      <p:sp>
-        <p:nvSpPr>
-          <p:cNvPr id="3" name="コンテンツ プレースホルダ 2"/>
-          <p:cNvSpPr>
-            <a:spLocks noGrp="1"/>
-          </p:cNvSpPr>
-          <p:nvPr>
-            <p:ph idx="1"/>
-          </p:nvPr>
-        </p:nvSpPr>
-        <p:spPr/>
-        <p:txBody>
           <a:bodyPr/>
           <a:lstStyle/>
           <a:p>
             <a:r>
-              <a:rPr lang="ja-JP" altLang="en-US" dirty="0" smtClean="0"/>
-              <a:t>追跡するログ</a:t>
-            </a:r>
-            <a:endParaRPr lang="en-US" altLang="ja-JP" dirty="0" smtClean="0"/>
-          </a:p>
-          <a:p>
-            <a:pPr lvl="1"/>
-            <a:r>
-              <a:rPr lang="ja-JP" altLang="en-US" dirty="0" smtClean="0"/>
-              <a:t>マイグレーション</a:t>
-            </a:r>
-            <a:endParaRPr lang="en-US" altLang="ja-JP" dirty="0" smtClean="0"/>
-          </a:p>
-          <a:p>
-            <a:pPr lvl="2"/>
-            <a:r>
-              <a:rPr lang="ja-JP" altLang="en-US" dirty="0" smtClean="0"/>
-              <a:t>ログ名：不明</a:t>
-            </a:r>
-            <a:endParaRPr lang="en-US" altLang="ja-JP" dirty="0" smtClean="0"/>
-          </a:p>
-          <a:p>
-            <a:pPr lvl="2"/>
-            <a:r>
-              <a:rPr lang="ja-JP" altLang="en-US" dirty="0" smtClean="0"/>
-              <a:t>タスクの再割り当てを追跡するため</a:t>
-            </a:r>
-            <a:endParaRPr lang="en-US" altLang="ja-JP" dirty="0" smtClean="0"/>
-          </a:p>
-          <a:p>
-            <a:pPr lvl="1"/>
-            <a:r>
-              <a:rPr kumimoji="1" lang="ja-JP" altLang="en-US" dirty="0" smtClean="0"/>
-              <a:t>タスクの状態変化</a:t>
-            </a:r>
-            <a:endParaRPr kumimoji="1" lang="en-US" altLang="ja-JP" dirty="0" smtClean="0"/>
-          </a:p>
-          <a:p>
-            <a:pPr lvl="2"/>
-            <a:r>
-              <a:rPr lang="ja-JP" altLang="en-US" dirty="0" smtClean="0"/>
-              <a:t>ログ名：不明</a:t>
-            </a:r>
-            <a:endParaRPr lang="en-US" altLang="ja-JP" dirty="0" smtClean="0"/>
-          </a:p>
-          <a:p>
-            <a:pPr lvl="2"/>
-            <a:r>
-              <a:rPr lang="ja-JP" altLang="en-US" dirty="0" smtClean="0"/>
-              <a:t>タスク</a:t>
-            </a:r>
-            <a:r>
-              <a:rPr lang="ja-JP" altLang="en-US" dirty="0" smtClean="0"/>
-              <a:t>が</a:t>
-            </a:r>
-            <a:r>
-              <a:rPr lang="ja-JP" altLang="en-US" dirty="0" smtClean="0"/>
-              <a:t>何状態になったのか</a:t>
-            </a:r>
-            <a:endParaRPr lang="en-US" altLang="ja-JP" dirty="0" smtClean="0"/>
-          </a:p>
-          <a:p>
-            <a:pPr lvl="2"/>
+              <a:rPr kumimoji="1" lang="ja-JP" altLang="en-US" dirty="0" smtClean="0"/>
+              <a:t>出力</a:t>
+            </a:r>
+            <a:r>
+              <a:rPr kumimoji="1" lang="ja-JP" altLang="en-US" dirty="0" smtClean="0"/>
+              <a:t>（マイグレーション矢印）</a:t>
+            </a:r>
             <a:endParaRPr kumimoji="1" lang="ja-JP" altLang="en-US" dirty="0"/>
           </a:p>
         </p:txBody>
@@ -4495,6 +6256,814 @@
               <a:t>4</a:t>
             </a:fld>
             <a:endParaRPr lang="ja-JP" altLang="en-US"/>
+          </a:p>
+        </p:txBody>
+      </p:sp>
+      <p:sp>
+        <p:nvSpPr>
+          <p:cNvPr id="28" name="テキスト ボックス 27"/>
+          <p:cNvSpPr txBox="1"/>
+          <p:nvPr/>
+        </p:nvSpPr>
+        <p:spPr>
+          <a:xfrm>
+            <a:off x="642910" y="2130974"/>
+            <a:ext cx="691215" cy="369332"/>
+          </a:xfrm>
+          <a:prstGeom prst="rect">
+            <a:avLst/>
+          </a:prstGeom>
+          <a:noFill/>
+        </p:spPr>
+        <p:txBody>
+          <a:bodyPr wrap="none" rtlCol="0">
+            <a:spAutoFit/>
+          </a:bodyPr>
+          <a:lstStyle/>
+          <a:p>
+            <a:r>
+              <a:rPr kumimoji="1" lang="en-US" altLang="ja-JP" dirty="0" smtClean="0"/>
+              <a:t>CPU1</a:t>
+            </a:r>
+            <a:endParaRPr kumimoji="1" lang="ja-JP" altLang="en-US" dirty="0"/>
+          </a:p>
+        </p:txBody>
+      </p:sp>
+      <p:sp>
+        <p:nvSpPr>
+          <p:cNvPr id="30" name="テキスト ボックス 29"/>
+          <p:cNvSpPr txBox="1"/>
+          <p:nvPr/>
+        </p:nvSpPr>
+        <p:spPr>
+          <a:xfrm>
+            <a:off x="3143240" y="2118832"/>
+            <a:ext cx="800219" cy="369332"/>
+          </a:xfrm>
+          <a:prstGeom prst="rect">
+            <a:avLst/>
+          </a:prstGeom>
+        </p:spPr>
+        <p:style>
+          <a:lnRef idx="2">
+            <a:schemeClr val="accent3">
+              <a:shade val="50000"/>
+            </a:schemeClr>
+          </a:lnRef>
+          <a:fillRef idx="1">
+            <a:schemeClr val="accent3"/>
+          </a:fillRef>
+          <a:effectRef idx="0">
+            <a:schemeClr val="accent3"/>
+          </a:effectRef>
+          <a:fontRef idx="minor">
+            <a:schemeClr val="lt1"/>
+          </a:fontRef>
+        </p:style>
+        <p:txBody>
+          <a:bodyPr wrap="none" rtlCol="0">
+            <a:spAutoFit/>
+          </a:bodyPr>
+          <a:lstStyle/>
+          <a:p>
+            <a:r>
+              <a:rPr kumimoji="1" lang="ja-JP" altLang="en-US" dirty="0" smtClean="0"/>
+              <a:t>　　　　</a:t>
+            </a:r>
+            <a:endParaRPr kumimoji="1" lang="ja-JP" altLang="en-US" dirty="0"/>
+          </a:p>
+        </p:txBody>
+      </p:sp>
+      <p:sp>
+        <p:nvSpPr>
+          <p:cNvPr id="32" name="テキスト ボックス 31"/>
+          <p:cNvSpPr txBox="1"/>
+          <p:nvPr/>
+        </p:nvSpPr>
+        <p:spPr>
+          <a:xfrm>
+            <a:off x="4286248" y="2118832"/>
+            <a:ext cx="492443" cy="369332"/>
+          </a:xfrm>
+          <a:prstGeom prst="rect">
+            <a:avLst/>
+          </a:prstGeom>
+        </p:spPr>
+        <p:style>
+          <a:lnRef idx="2">
+            <a:schemeClr val="accent2">
+              <a:shade val="50000"/>
+            </a:schemeClr>
+          </a:lnRef>
+          <a:fillRef idx="1">
+            <a:schemeClr val="accent2"/>
+          </a:fillRef>
+          <a:effectRef idx="0">
+            <a:schemeClr val="accent2"/>
+          </a:effectRef>
+          <a:fontRef idx="minor">
+            <a:schemeClr val="lt1"/>
+          </a:fontRef>
+        </p:style>
+        <p:txBody>
+          <a:bodyPr wrap="none" rtlCol="0">
+            <a:spAutoFit/>
+          </a:bodyPr>
+          <a:lstStyle/>
+          <a:p>
+            <a:r>
+              <a:rPr kumimoji="1" lang="ja-JP" altLang="en-US" dirty="0" smtClean="0"/>
+              <a:t>　　</a:t>
+            </a:r>
+            <a:endParaRPr kumimoji="1" lang="ja-JP" altLang="en-US" dirty="0"/>
+          </a:p>
+        </p:txBody>
+      </p:sp>
+      <p:sp>
+        <p:nvSpPr>
+          <p:cNvPr id="34" name="テキスト ボックス 33"/>
+          <p:cNvSpPr txBox="1"/>
+          <p:nvPr/>
+        </p:nvSpPr>
+        <p:spPr>
+          <a:xfrm>
+            <a:off x="4786314" y="2118832"/>
+            <a:ext cx="800219" cy="369332"/>
+          </a:xfrm>
+          <a:prstGeom prst="rect">
+            <a:avLst/>
+          </a:prstGeom>
+        </p:spPr>
+        <p:style>
+          <a:lnRef idx="2">
+            <a:schemeClr val="accent3">
+              <a:shade val="50000"/>
+            </a:schemeClr>
+          </a:lnRef>
+          <a:fillRef idx="1">
+            <a:schemeClr val="accent3"/>
+          </a:fillRef>
+          <a:effectRef idx="0">
+            <a:schemeClr val="accent3"/>
+          </a:effectRef>
+          <a:fontRef idx="minor">
+            <a:schemeClr val="lt1"/>
+          </a:fontRef>
+        </p:style>
+        <p:txBody>
+          <a:bodyPr wrap="none" rtlCol="0">
+            <a:spAutoFit/>
+          </a:bodyPr>
+          <a:lstStyle/>
+          <a:p>
+            <a:r>
+              <a:rPr kumimoji="1" lang="ja-JP" altLang="en-US" dirty="0" smtClean="0"/>
+              <a:t>　　　　</a:t>
+            </a:r>
+            <a:endParaRPr kumimoji="1" lang="ja-JP" altLang="en-US" dirty="0"/>
+          </a:p>
+        </p:txBody>
+      </p:sp>
+      <p:sp>
+        <p:nvSpPr>
+          <p:cNvPr id="37" name="テキスト ボックス 36"/>
+          <p:cNvSpPr txBox="1"/>
+          <p:nvPr/>
+        </p:nvSpPr>
+        <p:spPr>
+          <a:xfrm>
+            <a:off x="5929322" y="2130974"/>
+            <a:ext cx="492443" cy="369332"/>
+          </a:xfrm>
+          <a:prstGeom prst="rect">
+            <a:avLst/>
+          </a:prstGeom>
+        </p:spPr>
+        <p:style>
+          <a:lnRef idx="2">
+            <a:schemeClr val="accent2">
+              <a:shade val="50000"/>
+            </a:schemeClr>
+          </a:lnRef>
+          <a:fillRef idx="1">
+            <a:schemeClr val="accent2"/>
+          </a:fillRef>
+          <a:effectRef idx="0">
+            <a:schemeClr val="accent2"/>
+          </a:effectRef>
+          <a:fontRef idx="minor">
+            <a:schemeClr val="lt1"/>
+          </a:fontRef>
+        </p:style>
+        <p:txBody>
+          <a:bodyPr wrap="none" rtlCol="0">
+            <a:spAutoFit/>
+          </a:bodyPr>
+          <a:lstStyle/>
+          <a:p>
+            <a:r>
+              <a:rPr kumimoji="1" lang="ja-JP" altLang="en-US" dirty="0" smtClean="0"/>
+              <a:t>　　</a:t>
+            </a:r>
+            <a:endParaRPr kumimoji="1" lang="ja-JP" altLang="en-US" dirty="0"/>
+          </a:p>
+        </p:txBody>
+      </p:sp>
+      <p:sp>
+        <p:nvSpPr>
+          <p:cNvPr id="38" name="テキスト ボックス 37"/>
+          <p:cNvSpPr txBox="1"/>
+          <p:nvPr/>
+        </p:nvSpPr>
+        <p:spPr>
+          <a:xfrm>
+            <a:off x="6429388" y="2130974"/>
+            <a:ext cx="800219" cy="369332"/>
+          </a:xfrm>
+          <a:prstGeom prst="rect">
+            <a:avLst/>
+          </a:prstGeom>
+        </p:spPr>
+        <p:style>
+          <a:lnRef idx="2">
+            <a:schemeClr val="accent3">
+              <a:shade val="50000"/>
+            </a:schemeClr>
+          </a:lnRef>
+          <a:fillRef idx="1">
+            <a:schemeClr val="accent3"/>
+          </a:fillRef>
+          <a:effectRef idx="0">
+            <a:schemeClr val="accent3"/>
+          </a:effectRef>
+          <a:fontRef idx="minor">
+            <a:schemeClr val="lt1"/>
+          </a:fontRef>
+        </p:style>
+        <p:txBody>
+          <a:bodyPr wrap="none" rtlCol="0">
+            <a:spAutoFit/>
+          </a:bodyPr>
+          <a:lstStyle/>
+          <a:p>
+            <a:r>
+              <a:rPr kumimoji="1" lang="ja-JP" altLang="en-US" dirty="0" smtClean="0"/>
+              <a:t>　　　　</a:t>
+            </a:r>
+            <a:endParaRPr kumimoji="1" lang="ja-JP" altLang="en-US" dirty="0"/>
+          </a:p>
+        </p:txBody>
+      </p:sp>
+      <p:sp>
+        <p:nvSpPr>
+          <p:cNvPr id="39" name="テキスト ボックス 38"/>
+          <p:cNvSpPr txBox="1"/>
+          <p:nvPr/>
+        </p:nvSpPr>
+        <p:spPr>
+          <a:xfrm>
+            <a:off x="642910" y="2928934"/>
+            <a:ext cx="691215" cy="369332"/>
+          </a:xfrm>
+          <a:prstGeom prst="rect">
+            <a:avLst/>
+          </a:prstGeom>
+          <a:noFill/>
+        </p:spPr>
+        <p:txBody>
+          <a:bodyPr wrap="none" rtlCol="0">
+            <a:spAutoFit/>
+          </a:bodyPr>
+          <a:lstStyle/>
+          <a:p>
+            <a:r>
+              <a:rPr kumimoji="1" lang="en-US" altLang="ja-JP" dirty="0" smtClean="0"/>
+              <a:t>CPU1</a:t>
+            </a:r>
+            <a:endParaRPr kumimoji="1" lang="ja-JP" altLang="en-US" dirty="0"/>
+          </a:p>
+        </p:txBody>
+      </p:sp>
+      <p:sp>
+        <p:nvSpPr>
+          <p:cNvPr id="40" name="テキスト ボックス 39"/>
+          <p:cNvSpPr txBox="1"/>
+          <p:nvPr/>
+        </p:nvSpPr>
+        <p:spPr>
+          <a:xfrm>
+            <a:off x="2643174" y="2916792"/>
+            <a:ext cx="1107996" cy="369332"/>
+          </a:xfrm>
+          <a:prstGeom prst="rect">
+            <a:avLst/>
+          </a:prstGeom>
+        </p:spPr>
+        <p:style>
+          <a:lnRef idx="2">
+            <a:schemeClr val="accent1">
+              <a:shade val="50000"/>
+            </a:schemeClr>
+          </a:lnRef>
+          <a:fillRef idx="1">
+            <a:schemeClr val="accent1"/>
+          </a:fillRef>
+          <a:effectRef idx="0">
+            <a:schemeClr val="accent1"/>
+          </a:effectRef>
+          <a:fontRef idx="minor">
+            <a:schemeClr val="lt1"/>
+          </a:fontRef>
+        </p:style>
+        <p:txBody>
+          <a:bodyPr wrap="none" rtlCol="0">
+            <a:spAutoFit/>
+          </a:bodyPr>
+          <a:lstStyle/>
+          <a:p>
+            <a:r>
+              <a:rPr kumimoji="1" lang="ja-JP" altLang="en-US" dirty="0" smtClean="0"/>
+              <a:t>　　　　　　</a:t>
+            </a:r>
+            <a:endParaRPr kumimoji="1" lang="ja-JP" altLang="en-US" dirty="0"/>
+          </a:p>
+        </p:txBody>
+      </p:sp>
+      <p:sp>
+        <p:nvSpPr>
+          <p:cNvPr id="41" name="テキスト ボックス 40"/>
+          <p:cNvSpPr txBox="1"/>
+          <p:nvPr/>
+        </p:nvSpPr>
+        <p:spPr>
+          <a:xfrm>
+            <a:off x="3793805" y="2928934"/>
+            <a:ext cx="492443" cy="369332"/>
+          </a:xfrm>
+          <a:prstGeom prst="rect">
+            <a:avLst/>
+          </a:prstGeom>
+        </p:spPr>
+        <p:style>
+          <a:lnRef idx="2">
+            <a:schemeClr val="accent2">
+              <a:shade val="50000"/>
+            </a:schemeClr>
+          </a:lnRef>
+          <a:fillRef idx="1">
+            <a:schemeClr val="accent2"/>
+          </a:fillRef>
+          <a:effectRef idx="0">
+            <a:schemeClr val="accent2"/>
+          </a:effectRef>
+          <a:fontRef idx="minor">
+            <a:schemeClr val="lt1"/>
+          </a:fontRef>
+        </p:style>
+        <p:txBody>
+          <a:bodyPr wrap="none" rtlCol="0">
+            <a:spAutoFit/>
+          </a:bodyPr>
+          <a:lstStyle/>
+          <a:p>
+            <a:r>
+              <a:rPr kumimoji="1" lang="ja-JP" altLang="en-US" dirty="0" smtClean="0"/>
+              <a:t>　　</a:t>
+            </a:r>
+            <a:endParaRPr kumimoji="1" lang="ja-JP" altLang="en-US" dirty="0"/>
+          </a:p>
+        </p:txBody>
+      </p:sp>
+      <p:sp>
+        <p:nvSpPr>
+          <p:cNvPr id="42" name="テキスト ボックス 41"/>
+          <p:cNvSpPr txBox="1"/>
+          <p:nvPr/>
+        </p:nvSpPr>
+        <p:spPr>
+          <a:xfrm>
+            <a:off x="4286248" y="2928934"/>
+            <a:ext cx="1107996" cy="369332"/>
+          </a:xfrm>
+          <a:prstGeom prst="rect">
+            <a:avLst/>
+          </a:prstGeom>
+        </p:spPr>
+        <p:style>
+          <a:lnRef idx="2">
+            <a:schemeClr val="accent1">
+              <a:shade val="50000"/>
+            </a:schemeClr>
+          </a:lnRef>
+          <a:fillRef idx="1">
+            <a:schemeClr val="accent1"/>
+          </a:fillRef>
+          <a:effectRef idx="0">
+            <a:schemeClr val="accent1"/>
+          </a:effectRef>
+          <a:fontRef idx="minor">
+            <a:schemeClr val="lt1"/>
+          </a:fontRef>
+        </p:style>
+        <p:txBody>
+          <a:bodyPr wrap="none" rtlCol="0">
+            <a:spAutoFit/>
+          </a:bodyPr>
+          <a:lstStyle/>
+          <a:p>
+            <a:r>
+              <a:rPr kumimoji="1" lang="ja-JP" altLang="en-US" dirty="0" smtClean="0"/>
+              <a:t>　　　　　　</a:t>
+            </a:r>
+            <a:endParaRPr kumimoji="1" lang="ja-JP" altLang="en-US" dirty="0"/>
+          </a:p>
+        </p:txBody>
+      </p:sp>
+      <p:sp>
+        <p:nvSpPr>
+          <p:cNvPr id="43" name="テキスト ボックス 42"/>
+          <p:cNvSpPr txBox="1"/>
+          <p:nvPr/>
+        </p:nvSpPr>
+        <p:spPr>
+          <a:xfrm>
+            <a:off x="5429256" y="2928934"/>
+            <a:ext cx="492443" cy="369332"/>
+          </a:xfrm>
+          <a:prstGeom prst="rect">
+            <a:avLst/>
+          </a:prstGeom>
+        </p:spPr>
+        <p:style>
+          <a:lnRef idx="2">
+            <a:schemeClr val="accent2">
+              <a:shade val="50000"/>
+            </a:schemeClr>
+          </a:lnRef>
+          <a:fillRef idx="1">
+            <a:schemeClr val="accent2"/>
+          </a:fillRef>
+          <a:effectRef idx="0">
+            <a:schemeClr val="accent2"/>
+          </a:effectRef>
+          <a:fontRef idx="minor">
+            <a:schemeClr val="lt1"/>
+          </a:fontRef>
+        </p:style>
+        <p:txBody>
+          <a:bodyPr wrap="none" rtlCol="0">
+            <a:spAutoFit/>
+          </a:bodyPr>
+          <a:lstStyle/>
+          <a:p>
+            <a:r>
+              <a:rPr kumimoji="1" lang="ja-JP" altLang="en-US" dirty="0" smtClean="0"/>
+              <a:t>　　</a:t>
+            </a:r>
+            <a:endParaRPr kumimoji="1" lang="ja-JP" altLang="en-US" dirty="0"/>
+          </a:p>
+        </p:txBody>
+      </p:sp>
+      <p:sp>
+        <p:nvSpPr>
+          <p:cNvPr id="44" name="テキスト ボックス 43"/>
+          <p:cNvSpPr txBox="1"/>
+          <p:nvPr/>
+        </p:nvSpPr>
+        <p:spPr>
+          <a:xfrm>
+            <a:off x="5929322" y="2928934"/>
+            <a:ext cx="1107996" cy="369332"/>
+          </a:xfrm>
+          <a:prstGeom prst="rect">
+            <a:avLst/>
+          </a:prstGeom>
+        </p:spPr>
+        <p:style>
+          <a:lnRef idx="2">
+            <a:schemeClr val="accent1">
+              <a:shade val="50000"/>
+            </a:schemeClr>
+          </a:lnRef>
+          <a:fillRef idx="1">
+            <a:schemeClr val="accent1"/>
+          </a:fillRef>
+          <a:effectRef idx="0">
+            <a:schemeClr val="accent1"/>
+          </a:effectRef>
+          <a:fontRef idx="minor">
+            <a:schemeClr val="lt1"/>
+          </a:fontRef>
+        </p:style>
+        <p:txBody>
+          <a:bodyPr wrap="none" rtlCol="0">
+            <a:spAutoFit/>
+          </a:bodyPr>
+          <a:lstStyle/>
+          <a:p>
+            <a:r>
+              <a:rPr kumimoji="1" lang="ja-JP" altLang="en-US" dirty="0" smtClean="0"/>
+              <a:t>　　　　　　</a:t>
+            </a:r>
+            <a:endParaRPr kumimoji="1" lang="ja-JP" altLang="en-US" dirty="0"/>
+          </a:p>
+        </p:txBody>
+      </p:sp>
+      <p:sp>
+        <p:nvSpPr>
+          <p:cNvPr id="63" name="テキスト ボックス 62"/>
+          <p:cNvSpPr txBox="1"/>
+          <p:nvPr/>
+        </p:nvSpPr>
+        <p:spPr>
+          <a:xfrm>
+            <a:off x="428596" y="2130974"/>
+            <a:ext cx="300082" cy="369332"/>
+          </a:xfrm>
+          <a:prstGeom prst="rect">
+            <a:avLst/>
+          </a:prstGeom>
+        </p:spPr>
+        <p:style>
+          <a:lnRef idx="2">
+            <a:schemeClr val="dk1"/>
+          </a:lnRef>
+          <a:fillRef idx="1">
+            <a:schemeClr val="lt1"/>
+          </a:fillRef>
+          <a:effectRef idx="0">
+            <a:schemeClr val="dk1"/>
+          </a:effectRef>
+          <a:fontRef idx="minor">
+            <a:schemeClr val="dk1"/>
+          </a:fontRef>
+        </p:style>
+        <p:txBody>
+          <a:bodyPr wrap="none" rtlCol="0">
+            <a:spAutoFit/>
+          </a:bodyPr>
+          <a:lstStyle/>
+          <a:p>
+            <a:r>
+              <a:rPr kumimoji="1" lang="en-US" altLang="ja-JP" dirty="0" smtClean="0"/>
+              <a:t>+</a:t>
+            </a:r>
+            <a:endParaRPr kumimoji="1" lang="ja-JP" altLang="en-US" dirty="0"/>
+          </a:p>
+        </p:txBody>
+      </p:sp>
+      <p:sp>
+        <p:nvSpPr>
+          <p:cNvPr id="64" name="テキスト ボックス 63"/>
+          <p:cNvSpPr txBox="1"/>
+          <p:nvPr/>
+        </p:nvSpPr>
+        <p:spPr>
+          <a:xfrm>
+            <a:off x="428596" y="2928934"/>
+            <a:ext cx="300082" cy="369332"/>
+          </a:xfrm>
+          <a:prstGeom prst="rect">
+            <a:avLst/>
+          </a:prstGeom>
+        </p:spPr>
+        <p:style>
+          <a:lnRef idx="2">
+            <a:schemeClr val="dk1"/>
+          </a:lnRef>
+          <a:fillRef idx="1">
+            <a:schemeClr val="lt1"/>
+          </a:fillRef>
+          <a:effectRef idx="0">
+            <a:schemeClr val="dk1"/>
+          </a:effectRef>
+          <a:fontRef idx="minor">
+            <a:schemeClr val="dk1"/>
+          </a:fontRef>
+        </p:style>
+        <p:txBody>
+          <a:bodyPr wrap="none" rtlCol="0">
+            <a:spAutoFit/>
+          </a:bodyPr>
+          <a:lstStyle/>
+          <a:p>
+            <a:r>
+              <a:rPr kumimoji="1" lang="en-US" altLang="ja-JP" dirty="0" smtClean="0"/>
+              <a:t>+</a:t>
+            </a:r>
+            <a:endParaRPr kumimoji="1" lang="ja-JP" altLang="en-US" dirty="0"/>
+          </a:p>
+        </p:txBody>
+      </p:sp>
+      <p:sp>
+        <p:nvSpPr>
+          <p:cNvPr id="65" name="テキスト ボックス 64"/>
+          <p:cNvSpPr txBox="1"/>
+          <p:nvPr/>
+        </p:nvSpPr>
+        <p:spPr>
+          <a:xfrm>
+            <a:off x="428596" y="1428736"/>
+            <a:ext cx="4054315" cy="523220"/>
+          </a:xfrm>
+          <a:prstGeom prst="rect">
+            <a:avLst/>
+          </a:prstGeom>
+        </p:spPr>
+        <p:style>
+          <a:lnRef idx="1">
+            <a:schemeClr val="dk1"/>
+          </a:lnRef>
+          <a:fillRef idx="2">
+            <a:schemeClr val="dk1"/>
+          </a:fillRef>
+          <a:effectRef idx="1">
+            <a:schemeClr val="dk1"/>
+          </a:effectRef>
+          <a:fontRef idx="minor">
+            <a:schemeClr val="dk1"/>
+          </a:fontRef>
+        </p:style>
+        <p:txBody>
+          <a:bodyPr wrap="none" rtlCol="0">
+            <a:spAutoFit/>
+          </a:bodyPr>
+          <a:lstStyle/>
+          <a:p>
+            <a:r>
+              <a:rPr kumimoji="1" lang="ja-JP" altLang="en-US" sz="2800" dirty="0" smtClean="0"/>
+              <a:t>案</a:t>
+            </a:r>
+            <a:r>
+              <a:rPr lang="ja-JP" altLang="en-US" sz="2800" dirty="0" smtClean="0"/>
+              <a:t>１：</a:t>
+            </a:r>
+            <a:r>
+              <a:rPr kumimoji="1" lang="en-US" altLang="ja-JP" sz="2800" dirty="0" smtClean="0"/>
+              <a:t>CPU</a:t>
+            </a:r>
+            <a:r>
+              <a:rPr kumimoji="1" lang="ja-JP" altLang="en-US" sz="2800" dirty="0" smtClean="0"/>
+              <a:t>単位でのみ矢印</a:t>
+            </a:r>
+            <a:endParaRPr kumimoji="1" lang="ja-JP" altLang="en-US" sz="2800" dirty="0"/>
+          </a:p>
+        </p:txBody>
+      </p:sp>
+      <p:cxnSp>
+        <p:nvCxnSpPr>
+          <p:cNvPr id="67" name="直線矢印コネクタ 66"/>
+          <p:cNvCxnSpPr/>
+          <p:nvPr/>
+        </p:nvCxnSpPr>
+        <p:spPr>
+          <a:xfrm rot="5400000" flipH="1" flipV="1">
+            <a:off x="4071934" y="2714620"/>
+            <a:ext cx="428628" cy="1588"/>
+          </a:xfrm>
+          <a:prstGeom prst="straightConnector1">
+            <a:avLst/>
+          </a:prstGeom>
+          <a:ln>
+            <a:tailEnd type="arrow"/>
+          </a:ln>
+        </p:spPr>
+        <p:style>
+          <a:lnRef idx="3">
+            <a:schemeClr val="dk1"/>
+          </a:lnRef>
+          <a:fillRef idx="0">
+            <a:schemeClr val="dk1"/>
+          </a:fillRef>
+          <a:effectRef idx="2">
+            <a:schemeClr val="dk1"/>
+          </a:effectRef>
+          <a:fontRef idx="minor">
+            <a:schemeClr val="tx1"/>
+          </a:fontRef>
+        </p:style>
+      </p:cxnSp>
+      <p:cxnSp>
+        <p:nvCxnSpPr>
+          <p:cNvPr id="69" name="直線矢印コネクタ 68"/>
+          <p:cNvCxnSpPr/>
+          <p:nvPr/>
+        </p:nvCxnSpPr>
+        <p:spPr>
+          <a:xfrm>
+            <a:off x="4786314" y="2500306"/>
+            <a:ext cx="642942" cy="428628"/>
+          </a:xfrm>
+          <a:prstGeom prst="straightConnector1">
+            <a:avLst/>
+          </a:prstGeom>
+          <a:ln>
+            <a:tailEnd type="arrow"/>
+          </a:ln>
+        </p:spPr>
+        <p:style>
+          <a:lnRef idx="3">
+            <a:schemeClr val="dk1"/>
+          </a:lnRef>
+          <a:fillRef idx="0">
+            <a:schemeClr val="dk1"/>
+          </a:fillRef>
+          <a:effectRef idx="2">
+            <a:schemeClr val="dk1"/>
+          </a:effectRef>
+          <a:fontRef idx="minor">
+            <a:schemeClr val="tx1"/>
+          </a:fontRef>
+        </p:style>
+      </p:cxnSp>
+      <p:cxnSp>
+        <p:nvCxnSpPr>
+          <p:cNvPr id="71" name="直線矢印コネクタ 70"/>
+          <p:cNvCxnSpPr/>
+          <p:nvPr/>
+        </p:nvCxnSpPr>
+        <p:spPr>
+          <a:xfrm rot="5400000" flipH="1" flipV="1">
+            <a:off x="5715008" y="2714620"/>
+            <a:ext cx="428628" cy="1588"/>
+          </a:xfrm>
+          <a:prstGeom prst="straightConnector1">
+            <a:avLst/>
+          </a:prstGeom>
+          <a:ln>
+            <a:tailEnd type="arrow"/>
+          </a:ln>
+        </p:spPr>
+        <p:style>
+          <a:lnRef idx="3">
+            <a:schemeClr val="dk1"/>
+          </a:lnRef>
+          <a:fillRef idx="0">
+            <a:schemeClr val="dk1"/>
+          </a:fillRef>
+          <a:effectRef idx="2">
+            <a:schemeClr val="dk1"/>
+          </a:effectRef>
+          <a:fontRef idx="minor">
+            <a:schemeClr val="tx1"/>
+          </a:fontRef>
+        </p:style>
+      </p:cxnSp>
+      <p:sp>
+        <p:nvSpPr>
+          <p:cNvPr id="74" name="テキスト ボックス 73"/>
+          <p:cNvSpPr txBox="1"/>
+          <p:nvPr/>
+        </p:nvSpPr>
+        <p:spPr>
+          <a:xfrm>
+            <a:off x="571472" y="3643314"/>
+            <a:ext cx="5238935" cy="830997"/>
+          </a:xfrm>
+          <a:prstGeom prst="rect">
+            <a:avLst/>
+          </a:prstGeom>
+        </p:spPr>
+        <p:style>
+          <a:lnRef idx="1">
+            <a:schemeClr val="accent6"/>
+          </a:lnRef>
+          <a:fillRef idx="2">
+            <a:schemeClr val="accent6"/>
+          </a:fillRef>
+          <a:effectRef idx="1">
+            <a:schemeClr val="accent6"/>
+          </a:effectRef>
+          <a:fontRef idx="minor">
+            <a:schemeClr val="dk1"/>
+          </a:fontRef>
+        </p:style>
+        <p:txBody>
+          <a:bodyPr wrap="none" rtlCol="0">
+            <a:spAutoFit/>
+          </a:bodyPr>
+          <a:lstStyle/>
+          <a:p>
+            <a:r>
+              <a:rPr kumimoji="1" lang="en-US" altLang="ja-JP" sz="2400" dirty="0" smtClean="0"/>
+              <a:t>CPU</a:t>
+            </a:r>
+            <a:r>
+              <a:rPr kumimoji="1" lang="ja-JP" altLang="en-US" sz="2400" dirty="0" smtClean="0"/>
+              <a:t>を折りたたみ表示しているときのみ</a:t>
+            </a:r>
+            <a:endParaRPr kumimoji="1" lang="en-US" altLang="ja-JP" sz="2400" dirty="0" smtClean="0"/>
+          </a:p>
+          <a:p>
+            <a:r>
+              <a:rPr kumimoji="1" lang="en-US" altLang="ja-JP" sz="2400" dirty="0" smtClean="0"/>
+              <a:t>CPU</a:t>
+            </a:r>
+            <a:r>
+              <a:rPr kumimoji="1" lang="ja-JP" altLang="en-US" sz="2400" dirty="0" smtClean="0"/>
+              <a:t>間のマイグレーションの矢印を表示</a:t>
+            </a:r>
+            <a:endParaRPr kumimoji="1" lang="ja-JP" altLang="en-US" sz="2400" dirty="0"/>
           </a:p>
         </p:txBody>
       </p:sp>
@@ -4540,7 +7109,3325 @@
           <a:p>
             <a:r>
               <a:rPr kumimoji="1" lang="ja-JP" altLang="en-US" dirty="0" smtClean="0"/>
-              <a:t>設計方針</a:t>
+              <a:t>出力</a:t>
+            </a:r>
+            <a:r>
+              <a:rPr kumimoji="1" lang="ja-JP" altLang="en-US" dirty="0" smtClean="0"/>
+              <a:t>（マイグレーション矢印）</a:t>
+            </a:r>
+            <a:endParaRPr kumimoji="1" lang="ja-JP" altLang="en-US" dirty="0"/>
+          </a:p>
+        </p:txBody>
+      </p:sp>
+      <p:sp>
+        <p:nvSpPr>
+          <p:cNvPr id="4" name="スライド番号プレースホルダ 3"/>
+          <p:cNvSpPr>
+            <a:spLocks noGrp="1"/>
+          </p:cNvSpPr>
+          <p:nvPr>
+            <p:ph type="sldNum" sz="quarter" idx="12"/>
+          </p:nvPr>
+        </p:nvSpPr>
+        <p:spPr/>
+        <p:txBody>
+          <a:bodyPr/>
+          <a:lstStyle/>
+          <a:p>
+            <a:fld id="{A67DFC8C-1F5E-4254-A57A-68887A1C3919}" type="slidenum">
+              <a:rPr lang="ja-JP" altLang="en-US" smtClean="0"/>
+              <a:pPr/>
+              <a:t>5</a:t>
+            </a:fld>
+            <a:endParaRPr lang="ja-JP" altLang="en-US"/>
+          </a:p>
+        </p:txBody>
+      </p:sp>
+      <p:sp>
+        <p:nvSpPr>
+          <p:cNvPr id="28" name="テキスト ボックス 27"/>
+          <p:cNvSpPr txBox="1"/>
+          <p:nvPr/>
+        </p:nvSpPr>
+        <p:spPr>
+          <a:xfrm>
+            <a:off x="642910" y="2130974"/>
+            <a:ext cx="691215" cy="369332"/>
+          </a:xfrm>
+          <a:prstGeom prst="rect">
+            <a:avLst/>
+          </a:prstGeom>
+          <a:noFill/>
+        </p:spPr>
+        <p:txBody>
+          <a:bodyPr wrap="none" rtlCol="0">
+            <a:spAutoFit/>
+          </a:bodyPr>
+          <a:lstStyle/>
+          <a:p>
+            <a:r>
+              <a:rPr kumimoji="1" lang="en-US" altLang="ja-JP" dirty="0" smtClean="0"/>
+              <a:t>CPU1</a:t>
+            </a:r>
+            <a:endParaRPr kumimoji="1" lang="ja-JP" altLang="en-US" dirty="0"/>
+          </a:p>
+        </p:txBody>
+      </p:sp>
+      <p:sp>
+        <p:nvSpPr>
+          <p:cNvPr id="30" name="テキスト ボックス 29"/>
+          <p:cNvSpPr txBox="1"/>
+          <p:nvPr/>
+        </p:nvSpPr>
+        <p:spPr>
+          <a:xfrm>
+            <a:off x="3143240" y="2118832"/>
+            <a:ext cx="800219" cy="369332"/>
+          </a:xfrm>
+          <a:prstGeom prst="rect">
+            <a:avLst/>
+          </a:prstGeom>
+        </p:spPr>
+        <p:style>
+          <a:lnRef idx="2">
+            <a:schemeClr val="accent3">
+              <a:shade val="50000"/>
+            </a:schemeClr>
+          </a:lnRef>
+          <a:fillRef idx="1">
+            <a:schemeClr val="accent3"/>
+          </a:fillRef>
+          <a:effectRef idx="0">
+            <a:schemeClr val="accent3"/>
+          </a:effectRef>
+          <a:fontRef idx="minor">
+            <a:schemeClr val="lt1"/>
+          </a:fontRef>
+        </p:style>
+        <p:txBody>
+          <a:bodyPr wrap="none" rtlCol="0">
+            <a:spAutoFit/>
+          </a:bodyPr>
+          <a:lstStyle/>
+          <a:p>
+            <a:r>
+              <a:rPr kumimoji="1" lang="ja-JP" altLang="en-US" dirty="0" smtClean="0"/>
+              <a:t>　　　　</a:t>
+            </a:r>
+            <a:endParaRPr kumimoji="1" lang="ja-JP" altLang="en-US" dirty="0"/>
+          </a:p>
+        </p:txBody>
+      </p:sp>
+      <p:sp>
+        <p:nvSpPr>
+          <p:cNvPr id="32" name="テキスト ボックス 31"/>
+          <p:cNvSpPr txBox="1"/>
+          <p:nvPr/>
+        </p:nvSpPr>
+        <p:spPr>
+          <a:xfrm>
+            <a:off x="4286248" y="2118832"/>
+            <a:ext cx="492443" cy="369332"/>
+          </a:xfrm>
+          <a:prstGeom prst="rect">
+            <a:avLst/>
+          </a:prstGeom>
+        </p:spPr>
+        <p:style>
+          <a:lnRef idx="2">
+            <a:schemeClr val="accent2">
+              <a:shade val="50000"/>
+            </a:schemeClr>
+          </a:lnRef>
+          <a:fillRef idx="1">
+            <a:schemeClr val="accent2"/>
+          </a:fillRef>
+          <a:effectRef idx="0">
+            <a:schemeClr val="accent2"/>
+          </a:effectRef>
+          <a:fontRef idx="minor">
+            <a:schemeClr val="lt1"/>
+          </a:fontRef>
+        </p:style>
+        <p:txBody>
+          <a:bodyPr wrap="none" rtlCol="0">
+            <a:spAutoFit/>
+          </a:bodyPr>
+          <a:lstStyle/>
+          <a:p>
+            <a:r>
+              <a:rPr kumimoji="1" lang="ja-JP" altLang="en-US" dirty="0" smtClean="0"/>
+              <a:t>　　</a:t>
+            </a:r>
+            <a:endParaRPr kumimoji="1" lang="ja-JP" altLang="en-US" dirty="0"/>
+          </a:p>
+        </p:txBody>
+      </p:sp>
+      <p:sp>
+        <p:nvSpPr>
+          <p:cNvPr id="34" name="テキスト ボックス 33"/>
+          <p:cNvSpPr txBox="1"/>
+          <p:nvPr/>
+        </p:nvSpPr>
+        <p:spPr>
+          <a:xfrm>
+            <a:off x="4786314" y="2118832"/>
+            <a:ext cx="800219" cy="369332"/>
+          </a:xfrm>
+          <a:prstGeom prst="rect">
+            <a:avLst/>
+          </a:prstGeom>
+        </p:spPr>
+        <p:style>
+          <a:lnRef idx="2">
+            <a:schemeClr val="accent3">
+              <a:shade val="50000"/>
+            </a:schemeClr>
+          </a:lnRef>
+          <a:fillRef idx="1">
+            <a:schemeClr val="accent3"/>
+          </a:fillRef>
+          <a:effectRef idx="0">
+            <a:schemeClr val="accent3"/>
+          </a:effectRef>
+          <a:fontRef idx="minor">
+            <a:schemeClr val="lt1"/>
+          </a:fontRef>
+        </p:style>
+        <p:txBody>
+          <a:bodyPr wrap="none" rtlCol="0">
+            <a:spAutoFit/>
+          </a:bodyPr>
+          <a:lstStyle/>
+          <a:p>
+            <a:r>
+              <a:rPr kumimoji="1" lang="ja-JP" altLang="en-US" dirty="0" smtClean="0"/>
+              <a:t>　　　　</a:t>
+            </a:r>
+            <a:endParaRPr kumimoji="1" lang="ja-JP" altLang="en-US" dirty="0"/>
+          </a:p>
+        </p:txBody>
+      </p:sp>
+      <p:sp>
+        <p:nvSpPr>
+          <p:cNvPr id="37" name="テキスト ボックス 36"/>
+          <p:cNvSpPr txBox="1"/>
+          <p:nvPr/>
+        </p:nvSpPr>
+        <p:spPr>
+          <a:xfrm>
+            <a:off x="5929322" y="2130974"/>
+            <a:ext cx="492443" cy="369332"/>
+          </a:xfrm>
+          <a:prstGeom prst="rect">
+            <a:avLst/>
+          </a:prstGeom>
+        </p:spPr>
+        <p:style>
+          <a:lnRef idx="2">
+            <a:schemeClr val="accent2">
+              <a:shade val="50000"/>
+            </a:schemeClr>
+          </a:lnRef>
+          <a:fillRef idx="1">
+            <a:schemeClr val="accent2"/>
+          </a:fillRef>
+          <a:effectRef idx="0">
+            <a:schemeClr val="accent2"/>
+          </a:effectRef>
+          <a:fontRef idx="minor">
+            <a:schemeClr val="lt1"/>
+          </a:fontRef>
+        </p:style>
+        <p:txBody>
+          <a:bodyPr wrap="none" rtlCol="0">
+            <a:spAutoFit/>
+          </a:bodyPr>
+          <a:lstStyle/>
+          <a:p>
+            <a:r>
+              <a:rPr kumimoji="1" lang="ja-JP" altLang="en-US" dirty="0" smtClean="0"/>
+              <a:t>　　</a:t>
+            </a:r>
+            <a:endParaRPr kumimoji="1" lang="ja-JP" altLang="en-US" dirty="0"/>
+          </a:p>
+        </p:txBody>
+      </p:sp>
+      <p:sp>
+        <p:nvSpPr>
+          <p:cNvPr id="38" name="テキスト ボックス 37"/>
+          <p:cNvSpPr txBox="1"/>
+          <p:nvPr/>
+        </p:nvSpPr>
+        <p:spPr>
+          <a:xfrm>
+            <a:off x="6429388" y="2130974"/>
+            <a:ext cx="800219" cy="369332"/>
+          </a:xfrm>
+          <a:prstGeom prst="rect">
+            <a:avLst/>
+          </a:prstGeom>
+        </p:spPr>
+        <p:style>
+          <a:lnRef idx="2">
+            <a:schemeClr val="accent3">
+              <a:shade val="50000"/>
+            </a:schemeClr>
+          </a:lnRef>
+          <a:fillRef idx="1">
+            <a:schemeClr val="accent3"/>
+          </a:fillRef>
+          <a:effectRef idx="0">
+            <a:schemeClr val="accent3"/>
+          </a:effectRef>
+          <a:fontRef idx="minor">
+            <a:schemeClr val="lt1"/>
+          </a:fontRef>
+        </p:style>
+        <p:txBody>
+          <a:bodyPr wrap="none" rtlCol="0">
+            <a:spAutoFit/>
+          </a:bodyPr>
+          <a:lstStyle/>
+          <a:p>
+            <a:r>
+              <a:rPr kumimoji="1" lang="ja-JP" altLang="en-US" dirty="0" smtClean="0"/>
+              <a:t>　　　　</a:t>
+            </a:r>
+            <a:endParaRPr kumimoji="1" lang="ja-JP" altLang="en-US" dirty="0"/>
+          </a:p>
+        </p:txBody>
+      </p:sp>
+      <p:sp>
+        <p:nvSpPr>
+          <p:cNvPr id="63" name="テキスト ボックス 62"/>
+          <p:cNvSpPr txBox="1"/>
+          <p:nvPr/>
+        </p:nvSpPr>
+        <p:spPr>
+          <a:xfrm>
+            <a:off x="428596" y="2130974"/>
+            <a:ext cx="300082" cy="369332"/>
+          </a:xfrm>
+          <a:prstGeom prst="rect">
+            <a:avLst/>
+          </a:prstGeom>
+        </p:spPr>
+        <p:style>
+          <a:lnRef idx="2">
+            <a:schemeClr val="dk1"/>
+          </a:lnRef>
+          <a:fillRef idx="1">
+            <a:schemeClr val="lt1"/>
+          </a:fillRef>
+          <a:effectRef idx="0">
+            <a:schemeClr val="dk1"/>
+          </a:effectRef>
+          <a:fontRef idx="minor">
+            <a:schemeClr val="dk1"/>
+          </a:fontRef>
+        </p:style>
+        <p:txBody>
+          <a:bodyPr wrap="none" rtlCol="0">
+            <a:spAutoFit/>
+          </a:bodyPr>
+          <a:lstStyle/>
+          <a:p>
+            <a:r>
+              <a:rPr kumimoji="1" lang="en-US" altLang="ja-JP" dirty="0" smtClean="0"/>
+              <a:t>+</a:t>
+            </a:r>
+            <a:endParaRPr kumimoji="1" lang="ja-JP" altLang="en-US" dirty="0"/>
+          </a:p>
+        </p:txBody>
+      </p:sp>
+      <p:sp>
+        <p:nvSpPr>
+          <p:cNvPr id="65" name="テキスト ボックス 64"/>
+          <p:cNvSpPr txBox="1"/>
+          <p:nvPr/>
+        </p:nvSpPr>
+        <p:spPr>
+          <a:xfrm>
+            <a:off x="428596" y="1428736"/>
+            <a:ext cx="5625258" cy="523220"/>
+          </a:xfrm>
+          <a:prstGeom prst="rect">
+            <a:avLst/>
+          </a:prstGeom>
+        </p:spPr>
+        <p:style>
+          <a:lnRef idx="1">
+            <a:schemeClr val="dk1"/>
+          </a:lnRef>
+          <a:fillRef idx="2">
+            <a:schemeClr val="dk1"/>
+          </a:fillRef>
+          <a:effectRef idx="1">
+            <a:schemeClr val="dk1"/>
+          </a:effectRef>
+          <a:fontRef idx="minor">
+            <a:schemeClr val="dk1"/>
+          </a:fontRef>
+        </p:style>
+        <p:txBody>
+          <a:bodyPr wrap="none" rtlCol="0">
+            <a:spAutoFit/>
+          </a:bodyPr>
+          <a:lstStyle/>
+          <a:p>
+            <a:r>
+              <a:rPr kumimoji="1" lang="ja-JP" altLang="en-US" sz="2800" dirty="0" smtClean="0"/>
+              <a:t>案</a:t>
+            </a:r>
+            <a:r>
+              <a:rPr lang="ja-JP" altLang="en-US" sz="2800" dirty="0" smtClean="0"/>
+              <a:t>２</a:t>
+            </a:r>
+            <a:r>
+              <a:rPr lang="ja-JP" altLang="en-US" sz="2800" dirty="0" smtClean="0"/>
+              <a:t>：タスク単位から</a:t>
+            </a:r>
+            <a:r>
+              <a:rPr kumimoji="1" lang="en-US" altLang="ja-JP" sz="2800" dirty="0" smtClean="0"/>
+              <a:t>CPU</a:t>
+            </a:r>
+            <a:r>
+              <a:rPr kumimoji="1" lang="ja-JP" altLang="en-US" sz="2800" dirty="0" smtClean="0"/>
+              <a:t>単位へ矢印</a:t>
+            </a:r>
+            <a:endParaRPr kumimoji="1" lang="ja-JP" altLang="en-US" sz="2800" dirty="0"/>
+          </a:p>
+        </p:txBody>
+      </p:sp>
+      <p:sp>
+        <p:nvSpPr>
+          <p:cNvPr id="74" name="テキスト ボックス 73"/>
+          <p:cNvSpPr txBox="1"/>
+          <p:nvPr/>
+        </p:nvSpPr>
+        <p:spPr>
+          <a:xfrm>
+            <a:off x="571472" y="4786322"/>
+            <a:ext cx="4440639" cy="830997"/>
+          </a:xfrm>
+          <a:prstGeom prst="rect">
+            <a:avLst/>
+          </a:prstGeom>
+        </p:spPr>
+        <p:style>
+          <a:lnRef idx="1">
+            <a:schemeClr val="accent6"/>
+          </a:lnRef>
+          <a:fillRef idx="2">
+            <a:schemeClr val="accent6"/>
+          </a:fillRef>
+          <a:effectRef idx="1">
+            <a:schemeClr val="accent6"/>
+          </a:effectRef>
+          <a:fontRef idx="minor">
+            <a:schemeClr val="dk1"/>
+          </a:fontRef>
+        </p:style>
+        <p:txBody>
+          <a:bodyPr wrap="none" rtlCol="0">
+            <a:spAutoFit/>
+          </a:bodyPr>
+          <a:lstStyle/>
+          <a:p>
+            <a:r>
+              <a:rPr kumimoji="1" lang="en-US" altLang="ja-JP" sz="2400" dirty="0" smtClean="0"/>
+              <a:t>CPU</a:t>
+            </a:r>
+            <a:r>
+              <a:rPr kumimoji="1" lang="ja-JP" altLang="en-US" sz="2400" dirty="0" smtClean="0"/>
+              <a:t>を展開表示している箇所から</a:t>
+            </a:r>
+            <a:endParaRPr kumimoji="1" lang="en-US" altLang="ja-JP" sz="2400" dirty="0" smtClean="0"/>
+          </a:p>
+          <a:p>
+            <a:r>
+              <a:rPr lang="ja-JP" altLang="en-US" sz="2400" dirty="0" smtClean="0"/>
+              <a:t>折りたたみ</a:t>
+            </a:r>
+            <a:r>
+              <a:rPr lang="ja-JP" altLang="en-US" sz="2400" dirty="0" smtClean="0"/>
+              <a:t>表示</a:t>
+            </a:r>
+            <a:r>
+              <a:rPr lang="ja-JP" altLang="en-US" sz="2400" dirty="0" smtClean="0"/>
+              <a:t>している箇所</a:t>
+            </a:r>
+            <a:endParaRPr kumimoji="1" lang="ja-JP" altLang="en-US" sz="2400" dirty="0"/>
+          </a:p>
+        </p:txBody>
+      </p:sp>
+      <p:sp>
+        <p:nvSpPr>
+          <p:cNvPr id="75" name="テキスト ボックス 74"/>
+          <p:cNvSpPr txBox="1"/>
+          <p:nvPr/>
+        </p:nvSpPr>
+        <p:spPr>
+          <a:xfrm>
+            <a:off x="642910" y="2928934"/>
+            <a:ext cx="691215" cy="369332"/>
+          </a:xfrm>
+          <a:prstGeom prst="rect">
+            <a:avLst/>
+          </a:prstGeom>
+          <a:noFill/>
+        </p:spPr>
+        <p:txBody>
+          <a:bodyPr wrap="none" rtlCol="0">
+            <a:spAutoFit/>
+          </a:bodyPr>
+          <a:lstStyle/>
+          <a:p>
+            <a:r>
+              <a:rPr kumimoji="1" lang="en-US" altLang="ja-JP" dirty="0" smtClean="0"/>
+              <a:t>CPU1</a:t>
+            </a:r>
+            <a:endParaRPr kumimoji="1" lang="ja-JP" altLang="en-US" dirty="0"/>
+          </a:p>
+        </p:txBody>
+      </p:sp>
+      <p:sp>
+        <p:nvSpPr>
+          <p:cNvPr id="76" name="テキスト ボックス 75"/>
+          <p:cNvSpPr txBox="1"/>
+          <p:nvPr/>
+        </p:nvSpPr>
+        <p:spPr>
+          <a:xfrm>
+            <a:off x="2643174" y="2916792"/>
+            <a:ext cx="1107996" cy="369332"/>
+          </a:xfrm>
+          <a:prstGeom prst="rect">
+            <a:avLst/>
+          </a:prstGeom>
+        </p:spPr>
+        <p:style>
+          <a:lnRef idx="2">
+            <a:schemeClr val="accent1">
+              <a:shade val="50000"/>
+            </a:schemeClr>
+          </a:lnRef>
+          <a:fillRef idx="1">
+            <a:schemeClr val="accent1"/>
+          </a:fillRef>
+          <a:effectRef idx="0">
+            <a:schemeClr val="accent1"/>
+          </a:effectRef>
+          <a:fontRef idx="minor">
+            <a:schemeClr val="lt1"/>
+          </a:fontRef>
+        </p:style>
+        <p:txBody>
+          <a:bodyPr wrap="none" rtlCol="0">
+            <a:spAutoFit/>
+          </a:bodyPr>
+          <a:lstStyle/>
+          <a:p>
+            <a:r>
+              <a:rPr kumimoji="1" lang="ja-JP" altLang="en-US" dirty="0" smtClean="0"/>
+              <a:t>　　　　　　</a:t>
+            </a:r>
+            <a:endParaRPr kumimoji="1" lang="ja-JP" altLang="en-US" dirty="0"/>
+          </a:p>
+        </p:txBody>
+      </p:sp>
+      <p:sp>
+        <p:nvSpPr>
+          <p:cNvPr id="77" name="テキスト ボックス 76"/>
+          <p:cNvSpPr txBox="1"/>
+          <p:nvPr/>
+        </p:nvSpPr>
+        <p:spPr>
+          <a:xfrm>
+            <a:off x="3793805" y="2928934"/>
+            <a:ext cx="492443" cy="369332"/>
+          </a:xfrm>
+          <a:prstGeom prst="rect">
+            <a:avLst/>
+          </a:prstGeom>
+        </p:spPr>
+        <p:style>
+          <a:lnRef idx="2">
+            <a:schemeClr val="accent2">
+              <a:shade val="50000"/>
+            </a:schemeClr>
+          </a:lnRef>
+          <a:fillRef idx="1">
+            <a:schemeClr val="accent2"/>
+          </a:fillRef>
+          <a:effectRef idx="0">
+            <a:schemeClr val="accent2"/>
+          </a:effectRef>
+          <a:fontRef idx="minor">
+            <a:schemeClr val="lt1"/>
+          </a:fontRef>
+        </p:style>
+        <p:txBody>
+          <a:bodyPr wrap="none" rtlCol="0">
+            <a:spAutoFit/>
+          </a:bodyPr>
+          <a:lstStyle/>
+          <a:p>
+            <a:r>
+              <a:rPr kumimoji="1" lang="ja-JP" altLang="en-US" dirty="0" smtClean="0"/>
+              <a:t>　　</a:t>
+            </a:r>
+            <a:endParaRPr kumimoji="1" lang="ja-JP" altLang="en-US" dirty="0"/>
+          </a:p>
+        </p:txBody>
+      </p:sp>
+      <p:sp>
+        <p:nvSpPr>
+          <p:cNvPr id="78" name="テキスト ボックス 77"/>
+          <p:cNvSpPr txBox="1"/>
+          <p:nvPr/>
+        </p:nvSpPr>
+        <p:spPr>
+          <a:xfrm>
+            <a:off x="4286248" y="2928934"/>
+            <a:ext cx="1107996" cy="369332"/>
+          </a:xfrm>
+          <a:prstGeom prst="rect">
+            <a:avLst/>
+          </a:prstGeom>
+        </p:spPr>
+        <p:style>
+          <a:lnRef idx="2">
+            <a:schemeClr val="accent1">
+              <a:shade val="50000"/>
+            </a:schemeClr>
+          </a:lnRef>
+          <a:fillRef idx="1">
+            <a:schemeClr val="accent1"/>
+          </a:fillRef>
+          <a:effectRef idx="0">
+            <a:schemeClr val="accent1"/>
+          </a:effectRef>
+          <a:fontRef idx="minor">
+            <a:schemeClr val="lt1"/>
+          </a:fontRef>
+        </p:style>
+        <p:txBody>
+          <a:bodyPr wrap="none" rtlCol="0">
+            <a:spAutoFit/>
+          </a:bodyPr>
+          <a:lstStyle/>
+          <a:p>
+            <a:r>
+              <a:rPr kumimoji="1" lang="ja-JP" altLang="en-US" dirty="0" smtClean="0"/>
+              <a:t>　　　　　　</a:t>
+            </a:r>
+            <a:endParaRPr kumimoji="1" lang="ja-JP" altLang="en-US" dirty="0"/>
+          </a:p>
+        </p:txBody>
+      </p:sp>
+      <p:sp>
+        <p:nvSpPr>
+          <p:cNvPr id="79" name="テキスト ボックス 78"/>
+          <p:cNvSpPr txBox="1"/>
+          <p:nvPr/>
+        </p:nvSpPr>
+        <p:spPr>
+          <a:xfrm>
+            <a:off x="5429256" y="2928934"/>
+            <a:ext cx="492443" cy="369332"/>
+          </a:xfrm>
+          <a:prstGeom prst="rect">
+            <a:avLst/>
+          </a:prstGeom>
+        </p:spPr>
+        <p:style>
+          <a:lnRef idx="2">
+            <a:schemeClr val="accent2">
+              <a:shade val="50000"/>
+            </a:schemeClr>
+          </a:lnRef>
+          <a:fillRef idx="1">
+            <a:schemeClr val="accent2"/>
+          </a:fillRef>
+          <a:effectRef idx="0">
+            <a:schemeClr val="accent2"/>
+          </a:effectRef>
+          <a:fontRef idx="minor">
+            <a:schemeClr val="lt1"/>
+          </a:fontRef>
+        </p:style>
+        <p:txBody>
+          <a:bodyPr wrap="none" rtlCol="0">
+            <a:spAutoFit/>
+          </a:bodyPr>
+          <a:lstStyle/>
+          <a:p>
+            <a:r>
+              <a:rPr kumimoji="1" lang="ja-JP" altLang="en-US" dirty="0" smtClean="0"/>
+              <a:t>　　</a:t>
+            </a:r>
+            <a:endParaRPr kumimoji="1" lang="ja-JP" altLang="en-US" dirty="0"/>
+          </a:p>
+        </p:txBody>
+      </p:sp>
+      <p:sp>
+        <p:nvSpPr>
+          <p:cNvPr id="80" name="テキスト ボックス 79"/>
+          <p:cNvSpPr txBox="1"/>
+          <p:nvPr/>
+        </p:nvSpPr>
+        <p:spPr>
+          <a:xfrm>
+            <a:off x="5929322" y="2928934"/>
+            <a:ext cx="1107996" cy="369332"/>
+          </a:xfrm>
+          <a:prstGeom prst="rect">
+            <a:avLst/>
+          </a:prstGeom>
+        </p:spPr>
+        <p:style>
+          <a:lnRef idx="2">
+            <a:schemeClr val="accent1">
+              <a:shade val="50000"/>
+            </a:schemeClr>
+          </a:lnRef>
+          <a:fillRef idx="1">
+            <a:schemeClr val="accent1"/>
+          </a:fillRef>
+          <a:effectRef idx="0">
+            <a:schemeClr val="accent1"/>
+          </a:effectRef>
+          <a:fontRef idx="minor">
+            <a:schemeClr val="lt1"/>
+          </a:fontRef>
+        </p:style>
+        <p:txBody>
+          <a:bodyPr wrap="none" rtlCol="0">
+            <a:spAutoFit/>
+          </a:bodyPr>
+          <a:lstStyle/>
+          <a:p>
+            <a:r>
+              <a:rPr kumimoji="1" lang="ja-JP" altLang="en-US" dirty="0" smtClean="0"/>
+              <a:t>　　　　　　</a:t>
+            </a:r>
+            <a:endParaRPr kumimoji="1" lang="ja-JP" altLang="en-US" dirty="0"/>
+          </a:p>
+        </p:txBody>
+      </p:sp>
+      <p:sp>
+        <p:nvSpPr>
+          <p:cNvPr id="81" name="テキスト ボックス 80"/>
+          <p:cNvSpPr txBox="1"/>
+          <p:nvPr/>
+        </p:nvSpPr>
+        <p:spPr>
+          <a:xfrm>
+            <a:off x="1000100" y="3286124"/>
+            <a:ext cx="865943" cy="369332"/>
+          </a:xfrm>
+          <a:prstGeom prst="rect">
+            <a:avLst/>
+          </a:prstGeom>
+          <a:noFill/>
+        </p:spPr>
+        <p:txBody>
+          <a:bodyPr wrap="none" rtlCol="0">
+            <a:spAutoFit/>
+          </a:bodyPr>
+          <a:lstStyle/>
+          <a:p>
+            <a:r>
+              <a:rPr kumimoji="1" lang="ja-JP" altLang="en-US" dirty="0" smtClean="0"/>
+              <a:t>タスク</a:t>
+            </a:r>
+            <a:r>
+              <a:rPr kumimoji="1" lang="en-US" altLang="ja-JP" dirty="0" smtClean="0"/>
+              <a:t>a</a:t>
+            </a:r>
+          </a:p>
+        </p:txBody>
+      </p:sp>
+      <p:sp>
+        <p:nvSpPr>
+          <p:cNvPr id="82" name="テキスト ボックス 81"/>
+          <p:cNvSpPr txBox="1"/>
+          <p:nvPr/>
+        </p:nvSpPr>
+        <p:spPr>
+          <a:xfrm>
+            <a:off x="1000100" y="3643314"/>
+            <a:ext cx="877163" cy="369332"/>
+          </a:xfrm>
+          <a:prstGeom prst="rect">
+            <a:avLst/>
+          </a:prstGeom>
+          <a:noFill/>
+        </p:spPr>
+        <p:txBody>
+          <a:bodyPr wrap="none" rtlCol="0">
+            <a:spAutoFit/>
+          </a:bodyPr>
+          <a:lstStyle/>
+          <a:p>
+            <a:r>
+              <a:rPr kumimoji="1" lang="ja-JP" altLang="en-US" dirty="0" smtClean="0"/>
+              <a:t>タスク</a:t>
+            </a:r>
+            <a:r>
+              <a:rPr lang="en-US" altLang="ja-JP" dirty="0" smtClean="0"/>
+              <a:t>b</a:t>
+            </a:r>
+          </a:p>
+        </p:txBody>
+      </p:sp>
+      <p:sp>
+        <p:nvSpPr>
+          <p:cNvPr id="83" name="テキスト ボックス 82"/>
+          <p:cNvSpPr txBox="1"/>
+          <p:nvPr/>
+        </p:nvSpPr>
+        <p:spPr>
+          <a:xfrm>
+            <a:off x="1000100" y="4000504"/>
+            <a:ext cx="853119" cy="369332"/>
+          </a:xfrm>
+          <a:prstGeom prst="rect">
+            <a:avLst/>
+          </a:prstGeom>
+          <a:noFill/>
+        </p:spPr>
+        <p:txBody>
+          <a:bodyPr wrap="none" rtlCol="0">
+            <a:spAutoFit/>
+          </a:bodyPr>
+          <a:lstStyle/>
+          <a:p>
+            <a:r>
+              <a:rPr kumimoji="1" lang="ja-JP" altLang="en-US" dirty="0" smtClean="0"/>
+              <a:t>タスク</a:t>
+            </a:r>
+            <a:r>
+              <a:rPr lang="en-US" altLang="ja-JP" dirty="0" smtClean="0"/>
+              <a:t>c</a:t>
+            </a:r>
+            <a:endParaRPr kumimoji="1" lang="en-US" altLang="ja-JP" dirty="0" smtClean="0"/>
+          </a:p>
+        </p:txBody>
+      </p:sp>
+      <p:sp>
+        <p:nvSpPr>
+          <p:cNvPr id="84" name="テキスト ボックス 83"/>
+          <p:cNvSpPr txBox="1"/>
+          <p:nvPr/>
+        </p:nvSpPr>
+        <p:spPr>
+          <a:xfrm>
+            <a:off x="2643174" y="3286124"/>
+            <a:ext cx="1107996" cy="369332"/>
+          </a:xfrm>
+          <a:prstGeom prst="rect">
+            <a:avLst/>
+          </a:prstGeom>
+        </p:spPr>
+        <p:style>
+          <a:lnRef idx="2">
+            <a:schemeClr val="accent1">
+              <a:shade val="50000"/>
+            </a:schemeClr>
+          </a:lnRef>
+          <a:fillRef idx="1">
+            <a:schemeClr val="accent1"/>
+          </a:fillRef>
+          <a:effectRef idx="0">
+            <a:schemeClr val="accent1"/>
+          </a:effectRef>
+          <a:fontRef idx="minor">
+            <a:schemeClr val="lt1"/>
+          </a:fontRef>
+        </p:style>
+        <p:txBody>
+          <a:bodyPr wrap="none" rtlCol="0">
+            <a:spAutoFit/>
+          </a:bodyPr>
+          <a:lstStyle/>
+          <a:p>
+            <a:r>
+              <a:rPr kumimoji="1" lang="ja-JP" altLang="en-US" dirty="0" smtClean="0"/>
+              <a:t>　　　　　　</a:t>
+            </a:r>
+            <a:endParaRPr kumimoji="1" lang="ja-JP" altLang="en-US" dirty="0"/>
+          </a:p>
+        </p:txBody>
+      </p:sp>
+      <p:sp>
+        <p:nvSpPr>
+          <p:cNvPr id="85" name="テキスト ボックス 84"/>
+          <p:cNvSpPr txBox="1"/>
+          <p:nvPr/>
+        </p:nvSpPr>
+        <p:spPr>
+          <a:xfrm>
+            <a:off x="4286248" y="3298266"/>
+            <a:ext cx="1107996" cy="369332"/>
+          </a:xfrm>
+          <a:prstGeom prst="rect">
+            <a:avLst/>
+          </a:prstGeom>
+        </p:spPr>
+        <p:style>
+          <a:lnRef idx="2">
+            <a:schemeClr val="accent1">
+              <a:shade val="50000"/>
+            </a:schemeClr>
+          </a:lnRef>
+          <a:fillRef idx="1">
+            <a:schemeClr val="accent1"/>
+          </a:fillRef>
+          <a:effectRef idx="0">
+            <a:schemeClr val="accent1"/>
+          </a:effectRef>
+          <a:fontRef idx="minor">
+            <a:schemeClr val="lt1"/>
+          </a:fontRef>
+        </p:style>
+        <p:txBody>
+          <a:bodyPr wrap="none" rtlCol="0">
+            <a:spAutoFit/>
+          </a:bodyPr>
+          <a:lstStyle/>
+          <a:p>
+            <a:r>
+              <a:rPr kumimoji="1" lang="ja-JP" altLang="en-US" dirty="0" smtClean="0"/>
+              <a:t>　　　　　　</a:t>
+            </a:r>
+            <a:endParaRPr kumimoji="1" lang="ja-JP" altLang="en-US" dirty="0"/>
+          </a:p>
+        </p:txBody>
+      </p:sp>
+      <p:sp>
+        <p:nvSpPr>
+          <p:cNvPr id="86" name="テキスト ボックス 85"/>
+          <p:cNvSpPr txBox="1"/>
+          <p:nvPr/>
+        </p:nvSpPr>
+        <p:spPr>
+          <a:xfrm>
+            <a:off x="5929322" y="3298266"/>
+            <a:ext cx="1107996" cy="369332"/>
+          </a:xfrm>
+          <a:prstGeom prst="rect">
+            <a:avLst/>
+          </a:prstGeom>
+        </p:spPr>
+        <p:style>
+          <a:lnRef idx="2">
+            <a:schemeClr val="accent1">
+              <a:shade val="50000"/>
+            </a:schemeClr>
+          </a:lnRef>
+          <a:fillRef idx="1">
+            <a:schemeClr val="accent1"/>
+          </a:fillRef>
+          <a:effectRef idx="0">
+            <a:schemeClr val="accent1"/>
+          </a:effectRef>
+          <a:fontRef idx="minor">
+            <a:schemeClr val="lt1"/>
+          </a:fontRef>
+        </p:style>
+        <p:txBody>
+          <a:bodyPr wrap="none" rtlCol="0">
+            <a:spAutoFit/>
+          </a:bodyPr>
+          <a:lstStyle/>
+          <a:p>
+            <a:r>
+              <a:rPr kumimoji="1" lang="ja-JP" altLang="en-US" dirty="0" smtClean="0"/>
+              <a:t>　　　　　　</a:t>
+            </a:r>
+            <a:endParaRPr kumimoji="1" lang="ja-JP" altLang="en-US" dirty="0"/>
+          </a:p>
+        </p:txBody>
+      </p:sp>
+      <p:sp>
+        <p:nvSpPr>
+          <p:cNvPr id="87" name="テキスト ボックス 86"/>
+          <p:cNvSpPr txBox="1"/>
+          <p:nvPr/>
+        </p:nvSpPr>
+        <p:spPr>
+          <a:xfrm>
+            <a:off x="3793805" y="3714752"/>
+            <a:ext cx="492443" cy="369332"/>
+          </a:xfrm>
+          <a:prstGeom prst="rect">
+            <a:avLst/>
+          </a:prstGeom>
+        </p:spPr>
+        <p:style>
+          <a:lnRef idx="2">
+            <a:schemeClr val="accent2">
+              <a:shade val="50000"/>
+            </a:schemeClr>
+          </a:lnRef>
+          <a:fillRef idx="1">
+            <a:schemeClr val="accent2"/>
+          </a:fillRef>
+          <a:effectRef idx="0">
+            <a:schemeClr val="accent2"/>
+          </a:effectRef>
+          <a:fontRef idx="minor">
+            <a:schemeClr val="lt1"/>
+          </a:fontRef>
+        </p:style>
+        <p:txBody>
+          <a:bodyPr wrap="none" rtlCol="0">
+            <a:spAutoFit/>
+          </a:bodyPr>
+          <a:lstStyle/>
+          <a:p>
+            <a:r>
+              <a:rPr kumimoji="1" lang="ja-JP" altLang="en-US" dirty="0" smtClean="0"/>
+              <a:t>　　</a:t>
+            </a:r>
+            <a:endParaRPr kumimoji="1" lang="ja-JP" altLang="en-US" dirty="0"/>
+          </a:p>
+        </p:txBody>
+      </p:sp>
+      <p:sp>
+        <p:nvSpPr>
+          <p:cNvPr id="88" name="テキスト ボックス 87"/>
+          <p:cNvSpPr txBox="1"/>
+          <p:nvPr/>
+        </p:nvSpPr>
+        <p:spPr>
+          <a:xfrm>
+            <a:off x="5429256" y="3714752"/>
+            <a:ext cx="492443" cy="369332"/>
+          </a:xfrm>
+          <a:prstGeom prst="rect">
+            <a:avLst/>
+          </a:prstGeom>
+        </p:spPr>
+        <p:style>
+          <a:lnRef idx="2">
+            <a:schemeClr val="accent2">
+              <a:shade val="50000"/>
+            </a:schemeClr>
+          </a:lnRef>
+          <a:fillRef idx="1">
+            <a:schemeClr val="accent2"/>
+          </a:fillRef>
+          <a:effectRef idx="0">
+            <a:schemeClr val="accent2"/>
+          </a:effectRef>
+          <a:fontRef idx="minor">
+            <a:schemeClr val="lt1"/>
+          </a:fontRef>
+        </p:style>
+        <p:txBody>
+          <a:bodyPr wrap="none" rtlCol="0">
+            <a:spAutoFit/>
+          </a:bodyPr>
+          <a:lstStyle/>
+          <a:p>
+            <a:r>
+              <a:rPr kumimoji="1" lang="ja-JP" altLang="en-US" dirty="0" smtClean="0"/>
+              <a:t>　　</a:t>
+            </a:r>
+            <a:endParaRPr kumimoji="1" lang="ja-JP" altLang="en-US" dirty="0"/>
+          </a:p>
+        </p:txBody>
+      </p:sp>
+      <p:sp>
+        <p:nvSpPr>
+          <p:cNvPr id="89" name="テキスト ボックス 88"/>
+          <p:cNvSpPr txBox="1"/>
+          <p:nvPr/>
+        </p:nvSpPr>
+        <p:spPr>
+          <a:xfrm>
+            <a:off x="428596" y="2928934"/>
+            <a:ext cx="255198" cy="369332"/>
+          </a:xfrm>
+          <a:prstGeom prst="rect">
+            <a:avLst/>
+          </a:prstGeom>
+        </p:spPr>
+        <p:style>
+          <a:lnRef idx="2">
+            <a:schemeClr val="dk1"/>
+          </a:lnRef>
+          <a:fillRef idx="1">
+            <a:schemeClr val="lt1"/>
+          </a:fillRef>
+          <a:effectRef idx="0">
+            <a:schemeClr val="dk1"/>
+          </a:effectRef>
+          <a:fontRef idx="minor">
+            <a:schemeClr val="dk1"/>
+          </a:fontRef>
+        </p:style>
+        <p:txBody>
+          <a:bodyPr wrap="none" rtlCol="0">
+            <a:spAutoFit/>
+          </a:bodyPr>
+          <a:lstStyle/>
+          <a:p>
+            <a:r>
+              <a:rPr lang="en-US" altLang="ja-JP" dirty="0" smtClean="0"/>
+              <a:t>-</a:t>
+            </a:r>
+            <a:endParaRPr kumimoji="1" lang="ja-JP" altLang="en-US" dirty="0"/>
+          </a:p>
+        </p:txBody>
+      </p:sp>
+      <p:cxnSp>
+        <p:nvCxnSpPr>
+          <p:cNvPr id="67" name="直線矢印コネクタ 66"/>
+          <p:cNvCxnSpPr/>
+          <p:nvPr/>
+        </p:nvCxnSpPr>
+        <p:spPr>
+          <a:xfrm rot="5400000" flipH="1" flipV="1">
+            <a:off x="3679819" y="3107529"/>
+            <a:ext cx="1213652" cy="794"/>
+          </a:xfrm>
+          <a:prstGeom prst="straightConnector1">
+            <a:avLst/>
+          </a:prstGeom>
+          <a:ln>
+            <a:tailEnd type="arrow"/>
+          </a:ln>
+        </p:spPr>
+        <p:style>
+          <a:lnRef idx="3">
+            <a:schemeClr val="dk1"/>
+          </a:lnRef>
+          <a:fillRef idx="0">
+            <a:schemeClr val="dk1"/>
+          </a:fillRef>
+          <a:effectRef idx="2">
+            <a:schemeClr val="dk1"/>
+          </a:effectRef>
+          <a:fontRef idx="minor">
+            <a:schemeClr val="tx1"/>
+          </a:fontRef>
+        </p:style>
+      </p:cxnSp>
+      <p:cxnSp>
+        <p:nvCxnSpPr>
+          <p:cNvPr id="71" name="直線矢印コネクタ 70"/>
+          <p:cNvCxnSpPr/>
+          <p:nvPr/>
+        </p:nvCxnSpPr>
+        <p:spPr>
+          <a:xfrm rot="5400000" flipH="1" flipV="1">
+            <a:off x="5322893" y="3107529"/>
+            <a:ext cx="1213652" cy="794"/>
+          </a:xfrm>
+          <a:prstGeom prst="straightConnector1">
+            <a:avLst/>
+          </a:prstGeom>
+          <a:ln>
+            <a:tailEnd type="arrow"/>
+          </a:ln>
+        </p:spPr>
+        <p:style>
+          <a:lnRef idx="3">
+            <a:schemeClr val="dk1"/>
+          </a:lnRef>
+          <a:fillRef idx="0">
+            <a:schemeClr val="dk1"/>
+          </a:fillRef>
+          <a:effectRef idx="2">
+            <a:schemeClr val="dk1"/>
+          </a:effectRef>
+          <a:fontRef idx="minor">
+            <a:schemeClr val="tx1"/>
+          </a:fontRef>
+        </p:style>
+      </p:cxnSp>
+    </p:spTree>
+  </p:cSld>
+  <p:clrMapOvr>
+    <a:masterClrMapping/>
+  </p:clrMapOvr>
+</p:sld>
+</file>
+
+<file path=ppt/slides/slide6.xml><?xml version="1.0" encoding="utf-8"?>
+<p:sld xmlns:a="http://schemas.openxmlformats.org/drawingml/2006/main" xmlns:r="http://schemas.openxmlformats.org/officeDocument/2006/relationships" xmlns:p="http://schemas.openxmlformats.org/presentationml/2006/main">
+  <p:cSld>
+    <p:spTree>
+      <p:nvGrpSpPr>
+        <p:cNvPr id="1" name=""/>
+        <p:cNvGrpSpPr/>
+        <p:nvPr/>
+      </p:nvGrpSpPr>
+      <p:grpSpPr>
+        <a:xfrm>
+          <a:off x="0" y="0"/>
+          <a:ext cx="0" cy="0"/>
+          <a:chOff x="0" y="0"/>
+          <a:chExt cx="0" cy="0"/>
+        </a:xfrm>
+      </p:grpSpPr>
+      <p:sp>
+        <p:nvSpPr>
+          <p:cNvPr id="2" name="タイトル 1"/>
+          <p:cNvSpPr>
+            <a:spLocks noGrp="1"/>
+          </p:cNvSpPr>
+          <p:nvPr>
+            <p:ph type="title"/>
+          </p:nvPr>
+        </p:nvSpPr>
+        <p:spPr/>
+        <p:txBody>
+          <a:bodyPr/>
+          <a:lstStyle/>
+          <a:p>
+            <a:r>
+              <a:rPr kumimoji="1" lang="ja-JP" altLang="en-US" dirty="0" smtClean="0"/>
+              <a:t>出力</a:t>
+            </a:r>
+            <a:r>
+              <a:rPr kumimoji="1" lang="ja-JP" altLang="en-US" dirty="0" smtClean="0"/>
+              <a:t>（マイグレーション矢印）</a:t>
+            </a:r>
+            <a:endParaRPr kumimoji="1" lang="ja-JP" altLang="en-US" dirty="0"/>
+          </a:p>
+        </p:txBody>
+      </p:sp>
+      <p:sp>
+        <p:nvSpPr>
+          <p:cNvPr id="4" name="スライド番号プレースホルダ 3"/>
+          <p:cNvSpPr>
+            <a:spLocks noGrp="1"/>
+          </p:cNvSpPr>
+          <p:nvPr>
+            <p:ph type="sldNum" sz="quarter" idx="12"/>
+          </p:nvPr>
+        </p:nvSpPr>
+        <p:spPr/>
+        <p:txBody>
+          <a:bodyPr/>
+          <a:lstStyle/>
+          <a:p>
+            <a:fld id="{A67DFC8C-1F5E-4254-A57A-68887A1C3919}" type="slidenum">
+              <a:rPr lang="ja-JP" altLang="en-US" smtClean="0"/>
+              <a:pPr/>
+              <a:t>6</a:t>
+            </a:fld>
+            <a:endParaRPr lang="ja-JP" altLang="en-US"/>
+          </a:p>
+        </p:txBody>
+      </p:sp>
+      <p:sp>
+        <p:nvSpPr>
+          <p:cNvPr id="65" name="テキスト ボックス 64"/>
+          <p:cNvSpPr txBox="1"/>
+          <p:nvPr/>
+        </p:nvSpPr>
+        <p:spPr>
+          <a:xfrm>
+            <a:off x="428596" y="1428736"/>
+            <a:ext cx="7492757" cy="523220"/>
+          </a:xfrm>
+          <a:prstGeom prst="rect">
+            <a:avLst/>
+          </a:prstGeom>
+        </p:spPr>
+        <p:style>
+          <a:lnRef idx="1">
+            <a:schemeClr val="dk1"/>
+          </a:lnRef>
+          <a:fillRef idx="2">
+            <a:schemeClr val="dk1"/>
+          </a:fillRef>
+          <a:effectRef idx="1">
+            <a:schemeClr val="dk1"/>
+          </a:effectRef>
+          <a:fontRef idx="minor">
+            <a:schemeClr val="dk1"/>
+          </a:fontRef>
+        </p:style>
+        <p:txBody>
+          <a:bodyPr wrap="none" rtlCol="0">
+            <a:spAutoFit/>
+          </a:bodyPr>
+          <a:lstStyle/>
+          <a:p>
+            <a:r>
+              <a:rPr kumimoji="1" lang="ja-JP" altLang="en-US" sz="2800" dirty="0" smtClean="0"/>
+              <a:t>案</a:t>
+            </a:r>
+            <a:r>
+              <a:rPr lang="ja-JP" altLang="en-US" sz="2800" dirty="0" smtClean="0"/>
+              <a:t>３</a:t>
+            </a:r>
+            <a:r>
+              <a:rPr lang="ja-JP" altLang="en-US" sz="2800" dirty="0" smtClean="0"/>
+              <a:t>：選択したタスクだけをタスク単位で全て表示</a:t>
+            </a:r>
+            <a:endParaRPr kumimoji="1" lang="ja-JP" altLang="en-US" sz="2800" dirty="0"/>
+          </a:p>
+        </p:txBody>
+      </p:sp>
+      <p:sp>
+        <p:nvSpPr>
+          <p:cNvPr id="23" name="テキスト ボックス 22"/>
+          <p:cNvSpPr txBox="1"/>
+          <p:nvPr/>
+        </p:nvSpPr>
+        <p:spPr>
+          <a:xfrm>
+            <a:off x="642910" y="2000240"/>
+            <a:ext cx="691215" cy="369332"/>
+          </a:xfrm>
+          <a:prstGeom prst="rect">
+            <a:avLst/>
+          </a:prstGeom>
+          <a:noFill/>
+        </p:spPr>
+        <p:txBody>
+          <a:bodyPr wrap="none" rtlCol="0">
+            <a:spAutoFit/>
+          </a:bodyPr>
+          <a:lstStyle/>
+          <a:p>
+            <a:r>
+              <a:rPr kumimoji="1" lang="en-US" altLang="ja-JP" dirty="0" smtClean="0"/>
+              <a:t>CPU1</a:t>
+            </a:r>
+            <a:endParaRPr kumimoji="1" lang="ja-JP" altLang="en-US" dirty="0"/>
+          </a:p>
+        </p:txBody>
+      </p:sp>
+      <p:sp>
+        <p:nvSpPr>
+          <p:cNvPr id="24" name="テキスト ボックス 23"/>
+          <p:cNvSpPr txBox="1"/>
+          <p:nvPr/>
+        </p:nvSpPr>
+        <p:spPr>
+          <a:xfrm>
+            <a:off x="3143240" y="1988098"/>
+            <a:ext cx="800219" cy="369332"/>
+          </a:xfrm>
+          <a:prstGeom prst="rect">
+            <a:avLst/>
+          </a:prstGeom>
+        </p:spPr>
+        <p:style>
+          <a:lnRef idx="2">
+            <a:schemeClr val="accent3">
+              <a:shade val="50000"/>
+            </a:schemeClr>
+          </a:lnRef>
+          <a:fillRef idx="1">
+            <a:schemeClr val="accent3"/>
+          </a:fillRef>
+          <a:effectRef idx="0">
+            <a:schemeClr val="accent3"/>
+          </a:effectRef>
+          <a:fontRef idx="minor">
+            <a:schemeClr val="lt1"/>
+          </a:fontRef>
+        </p:style>
+        <p:txBody>
+          <a:bodyPr wrap="none" rtlCol="0">
+            <a:spAutoFit/>
+          </a:bodyPr>
+          <a:lstStyle/>
+          <a:p>
+            <a:r>
+              <a:rPr kumimoji="1" lang="ja-JP" altLang="en-US" dirty="0" smtClean="0"/>
+              <a:t>　　　　</a:t>
+            </a:r>
+            <a:endParaRPr kumimoji="1" lang="ja-JP" altLang="en-US" dirty="0"/>
+          </a:p>
+        </p:txBody>
+      </p:sp>
+      <p:sp>
+        <p:nvSpPr>
+          <p:cNvPr id="25" name="テキスト ボックス 24"/>
+          <p:cNvSpPr txBox="1"/>
+          <p:nvPr/>
+        </p:nvSpPr>
+        <p:spPr>
+          <a:xfrm>
+            <a:off x="4286248" y="1988098"/>
+            <a:ext cx="492443" cy="369332"/>
+          </a:xfrm>
+          <a:prstGeom prst="rect">
+            <a:avLst/>
+          </a:prstGeom>
+        </p:spPr>
+        <p:style>
+          <a:lnRef idx="2">
+            <a:schemeClr val="accent2">
+              <a:shade val="50000"/>
+            </a:schemeClr>
+          </a:lnRef>
+          <a:fillRef idx="1">
+            <a:schemeClr val="accent2"/>
+          </a:fillRef>
+          <a:effectRef idx="0">
+            <a:schemeClr val="accent2"/>
+          </a:effectRef>
+          <a:fontRef idx="minor">
+            <a:schemeClr val="lt1"/>
+          </a:fontRef>
+        </p:style>
+        <p:txBody>
+          <a:bodyPr wrap="none" rtlCol="0">
+            <a:spAutoFit/>
+          </a:bodyPr>
+          <a:lstStyle/>
+          <a:p>
+            <a:r>
+              <a:rPr kumimoji="1" lang="ja-JP" altLang="en-US" dirty="0" smtClean="0"/>
+              <a:t>　　</a:t>
+            </a:r>
+            <a:endParaRPr kumimoji="1" lang="ja-JP" altLang="en-US" dirty="0"/>
+          </a:p>
+        </p:txBody>
+      </p:sp>
+      <p:sp>
+        <p:nvSpPr>
+          <p:cNvPr id="26" name="テキスト ボックス 25"/>
+          <p:cNvSpPr txBox="1"/>
+          <p:nvPr/>
+        </p:nvSpPr>
+        <p:spPr>
+          <a:xfrm>
+            <a:off x="4786314" y="1988098"/>
+            <a:ext cx="800219" cy="369332"/>
+          </a:xfrm>
+          <a:prstGeom prst="rect">
+            <a:avLst/>
+          </a:prstGeom>
+        </p:spPr>
+        <p:style>
+          <a:lnRef idx="2">
+            <a:schemeClr val="accent3">
+              <a:shade val="50000"/>
+            </a:schemeClr>
+          </a:lnRef>
+          <a:fillRef idx="1">
+            <a:schemeClr val="accent3"/>
+          </a:fillRef>
+          <a:effectRef idx="0">
+            <a:schemeClr val="accent3"/>
+          </a:effectRef>
+          <a:fontRef idx="minor">
+            <a:schemeClr val="lt1"/>
+          </a:fontRef>
+        </p:style>
+        <p:txBody>
+          <a:bodyPr wrap="none" rtlCol="0">
+            <a:spAutoFit/>
+          </a:bodyPr>
+          <a:lstStyle/>
+          <a:p>
+            <a:r>
+              <a:rPr kumimoji="1" lang="ja-JP" altLang="en-US" dirty="0" smtClean="0"/>
+              <a:t>　　　　</a:t>
+            </a:r>
+            <a:endParaRPr kumimoji="1" lang="ja-JP" altLang="en-US" dirty="0"/>
+          </a:p>
+        </p:txBody>
+      </p:sp>
+      <p:sp>
+        <p:nvSpPr>
+          <p:cNvPr id="27" name="テキスト ボックス 26"/>
+          <p:cNvSpPr txBox="1"/>
+          <p:nvPr/>
+        </p:nvSpPr>
+        <p:spPr>
+          <a:xfrm>
+            <a:off x="5929322" y="2000240"/>
+            <a:ext cx="492443" cy="369332"/>
+          </a:xfrm>
+          <a:prstGeom prst="rect">
+            <a:avLst/>
+          </a:prstGeom>
+        </p:spPr>
+        <p:style>
+          <a:lnRef idx="2">
+            <a:schemeClr val="accent2">
+              <a:shade val="50000"/>
+            </a:schemeClr>
+          </a:lnRef>
+          <a:fillRef idx="1">
+            <a:schemeClr val="accent2"/>
+          </a:fillRef>
+          <a:effectRef idx="0">
+            <a:schemeClr val="accent2"/>
+          </a:effectRef>
+          <a:fontRef idx="minor">
+            <a:schemeClr val="lt1"/>
+          </a:fontRef>
+        </p:style>
+        <p:txBody>
+          <a:bodyPr wrap="none" rtlCol="0">
+            <a:spAutoFit/>
+          </a:bodyPr>
+          <a:lstStyle/>
+          <a:p>
+            <a:r>
+              <a:rPr kumimoji="1" lang="ja-JP" altLang="en-US" dirty="0" smtClean="0"/>
+              <a:t>　　</a:t>
+            </a:r>
+            <a:endParaRPr kumimoji="1" lang="ja-JP" altLang="en-US" dirty="0"/>
+          </a:p>
+        </p:txBody>
+      </p:sp>
+      <p:sp>
+        <p:nvSpPr>
+          <p:cNvPr id="29" name="テキスト ボックス 28"/>
+          <p:cNvSpPr txBox="1"/>
+          <p:nvPr/>
+        </p:nvSpPr>
+        <p:spPr>
+          <a:xfrm>
+            <a:off x="6429388" y="2000240"/>
+            <a:ext cx="800219" cy="369332"/>
+          </a:xfrm>
+          <a:prstGeom prst="rect">
+            <a:avLst/>
+          </a:prstGeom>
+        </p:spPr>
+        <p:style>
+          <a:lnRef idx="2">
+            <a:schemeClr val="accent3">
+              <a:shade val="50000"/>
+            </a:schemeClr>
+          </a:lnRef>
+          <a:fillRef idx="1">
+            <a:schemeClr val="accent3"/>
+          </a:fillRef>
+          <a:effectRef idx="0">
+            <a:schemeClr val="accent3"/>
+          </a:effectRef>
+          <a:fontRef idx="minor">
+            <a:schemeClr val="lt1"/>
+          </a:fontRef>
+        </p:style>
+        <p:txBody>
+          <a:bodyPr wrap="none" rtlCol="0">
+            <a:spAutoFit/>
+          </a:bodyPr>
+          <a:lstStyle/>
+          <a:p>
+            <a:r>
+              <a:rPr kumimoji="1" lang="ja-JP" altLang="en-US" dirty="0" smtClean="0"/>
+              <a:t>　　　　</a:t>
+            </a:r>
+            <a:endParaRPr kumimoji="1" lang="ja-JP" altLang="en-US" dirty="0"/>
+          </a:p>
+        </p:txBody>
+      </p:sp>
+      <p:sp>
+        <p:nvSpPr>
+          <p:cNvPr id="31" name="テキスト ボックス 30"/>
+          <p:cNvSpPr txBox="1"/>
+          <p:nvPr/>
+        </p:nvSpPr>
+        <p:spPr>
+          <a:xfrm>
+            <a:off x="642910" y="3559734"/>
+            <a:ext cx="691215" cy="369332"/>
+          </a:xfrm>
+          <a:prstGeom prst="rect">
+            <a:avLst/>
+          </a:prstGeom>
+          <a:noFill/>
+        </p:spPr>
+        <p:txBody>
+          <a:bodyPr wrap="none" rtlCol="0">
+            <a:spAutoFit/>
+          </a:bodyPr>
+          <a:lstStyle/>
+          <a:p>
+            <a:r>
+              <a:rPr kumimoji="1" lang="en-US" altLang="ja-JP" dirty="0" smtClean="0"/>
+              <a:t>CPU1</a:t>
+            </a:r>
+            <a:endParaRPr kumimoji="1" lang="ja-JP" altLang="en-US" dirty="0"/>
+          </a:p>
+        </p:txBody>
+      </p:sp>
+      <p:sp>
+        <p:nvSpPr>
+          <p:cNvPr id="33" name="テキスト ボックス 32"/>
+          <p:cNvSpPr txBox="1"/>
+          <p:nvPr/>
+        </p:nvSpPr>
+        <p:spPr>
+          <a:xfrm>
+            <a:off x="2643174" y="3547592"/>
+            <a:ext cx="1107996" cy="369332"/>
+          </a:xfrm>
+          <a:prstGeom prst="rect">
+            <a:avLst/>
+          </a:prstGeom>
+        </p:spPr>
+        <p:style>
+          <a:lnRef idx="2">
+            <a:schemeClr val="accent1">
+              <a:shade val="50000"/>
+            </a:schemeClr>
+          </a:lnRef>
+          <a:fillRef idx="1">
+            <a:schemeClr val="accent1"/>
+          </a:fillRef>
+          <a:effectRef idx="0">
+            <a:schemeClr val="accent1"/>
+          </a:effectRef>
+          <a:fontRef idx="minor">
+            <a:schemeClr val="lt1"/>
+          </a:fontRef>
+        </p:style>
+        <p:txBody>
+          <a:bodyPr wrap="none" rtlCol="0">
+            <a:spAutoFit/>
+          </a:bodyPr>
+          <a:lstStyle/>
+          <a:p>
+            <a:r>
+              <a:rPr kumimoji="1" lang="ja-JP" altLang="en-US" dirty="0" smtClean="0"/>
+              <a:t>　　　　　　</a:t>
+            </a:r>
+            <a:endParaRPr kumimoji="1" lang="ja-JP" altLang="en-US" dirty="0"/>
+          </a:p>
+        </p:txBody>
+      </p:sp>
+      <p:sp>
+        <p:nvSpPr>
+          <p:cNvPr id="35" name="テキスト ボックス 34"/>
+          <p:cNvSpPr txBox="1"/>
+          <p:nvPr/>
+        </p:nvSpPr>
+        <p:spPr>
+          <a:xfrm>
+            <a:off x="3793805" y="3559734"/>
+            <a:ext cx="492443" cy="369332"/>
+          </a:xfrm>
+          <a:prstGeom prst="rect">
+            <a:avLst/>
+          </a:prstGeom>
+        </p:spPr>
+        <p:style>
+          <a:lnRef idx="2">
+            <a:schemeClr val="accent2">
+              <a:shade val="50000"/>
+            </a:schemeClr>
+          </a:lnRef>
+          <a:fillRef idx="1">
+            <a:schemeClr val="accent2"/>
+          </a:fillRef>
+          <a:effectRef idx="0">
+            <a:schemeClr val="accent2"/>
+          </a:effectRef>
+          <a:fontRef idx="minor">
+            <a:schemeClr val="lt1"/>
+          </a:fontRef>
+        </p:style>
+        <p:txBody>
+          <a:bodyPr wrap="none" rtlCol="0">
+            <a:spAutoFit/>
+          </a:bodyPr>
+          <a:lstStyle/>
+          <a:p>
+            <a:r>
+              <a:rPr kumimoji="1" lang="ja-JP" altLang="en-US" dirty="0" smtClean="0"/>
+              <a:t>　　</a:t>
+            </a:r>
+            <a:endParaRPr kumimoji="1" lang="ja-JP" altLang="en-US" dirty="0"/>
+          </a:p>
+        </p:txBody>
+      </p:sp>
+      <p:sp>
+        <p:nvSpPr>
+          <p:cNvPr id="36" name="テキスト ボックス 35"/>
+          <p:cNvSpPr txBox="1"/>
+          <p:nvPr/>
+        </p:nvSpPr>
+        <p:spPr>
+          <a:xfrm>
+            <a:off x="4286248" y="3559734"/>
+            <a:ext cx="1107996" cy="369332"/>
+          </a:xfrm>
+          <a:prstGeom prst="rect">
+            <a:avLst/>
+          </a:prstGeom>
+        </p:spPr>
+        <p:style>
+          <a:lnRef idx="2">
+            <a:schemeClr val="accent1">
+              <a:shade val="50000"/>
+            </a:schemeClr>
+          </a:lnRef>
+          <a:fillRef idx="1">
+            <a:schemeClr val="accent1"/>
+          </a:fillRef>
+          <a:effectRef idx="0">
+            <a:schemeClr val="accent1"/>
+          </a:effectRef>
+          <a:fontRef idx="minor">
+            <a:schemeClr val="lt1"/>
+          </a:fontRef>
+        </p:style>
+        <p:txBody>
+          <a:bodyPr wrap="none" rtlCol="0">
+            <a:spAutoFit/>
+          </a:bodyPr>
+          <a:lstStyle/>
+          <a:p>
+            <a:r>
+              <a:rPr kumimoji="1" lang="ja-JP" altLang="en-US" dirty="0" smtClean="0"/>
+              <a:t>　　　　　　</a:t>
+            </a:r>
+            <a:endParaRPr kumimoji="1" lang="ja-JP" altLang="en-US" dirty="0"/>
+          </a:p>
+        </p:txBody>
+      </p:sp>
+      <p:sp>
+        <p:nvSpPr>
+          <p:cNvPr id="45" name="テキスト ボックス 44"/>
+          <p:cNvSpPr txBox="1"/>
+          <p:nvPr/>
+        </p:nvSpPr>
+        <p:spPr>
+          <a:xfrm>
+            <a:off x="5429256" y="3559734"/>
+            <a:ext cx="492443" cy="369332"/>
+          </a:xfrm>
+          <a:prstGeom prst="rect">
+            <a:avLst/>
+          </a:prstGeom>
+        </p:spPr>
+        <p:style>
+          <a:lnRef idx="2">
+            <a:schemeClr val="accent2">
+              <a:shade val="50000"/>
+            </a:schemeClr>
+          </a:lnRef>
+          <a:fillRef idx="1">
+            <a:schemeClr val="accent2"/>
+          </a:fillRef>
+          <a:effectRef idx="0">
+            <a:schemeClr val="accent2"/>
+          </a:effectRef>
+          <a:fontRef idx="minor">
+            <a:schemeClr val="lt1"/>
+          </a:fontRef>
+        </p:style>
+        <p:txBody>
+          <a:bodyPr wrap="none" rtlCol="0">
+            <a:spAutoFit/>
+          </a:bodyPr>
+          <a:lstStyle/>
+          <a:p>
+            <a:r>
+              <a:rPr kumimoji="1" lang="ja-JP" altLang="en-US" dirty="0" smtClean="0"/>
+              <a:t>　　</a:t>
+            </a:r>
+            <a:endParaRPr kumimoji="1" lang="ja-JP" altLang="en-US" dirty="0"/>
+          </a:p>
+        </p:txBody>
+      </p:sp>
+      <p:sp>
+        <p:nvSpPr>
+          <p:cNvPr id="46" name="テキスト ボックス 45"/>
+          <p:cNvSpPr txBox="1"/>
+          <p:nvPr/>
+        </p:nvSpPr>
+        <p:spPr>
+          <a:xfrm>
+            <a:off x="5929322" y="3559734"/>
+            <a:ext cx="1107996" cy="369332"/>
+          </a:xfrm>
+          <a:prstGeom prst="rect">
+            <a:avLst/>
+          </a:prstGeom>
+        </p:spPr>
+        <p:style>
+          <a:lnRef idx="2">
+            <a:schemeClr val="accent1">
+              <a:shade val="50000"/>
+            </a:schemeClr>
+          </a:lnRef>
+          <a:fillRef idx="1">
+            <a:schemeClr val="accent1"/>
+          </a:fillRef>
+          <a:effectRef idx="0">
+            <a:schemeClr val="accent1"/>
+          </a:effectRef>
+          <a:fontRef idx="minor">
+            <a:schemeClr val="lt1"/>
+          </a:fontRef>
+        </p:style>
+        <p:txBody>
+          <a:bodyPr wrap="none" rtlCol="0">
+            <a:spAutoFit/>
+          </a:bodyPr>
+          <a:lstStyle/>
+          <a:p>
+            <a:r>
+              <a:rPr kumimoji="1" lang="ja-JP" altLang="en-US" dirty="0" smtClean="0"/>
+              <a:t>　　　　　　</a:t>
+            </a:r>
+            <a:endParaRPr kumimoji="1" lang="ja-JP" altLang="en-US" dirty="0"/>
+          </a:p>
+        </p:txBody>
+      </p:sp>
+      <p:sp>
+        <p:nvSpPr>
+          <p:cNvPr id="47" name="テキスト ボックス 46"/>
+          <p:cNvSpPr txBox="1"/>
+          <p:nvPr/>
+        </p:nvSpPr>
+        <p:spPr>
+          <a:xfrm>
+            <a:off x="1000100" y="2357430"/>
+            <a:ext cx="865943" cy="369332"/>
+          </a:xfrm>
+          <a:prstGeom prst="rect">
+            <a:avLst/>
+          </a:prstGeom>
+          <a:noFill/>
+        </p:spPr>
+        <p:txBody>
+          <a:bodyPr wrap="none" rtlCol="0">
+            <a:spAutoFit/>
+          </a:bodyPr>
+          <a:lstStyle/>
+          <a:p>
+            <a:r>
+              <a:rPr kumimoji="1" lang="ja-JP" altLang="en-US" dirty="0" smtClean="0"/>
+              <a:t>タスク</a:t>
+            </a:r>
+            <a:r>
+              <a:rPr kumimoji="1" lang="en-US" altLang="ja-JP" dirty="0" smtClean="0"/>
+              <a:t>a</a:t>
+            </a:r>
+          </a:p>
+        </p:txBody>
+      </p:sp>
+      <p:sp>
+        <p:nvSpPr>
+          <p:cNvPr id="48" name="テキスト ボックス 47"/>
+          <p:cNvSpPr txBox="1"/>
+          <p:nvPr/>
+        </p:nvSpPr>
+        <p:spPr>
+          <a:xfrm>
+            <a:off x="714348" y="2714620"/>
+            <a:ext cx="1492716" cy="369332"/>
+          </a:xfrm>
+          <a:prstGeom prst="rect">
+            <a:avLst/>
+          </a:prstGeom>
+          <a:solidFill>
+            <a:srgbClr val="0070C0"/>
+          </a:solidFill>
+        </p:spPr>
+        <p:txBody>
+          <a:bodyPr wrap="none" rtlCol="0">
+            <a:spAutoFit/>
+          </a:bodyPr>
+          <a:lstStyle/>
+          <a:p>
+            <a:r>
+              <a:rPr kumimoji="1" lang="ja-JP" altLang="en-US" dirty="0" smtClean="0">
+                <a:solidFill>
+                  <a:schemeClr val="bg1"/>
+                </a:solidFill>
+              </a:rPr>
+              <a:t>　　タスク</a:t>
+            </a:r>
+            <a:r>
+              <a:rPr lang="en-US" altLang="ja-JP" dirty="0" smtClean="0">
+                <a:solidFill>
+                  <a:schemeClr val="bg1"/>
+                </a:solidFill>
+              </a:rPr>
+              <a:t>b</a:t>
+            </a:r>
+            <a:r>
+              <a:rPr lang="ja-JP" altLang="en-US" dirty="0" smtClean="0">
+                <a:solidFill>
+                  <a:schemeClr val="bg1"/>
+                </a:solidFill>
+              </a:rPr>
+              <a:t>　　</a:t>
+            </a:r>
+            <a:endParaRPr lang="en-US" altLang="ja-JP" dirty="0" smtClean="0">
+              <a:solidFill>
+                <a:schemeClr val="bg1"/>
+              </a:solidFill>
+            </a:endParaRPr>
+          </a:p>
+        </p:txBody>
+      </p:sp>
+      <p:sp>
+        <p:nvSpPr>
+          <p:cNvPr id="49" name="テキスト ボックス 48"/>
+          <p:cNvSpPr txBox="1"/>
+          <p:nvPr/>
+        </p:nvSpPr>
+        <p:spPr>
+          <a:xfrm>
+            <a:off x="1000100" y="3071810"/>
+            <a:ext cx="853119" cy="369332"/>
+          </a:xfrm>
+          <a:prstGeom prst="rect">
+            <a:avLst/>
+          </a:prstGeom>
+          <a:noFill/>
+        </p:spPr>
+        <p:txBody>
+          <a:bodyPr wrap="none" rtlCol="0">
+            <a:spAutoFit/>
+          </a:bodyPr>
+          <a:lstStyle/>
+          <a:p>
+            <a:r>
+              <a:rPr kumimoji="1" lang="ja-JP" altLang="en-US" dirty="0" smtClean="0"/>
+              <a:t>タスク</a:t>
+            </a:r>
+            <a:r>
+              <a:rPr lang="en-US" altLang="ja-JP" dirty="0" smtClean="0"/>
+              <a:t>c</a:t>
+            </a:r>
+            <a:endParaRPr kumimoji="1" lang="en-US" altLang="ja-JP" dirty="0" smtClean="0"/>
+          </a:p>
+        </p:txBody>
+      </p:sp>
+      <p:sp>
+        <p:nvSpPr>
+          <p:cNvPr id="50" name="テキスト ボックス 49"/>
+          <p:cNvSpPr txBox="1"/>
+          <p:nvPr/>
+        </p:nvSpPr>
+        <p:spPr>
+          <a:xfrm>
+            <a:off x="3143240" y="3143248"/>
+            <a:ext cx="800219" cy="369332"/>
+          </a:xfrm>
+          <a:prstGeom prst="rect">
+            <a:avLst/>
+          </a:prstGeom>
+        </p:spPr>
+        <p:style>
+          <a:lnRef idx="2">
+            <a:schemeClr val="accent3">
+              <a:shade val="50000"/>
+            </a:schemeClr>
+          </a:lnRef>
+          <a:fillRef idx="1">
+            <a:schemeClr val="accent3"/>
+          </a:fillRef>
+          <a:effectRef idx="0">
+            <a:schemeClr val="accent3"/>
+          </a:effectRef>
+          <a:fontRef idx="minor">
+            <a:schemeClr val="lt1"/>
+          </a:fontRef>
+        </p:style>
+        <p:txBody>
+          <a:bodyPr wrap="none" rtlCol="0">
+            <a:spAutoFit/>
+          </a:bodyPr>
+          <a:lstStyle/>
+          <a:p>
+            <a:r>
+              <a:rPr kumimoji="1" lang="ja-JP" altLang="en-US" dirty="0" smtClean="0"/>
+              <a:t>　　　　</a:t>
+            </a:r>
+            <a:endParaRPr kumimoji="1" lang="ja-JP" altLang="en-US" dirty="0"/>
+          </a:p>
+        </p:txBody>
+      </p:sp>
+      <p:sp>
+        <p:nvSpPr>
+          <p:cNvPr id="51" name="テキスト ボックス 50"/>
+          <p:cNvSpPr txBox="1"/>
+          <p:nvPr/>
+        </p:nvSpPr>
+        <p:spPr>
+          <a:xfrm>
+            <a:off x="4286248" y="2714620"/>
+            <a:ext cx="492443" cy="369332"/>
+          </a:xfrm>
+          <a:prstGeom prst="rect">
+            <a:avLst/>
+          </a:prstGeom>
+        </p:spPr>
+        <p:style>
+          <a:lnRef idx="2">
+            <a:schemeClr val="accent2">
+              <a:shade val="50000"/>
+            </a:schemeClr>
+          </a:lnRef>
+          <a:fillRef idx="1">
+            <a:schemeClr val="accent2"/>
+          </a:fillRef>
+          <a:effectRef idx="0">
+            <a:schemeClr val="accent2"/>
+          </a:effectRef>
+          <a:fontRef idx="minor">
+            <a:schemeClr val="lt1"/>
+          </a:fontRef>
+        </p:style>
+        <p:txBody>
+          <a:bodyPr wrap="none" rtlCol="0">
+            <a:spAutoFit/>
+          </a:bodyPr>
+          <a:lstStyle/>
+          <a:p>
+            <a:r>
+              <a:rPr kumimoji="1" lang="ja-JP" altLang="en-US" dirty="0" smtClean="0"/>
+              <a:t>　　</a:t>
+            </a:r>
+            <a:endParaRPr kumimoji="1" lang="ja-JP" altLang="en-US" dirty="0"/>
+          </a:p>
+        </p:txBody>
+      </p:sp>
+      <p:sp>
+        <p:nvSpPr>
+          <p:cNvPr id="52" name="テキスト ボックス 51"/>
+          <p:cNvSpPr txBox="1"/>
+          <p:nvPr/>
+        </p:nvSpPr>
+        <p:spPr>
+          <a:xfrm>
+            <a:off x="4786314" y="3143248"/>
+            <a:ext cx="800219" cy="369332"/>
+          </a:xfrm>
+          <a:prstGeom prst="rect">
+            <a:avLst/>
+          </a:prstGeom>
+        </p:spPr>
+        <p:style>
+          <a:lnRef idx="2">
+            <a:schemeClr val="accent3">
+              <a:shade val="50000"/>
+            </a:schemeClr>
+          </a:lnRef>
+          <a:fillRef idx="1">
+            <a:schemeClr val="accent3"/>
+          </a:fillRef>
+          <a:effectRef idx="0">
+            <a:schemeClr val="accent3"/>
+          </a:effectRef>
+          <a:fontRef idx="minor">
+            <a:schemeClr val="lt1"/>
+          </a:fontRef>
+        </p:style>
+        <p:txBody>
+          <a:bodyPr wrap="none" rtlCol="0">
+            <a:spAutoFit/>
+          </a:bodyPr>
+          <a:lstStyle/>
+          <a:p>
+            <a:r>
+              <a:rPr kumimoji="1" lang="ja-JP" altLang="en-US" dirty="0" smtClean="0"/>
+              <a:t>　　　　</a:t>
+            </a:r>
+            <a:endParaRPr kumimoji="1" lang="ja-JP" altLang="en-US" dirty="0"/>
+          </a:p>
+        </p:txBody>
+      </p:sp>
+      <p:sp>
+        <p:nvSpPr>
+          <p:cNvPr id="53" name="テキスト ボックス 52"/>
+          <p:cNvSpPr txBox="1"/>
+          <p:nvPr/>
+        </p:nvSpPr>
+        <p:spPr>
+          <a:xfrm>
+            <a:off x="5929322" y="2714620"/>
+            <a:ext cx="492443" cy="369332"/>
+          </a:xfrm>
+          <a:prstGeom prst="rect">
+            <a:avLst/>
+          </a:prstGeom>
+        </p:spPr>
+        <p:style>
+          <a:lnRef idx="2">
+            <a:schemeClr val="accent2">
+              <a:shade val="50000"/>
+            </a:schemeClr>
+          </a:lnRef>
+          <a:fillRef idx="1">
+            <a:schemeClr val="accent2"/>
+          </a:fillRef>
+          <a:effectRef idx="0">
+            <a:schemeClr val="accent2"/>
+          </a:effectRef>
+          <a:fontRef idx="minor">
+            <a:schemeClr val="lt1"/>
+          </a:fontRef>
+        </p:style>
+        <p:txBody>
+          <a:bodyPr wrap="none" rtlCol="0">
+            <a:spAutoFit/>
+          </a:bodyPr>
+          <a:lstStyle/>
+          <a:p>
+            <a:r>
+              <a:rPr kumimoji="1" lang="ja-JP" altLang="en-US" dirty="0" smtClean="0"/>
+              <a:t>　　</a:t>
+            </a:r>
+            <a:endParaRPr kumimoji="1" lang="ja-JP" altLang="en-US" dirty="0"/>
+          </a:p>
+        </p:txBody>
+      </p:sp>
+      <p:sp>
+        <p:nvSpPr>
+          <p:cNvPr id="54" name="テキスト ボックス 53"/>
+          <p:cNvSpPr txBox="1"/>
+          <p:nvPr/>
+        </p:nvSpPr>
+        <p:spPr>
+          <a:xfrm>
+            <a:off x="6429388" y="3143248"/>
+            <a:ext cx="800219" cy="369332"/>
+          </a:xfrm>
+          <a:prstGeom prst="rect">
+            <a:avLst/>
+          </a:prstGeom>
+        </p:spPr>
+        <p:style>
+          <a:lnRef idx="2">
+            <a:schemeClr val="accent3">
+              <a:shade val="50000"/>
+            </a:schemeClr>
+          </a:lnRef>
+          <a:fillRef idx="1">
+            <a:schemeClr val="accent3"/>
+          </a:fillRef>
+          <a:effectRef idx="0">
+            <a:schemeClr val="accent3"/>
+          </a:effectRef>
+          <a:fontRef idx="minor">
+            <a:schemeClr val="lt1"/>
+          </a:fontRef>
+        </p:style>
+        <p:txBody>
+          <a:bodyPr wrap="none" rtlCol="0">
+            <a:spAutoFit/>
+          </a:bodyPr>
+          <a:lstStyle/>
+          <a:p>
+            <a:r>
+              <a:rPr kumimoji="1" lang="ja-JP" altLang="en-US" dirty="0" smtClean="0"/>
+              <a:t>　　　　</a:t>
+            </a:r>
+            <a:endParaRPr kumimoji="1" lang="ja-JP" altLang="en-US" dirty="0"/>
+          </a:p>
+        </p:txBody>
+      </p:sp>
+      <p:sp>
+        <p:nvSpPr>
+          <p:cNvPr id="55" name="テキスト ボックス 54"/>
+          <p:cNvSpPr txBox="1"/>
+          <p:nvPr/>
+        </p:nvSpPr>
+        <p:spPr>
+          <a:xfrm>
+            <a:off x="1000100" y="3916924"/>
+            <a:ext cx="865943" cy="369332"/>
+          </a:xfrm>
+          <a:prstGeom prst="rect">
+            <a:avLst/>
+          </a:prstGeom>
+          <a:noFill/>
+        </p:spPr>
+        <p:txBody>
+          <a:bodyPr wrap="none" rtlCol="0">
+            <a:spAutoFit/>
+          </a:bodyPr>
+          <a:lstStyle/>
+          <a:p>
+            <a:r>
+              <a:rPr kumimoji="1" lang="ja-JP" altLang="en-US" dirty="0" smtClean="0"/>
+              <a:t>タスク</a:t>
+            </a:r>
+            <a:r>
+              <a:rPr kumimoji="1" lang="en-US" altLang="ja-JP" dirty="0" smtClean="0"/>
+              <a:t>a</a:t>
+            </a:r>
+          </a:p>
+        </p:txBody>
+      </p:sp>
+      <p:sp>
+        <p:nvSpPr>
+          <p:cNvPr id="56" name="テキスト ボックス 55"/>
+          <p:cNvSpPr txBox="1"/>
+          <p:nvPr/>
+        </p:nvSpPr>
+        <p:spPr>
+          <a:xfrm>
+            <a:off x="1000100" y="4274114"/>
+            <a:ext cx="877163" cy="369332"/>
+          </a:xfrm>
+          <a:prstGeom prst="rect">
+            <a:avLst/>
+          </a:prstGeom>
+          <a:noFill/>
+        </p:spPr>
+        <p:txBody>
+          <a:bodyPr wrap="none" rtlCol="0">
+            <a:spAutoFit/>
+          </a:bodyPr>
+          <a:lstStyle/>
+          <a:p>
+            <a:r>
+              <a:rPr kumimoji="1" lang="ja-JP" altLang="en-US" dirty="0" smtClean="0"/>
+              <a:t>タスク</a:t>
+            </a:r>
+            <a:r>
+              <a:rPr lang="en-US" altLang="ja-JP" dirty="0" smtClean="0"/>
+              <a:t>b</a:t>
+            </a:r>
+          </a:p>
+        </p:txBody>
+      </p:sp>
+      <p:sp>
+        <p:nvSpPr>
+          <p:cNvPr id="57" name="テキスト ボックス 56"/>
+          <p:cNvSpPr txBox="1"/>
+          <p:nvPr/>
+        </p:nvSpPr>
+        <p:spPr>
+          <a:xfrm>
+            <a:off x="1000100" y="4631304"/>
+            <a:ext cx="853119" cy="369332"/>
+          </a:xfrm>
+          <a:prstGeom prst="rect">
+            <a:avLst/>
+          </a:prstGeom>
+          <a:noFill/>
+        </p:spPr>
+        <p:txBody>
+          <a:bodyPr wrap="none" rtlCol="0">
+            <a:spAutoFit/>
+          </a:bodyPr>
+          <a:lstStyle/>
+          <a:p>
+            <a:r>
+              <a:rPr kumimoji="1" lang="ja-JP" altLang="en-US" dirty="0" smtClean="0"/>
+              <a:t>タスク</a:t>
+            </a:r>
+            <a:r>
+              <a:rPr lang="en-US" altLang="ja-JP" dirty="0" smtClean="0"/>
+              <a:t>c</a:t>
+            </a:r>
+            <a:endParaRPr kumimoji="1" lang="en-US" altLang="ja-JP" dirty="0" smtClean="0"/>
+          </a:p>
+        </p:txBody>
+      </p:sp>
+      <p:sp>
+        <p:nvSpPr>
+          <p:cNvPr id="58" name="テキスト ボックス 57"/>
+          <p:cNvSpPr txBox="1"/>
+          <p:nvPr/>
+        </p:nvSpPr>
+        <p:spPr>
+          <a:xfrm>
+            <a:off x="2643174" y="3916924"/>
+            <a:ext cx="1107996" cy="369332"/>
+          </a:xfrm>
+          <a:prstGeom prst="rect">
+            <a:avLst/>
+          </a:prstGeom>
+        </p:spPr>
+        <p:style>
+          <a:lnRef idx="2">
+            <a:schemeClr val="accent1">
+              <a:shade val="50000"/>
+            </a:schemeClr>
+          </a:lnRef>
+          <a:fillRef idx="1">
+            <a:schemeClr val="accent1"/>
+          </a:fillRef>
+          <a:effectRef idx="0">
+            <a:schemeClr val="accent1"/>
+          </a:effectRef>
+          <a:fontRef idx="minor">
+            <a:schemeClr val="lt1"/>
+          </a:fontRef>
+        </p:style>
+        <p:txBody>
+          <a:bodyPr wrap="none" rtlCol="0">
+            <a:spAutoFit/>
+          </a:bodyPr>
+          <a:lstStyle/>
+          <a:p>
+            <a:r>
+              <a:rPr kumimoji="1" lang="ja-JP" altLang="en-US" dirty="0" smtClean="0"/>
+              <a:t>　　　　　　</a:t>
+            </a:r>
+            <a:endParaRPr kumimoji="1" lang="ja-JP" altLang="en-US" dirty="0"/>
+          </a:p>
+        </p:txBody>
+      </p:sp>
+      <p:sp>
+        <p:nvSpPr>
+          <p:cNvPr id="59" name="テキスト ボックス 58"/>
+          <p:cNvSpPr txBox="1"/>
+          <p:nvPr/>
+        </p:nvSpPr>
+        <p:spPr>
+          <a:xfrm>
+            <a:off x="4286248" y="3929066"/>
+            <a:ext cx="1107996" cy="369332"/>
+          </a:xfrm>
+          <a:prstGeom prst="rect">
+            <a:avLst/>
+          </a:prstGeom>
+        </p:spPr>
+        <p:style>
+          <a:lnRef idx="2">
+            <a:schemeClr val="accent1">
+              <a:shade val="50000"/>
+            </a:schemeClr>
+          </a:lnRef>
+          <a:fillRef idx="1">
+            <a:schemeClr val="accent1"/>
+          </a:fillRef>
+          <a:effectRef idx="0">
+            <a:schemeClr val="accent1"/>
+          </a:effectRef>
+          <a:fontRef idx="minor">
+            <a:schemeClr val="lt1"/>
+          </a:fontRef>
+        </p:style>
+        <p:txBody>
+          <a:bodyPr wrap="none" rtlCol="0">
+            <a:spAutoFit/>
+          </a:bodyPr>
+          <a:lstStyle/>
+          <a:p>
+            <a:r>
+              <a:rPr kumimoji="1" lang="ja-JP" altLang="en-US" dirty="0" smtClean="0"/>
+              <a:t>　　　　　　</a:t>
+            </a:r>
+            <a:endParaRPr kumimoji="1" lang="ja-JP" altLang="en-US" dirty="0"/>
+          </a:p>
+        </p:txBody>
+      </p:sp>
+      <p:sp>
+        <p:nvSpPr>
+          <p:cNvPr id="60" name="テキスト ボックス 59"/>
+          <p:cNvSpPr txBox="1"/>
+          <p:nvPr/>
+        </p:nvSpPr>
+        <p:spPr>
+          <a:xfrm>
+            <a:off x="5929322" y="3929066"/>
+            <a:ext cx="1107996" cy="369332"/>
+          </a:xfrm>
+          <a:prstGeom prst="rect">
+            <a:avLst/>
+          </a:prstGeom>
+        </p:spPr>
+        <p:style>
+          <a:lnRef idx="2">
+            <a:schemeClr val="accent1">
+              <a:shade val="50000"/>
+            </a:schemeClr>
+          </a:lnRef>
+          <a:fillRef idx="1">
+            <a:schemeClr val="accent1"/>
+          </a:fillRef>
+          <a:effectRef idx="0">
+            <a:schemeClr val="accent1"/>
+          </a:effectRef>
+          <a:fontRef idx="minor">
+            <a:schemeClr val="lt1"/>
+          </a:fontRef>
+        </p:style>
+        <p:txBody>
+          <a:bodyPr wrap="none" rtlCol="0">
+            <a:spAutoFit/>
+          </a:bodyPr>
+          <a:lstStyle/>
+          <a:p>
+            <a:r>
+              <a:rPr kumimoji="1" lang="ja-JP" altLang="en-US" dirty="0" smtClean="0"/>
+              <a:t>　　　　　　</a:t>
+            </a:r>
+            <a:endParaRPr kumimoji="1" lang="ja-JP" altLang="en-US" dirty="0"/>
+          </a:p>
+        </p:txBody>
+      </p:sp>
+      <p:sp>
+        <p:nvSpPr>
+          <p:cNvPr id="61" name="テキスト ボックス 60"/>
+          <p:cNvSpPr txBox="1"/>
+          <p:nvPr/>
+        </p:nvSpPr>
+        <p:spPr>
+          <a:xfrm>
+            <a:off x="3793805" y="4345552"/>
+            <a:ext cx="492443" cy="369332"/>
+          </a:xfrm>
+          <a:prstGeom prst="rect">
+            <a:avLst/>
+          </a:prstGeom>
+        </p:spPr>
+        <p:style>
+          <a:lnRef idx="2">
+            <a:schemeClr val="accent2">
+              <a:shade val="50000"/>
+            </a:schemeClr>
+          </a:lnRef>
+          <a:fillRef idx="1">
+            <a:schemeClr val="accent2"/>
+          </a:fillRef>
+          <a:effectRef idx="0">
+            <a:schemeClr val="accent2"/>
+          </a:effectRef>
+          <a:fontRef idx="minor">
+            <a:schemeClr val="lt1"/>
+          </a:fontRef>
+        </p:style>
+        <p:txBody>
+          <a:bodyPr wrap="none" rtlCol="0">
+            <a:spAutoFit/>
+          </a:bodyPr>
+          <a:lstStyle/>
+          <a:p>
+            <a:r>
+              <a:rPr kumimoji="1" lang="ja-JP" altLang="en-US" dirty="0" smtClean="0"/>
+              <a:t>　　</a:t>
+            </a:r>
+            <a:endParaRPr kumimoji="1" lang="ja-JP" altLang="en-US" dirty="0"/>
+          </a:p>
+        </p:txBody>
+      </p:sp>
+      <p:sp>
+        <p:nvSpPr>
+          <p:cNvPr id="62" name="テキスト ボックス 61"/>
+          <p:cNvSpPr txBox="1"/>
+          <p:nvPr/>
+        </p:nvSpPr>
+        <p:spPr>
+          <a:xfrm>
+            <a:off x="5429256" y="4345552"/>
+            <a:ext cx="492443" cy="369332"/>
+          </a:xfrm>
+          <a:prstGeom prst="rect">
+            <a:avLst/>
+          </a:prstGeom>
+        </p:spPr>
+        <p:style>
+          <a:lnRef idx="2">
+            <a:schemeClr val="accent2">
+              <a:shade val="50000"/>
+            </a:schemeClr>
+          </a:lnRef>
+          <a:fillRef idx="1">
+            <a:schemeClr val="accent2"/>
+          </a:fillRef>
+          <a:effectRef idx="0">
+            <a:schemeClr val="accent2"/>
+          </a:effectRef>
+          <a:fontRef idx="minor">
+            <a:schemeClr val="lt1"/>
+          </a:fontRef>
+        </p:style>
+        <p:txBody>
+          <a:bodyPr wrap="none" rtlCol="0">
+            <a:spAutoFit/>
+          </a:bodyPr>
+          <a:lstStyle/>
+          <a:p>
+            <a:r>
+              <a:rPr kumimoji="1" lang="ja-JP" altLang="en-US" dirty="0" smtClean="0"/>
+              <a:t>　　</a:t>
+            </a:r>
+            <a:endParaRPr kumimoji="1" lang="ja-JP" altLang="en-US" dirty="0"/>
+          </a:p>
+        </p:txBody>
+      </p:sp>
+      <p:sp>
+        <p:nvSpPr>
+          <p:cNvPr id="66" name="テキスト ボックス 65"/>
+          <p:cNvSpPr txBox="1"/>
+          <p:nvPr/>
+        </p:nvSpPr>
+        <p:spPr>
+          <a:xfrm>
+            <a:off x="428596" y="2000240"/>
+            <a:ext cx="255198" cy="369332"/>
+          </a:xfrm>
+          <a:prstGeom prst="rect">
+            <a:avLst/>
+          </a:prstGeom>
+        </p:spPr>
+        <p:style>
+          <a:lnRef idx="2">
+            <a:schemeClr val="dk1"/>
+          </a:lnRef>
+          <a:fillRef idx="1">
+            <a:schemeClr val="lt1"/>
+          </a:fillRef>
+          <a:effectRef idx="0">
+            <a:schemeClr val="dk1"/>
+          </a:effectRef>
+          <a:fontRef idx="minor">
+            <a:schemeClr val="dk1"/>
+          </a:fontRef>
+        </p:style>
+        <p:txBody>
+          <a:bodyPr wrap="none" rtlCol="0">
+            <a:spAutoFit/>
+          </a:bodyPr>
+          <a:lstStyle/>
+          <a:p>
+            <a:r>
+              <a:rPr kumimoji="1" lang="en-US" altLang="ja-JP" dirty="0" smtClean="0"/>
+              <a:t>-</a:t>
+            </a:r>
+            <a:endParaRPr kumimoji="1" lang="ja-JP" altLang="en-US" dirty="0"/>
+          </a:p>
+        </p:txBody>
+      </p:sp>
+      <p:sp>
+        <p:nvSpPr>
+          <p:cNvPr id="68" name="テキスト ボックス 67"/>
+          <p:cNvSpPr txBox="1"/>
+          <p:nvPr/>
+        </p:nvSpPr>
+        <p:spPr>
+          <a:xfrm>
+            <a:off x="428596" y="3559734"/>
+            <a:ext cx="255198" cy="369332"/>
+          </a:xfrm>
+          <a:prstGeom prst="rect">
+            <a:avLst/>
+          </a:prstGeom>
+        </p:spPr>
+        <p:style>
+          <a:lnRef idx="2">
+            <a:schemeClr val="dk1"/>
+          </a:lnRef>
+          <a:fillRef idx="1">
+            <a:schemeClr val="lt1"/>
+          </a:fillRef>
+          <a:effectRef idx="0">
+            <a:schemeClr val="dk1"/>
+          </a:effectRef>
+          <a:fontRef idx="minor">
+            <a:schemeClr val="dk1"/>
+          </a:fontRef>
+        </p:style>
+        <p:txBody>
+          <a:bodyPr wrap="none" rtlCol="0">
+            <a:spAutoFit/>
+          </a:bodyPr>
+          <a:lstStyle/>
+          <a:p>
+            <a:r>
+              <a:rPr lang="en-US" altLang="ja-JP" dirty="0" smtClean="0"/>
+              <a:t>-</a:t>
+            </a:r>
+            <a:endParaRPr kumimoji="1" lang="ja-JP" altLang="en-US" dirty="0"/>
+          </a:p>
+        </p:txBody>
+      </p:sp>
+      <p:cxnSp>
+        <p:nvCxnSpPr>
+          <p:cNvPr id="72" name="直線矢印コネクタ 71"/>
+          <p:cNvCxnSpPr/>
+          <p:nvPr/>
+        </p:nvCxnSpPr>
+        <p:spPr>
+          <a:xfrm rot="5400000" flipH="1" flipV="1">
+            <a:off x="3715538" y="3714752"/>
+            <a:ext cx="1142214" cy="794"/>
+          </a:xfrm>
+          <a:prstGeom prst="straightConnector1">
+            <a:avLst/>
+          </a:prstGeom>
+          <a:ln>
+            <a:tailEnd type="arrow"/>
+          </a:ln>
+        </p:spPr>
+        <p:style>
+          <a:lnRef idx="3">
+            <a:schemeClr val="dk1"/>
+          </a:lnRef>
+          <a:fillRef idx="0">
+            <a:schemeClr val="dk1"/>
+          </a:fillRef>
+          <a:effectRef idx="2">
+            <a:schemeClr val="dk1"/>
+          </a:effectRef>
+          <a:fontRef idx="minor">
+            <a:schemeClr val="tx1"/>
+          </a:fontRef>
+        </p:style>
+      </p:cxnSp>
+      <p:cxnSp>
+        <p:nvCxnSpPr>
+          <p:cNvPr id="75" name="直線矢印コネクタ 74"/>
+          <p:cNvCxnSpPr/>
+          <p:nvPr/>
+        </p:nvCxnSpPr>
+        <p:spPr>
+          <a:xfrm rot="16200000" flipH="1">
+            <a:off x="4464843" y="3393281"/>
+            <a:ext cx="1285884" cy="642942"/>
+          </a:xfrm>
+          <a:prstGeom prst="straightConnector1">
+            <a:avLst/>
+          </a:prstGeom>
+          <a:ln>
+            <a:tailEnd type="arrow"/>
+          </a:ln>
+        </p:spPr>
+        <p:style>
+          <a:lnRef idx="3">
+            <a:schemeClr val="dk1"/>
+          </a:lnRef>
+          <a:fillRef idx="0">
+            <a:schemeClr val="dk1"/>
+          </a:fillRef>
+          <a:effectRef idx="2">
+            <a:schemeClr val="dk1"/>
+          </a:effectRef>
+          <a:fontRef idx="minor">
+            <a:schemeClr val="tx1"/>
+          </a:fontRef>
+        </p:style>
+      </p:cxnSp>
+      <p:cxnSp>
+        <p:nvCxnSpPr>
+          <p:cNvPr id="77" name="直線矢印コネクタ 76"/>
+          <p:cNvCxnSpPr/>
+          <p:nvPr/>
+        </p:nvCxnSpPr>
+        <p:spPr>
+          <a:xfrm rot="5400000" flipH="1" flipV="1">
+            <a:off x="5358612" y="3714752"/>
+            <a:ext cx="1142214" cy="794"/>
+          </a:xfrm>
+          <a:prstGeom prst="straightConnector1">
+            <a:avLst/>
+          </a:prstGeom>
+          <a:ln>
+            <a:tailEnd type="arrow"/>
+          </a:ln>
+        </p:spPr>
+        <p:style>
+          <a:lnRef idx="3">
+            <a:schemeClr val="dk1"/>
+          </a:lnRef>
+          <a:fillRef idx="0">
+            <a:schemeClr val="dk1"/>
+          </a:fillRef>
+          <a:effectRef idx="2">
+            <a:schemeClr val="dk1"/>
+          </a:effectRef>
+          <a:fontRef idx="minor">
+            <a:schemeClr val="tx1"/>
+          </a:fontRef>
+        </p:style>
+      </p:cxnSp>
+      <p:sp>
+        <p:nvSpPr>
+          <p:cNvPr id="78" name="テキスト ボックス 77"/>
+          <p:cNvSpPr txBox="1"/>
+          <p:nvPr/>
+        </p:nvSpPr>
+        <p:spPr>
+          <a:xfrm>
+            <a:off x="714348" y="5214950"/>
+            <a:ext cx="1492716" cy="369332"/>
+          </a:xfrm>
+          <a:prstGeom prst="rect">
+            <a:avLst/>
+          </a:prstGeom>
+          <a:solidFill>
+            <a:srgbClr val="0070C0"/>
+          </a:solidFill>
+        </p:spPr>
+        <p:txBody>
+          <a:bodyPr wrap="none" rtlCol="0">
+            <a:spAutoFit/>
+          </a:bodyPr>
+          <a:lstStyle/>
+          <a:p>
+            <a:r>
+              <a:rPr kumimoji="1" lang="ja-JP" altLang="en-US" dirty="0" smtClean="0">
+                <a:solidFill>
+                  <a:schemeClr val="bg1"/>
+                </a:solidFill>
+              </a:rPr>
+              <a:t>　　タスク</a:t>
+            </a:r>
+            <a:r>
+              <a:rPr lang="en-US" altLang="ja-JP" dirty="0" smtClean="0">
+                <a:solidFill>
+                  <a:schemeClr val="bg1"/>
+                </a:solidFill>
+              </a:rPr>
+              <a:t>b</a:t>
+            </a:r>
+            <a:r>
+              <a:rPr lang="ja-JP" altLang="en-US" dirty="0" smtClean="0">
+                <a:solidFill>
+                  <a:schemeClr val="bg1"/>
+                </a:solidFill>
+              </a:rPr>
+              <a:t>　　</a:t>
+            </a:r>
+            <a:endParaRPr lang="en-US" altLang="ja-JP" dirty="0" smtClean="0">
+              <a:solidFill>
+                <a:schemeClr val="bg1"/>
+              </a:solidFill>
+            </a:endParaRPr>
+          </a:p>
+        </p:txBody>
+      </p:sp>
+      <p:sp>
+        <p:nvSpPr>
+          <p:cNvPr id="79" name="テキスト ボックス 78"/>
+          <p:cNvSpPr txBox="1"/>
+          <p:nvPr/>
+        </p:nvSpPr>
+        <p:spPr>
+          <a:xfrm>
+            <a:off x="4286248" y="5214950"/>
+            <a:ext cx="492443" cy="369332"/>
+          </a:xfrm>
+          <a:prstGeom prst="rect">
+            <a:avLst/>
+          </a:prstGeom>
+        </p:spPr>
+        <p:style>
+          <a:lnRef idx="2">
+            <a:schemeClr val="accent2">
+              <a:shade val="50000"/>
+            </a:schemeClr>
+          </a:lnRef>
+          <a:fillRef idx="1">
+            <a:schemeClr val="accent2"/>
+          </a:fillRef>
+          <a:effectRef idx="0">
+            <a:schemeClr val="accent2"/>
+          </a:effectRef>
+          <a:fontRef idx="minor">
+            <a:schemeClr val="lt1"/>
+          </a:fontRef>
+        </p:style>
+        <p:txBody>
+          <a:bodyPr wrap="none" rtlCol="0">
+            <a:spAutoFit/>
+          </a:bodyPr>
+          <a:lstStyle/>
+          <a:p>
+            <a:r>
+              <a:rPr kumimoji="1" lang="ja-JP" altLang="en-US" dirty="0" smtClean="0"/>
+              <a:t>　　</a:t>
+            </a:r>
+            <a:endParaRPr kumimoji="1" lang="ja-JP" altLang="en-US" dirty="0"/>
+          </a:p>
+        </p:txBody>
+      </p:sp>
+      <p:sp>
+        <p:nvSpPr>
+          <p:cNvPr id="80" name="テキスト ボックス 79"/>
+          <p:cNvSpPr txBox="1"/>
+          <p:nvPr/>
+        </p:nvSpPr>
+        <p:spPr>
+          <a:xfrm>
+            <a:off x="5929322" y="5214950"/>
+            <a:ext cx="492443" cy="369332"/>
+          </a:xfrm>
+          <a:prstGeom prst="rect">
+            <a:avLst/>
+          </a:prstGeom>
+        </p:spPr>
+        <p:style>
+          <a:lnRef idx="2">
+            <a:schemeClr val="accent2">
+              <a:shade val="50000"/>
+            </a:schemeClr>
+          </a:lnRef>
+          <a:fillRef idx="1">
+            <a:schemeClr val="accent2"/>
+          </a:fillRef>
+          <a:effectRef idx="0">
+            <a:schemeClr val="accent2"/>
+          </a:effectRef>
+          <a:fontRef idx="minor">
+            <a:schemeClr val="lt1"/>
+          </a:fontRef>
+        </p:style>
+        <p:txBody>
+          <a:bodyPr wrap="none" rtlCol="0">
+            <a:spAutoFit/>
+          </a:bodyPr>
+          <a:lstStyle/>
+          <a:p>
+            <a:r>
+              <a:rPr kumimoji="1" lang="ja-JP" altLang="en-US" dirty="0" smtClean="0"/>
+              <a:t>　　</a:t>
+            </a:r>
+            <a:endParaRPr kumimoji="1" lang="ja-JP" altLang="en-US" dirty="0"/>
+          </a:p>
+        </p:txBody>
+      </p:sp>
+      <p:sp>
+        <p:nvSpPr>
+          <p:cNvPr id="81" name="テキスト ボックス 80"/>
+          <p:cNvSpPr txBox="1"/>
+          <p:nvPr/>
+        </p:nvSpPr>
+        <p:spPr>
+          <a:xfrm>
+            <a:off x="642910" y="5857892"/>
+            <a:ext cx="691215" cy="369332"/>
+          </a:xfrm>
+          <a:prstGeom prst="rect">
+            <a:avLst/>
+          </a:prstGeom>
+          <a:noFill/>
+        </p:spPr>
+        <p:txBody>
+          <a:bodyPr wrap="none" rtlCol="0">
+            <a:spAutoFit/>
+          </a:bodyPr>
+          <a:lstStyle/>
+          <a:p>
+            <a:r>
+              <a:rPr kumimoji="1" lang="en-US" altLang="ja-JP" dirty="0" smtClean="0"/>
+              <a:t>CPU1</a:t>
+            </a:r>
+            <a:endParaRPr kumimoji="1" lang="ja-JP" altLang="en-US" dirty="0"/>
+          </a:p>
+        </p:txBody>
+      </p:sp>
+      <p:sp>
+        <p:nvSpPr>
+          <p:cNvPr id="82" name="テキスト ボックス 81"/>
+          <p:cNvSpPr txBox="1"/>
+          <p:nvPr/>
+        </p:nvSpPr>
+        <p:spPr>
+          <a:xfrm>
+            <a:off x="2643174" y="5845750"/>
+            <a:ext cx="1107996" cy="369332"/>
+          </a:xfrm>
+          <a:prstGeom prst="rect">
+            <a:avLst/>
+          </a:prstGeom>
+        </p:spPr>
+        <p:style>
+          <a:lnRef idx="2">
+            <a:schemeClr val="accent1">
+              <a:shade val="50000"/>
+            </a:schemeClr>
+          </a:lnRef>
+          <a:fillRef idx="1">
+            <a:schemeClr val="accent1"/>
+          </a:fillRef>
+          <a:effectRef idx="0">
+            <a:schemeClr val="accent1"/>
+          </a:effectRef>
+          <a:fontRef idx="minor">
+            <a:schemeClr val="lt1"/>
+          </a:fontRef>
+        </p:style>
+        <p:txBody>
+          <a:bodyPr wrap="none" rtlCol="0">
+            <a:spAutoFit/>
+          </a:bodyPr>
+          <a:lstStyle/>
+          <a:p>
+            <a:r>
+              <a:rPr kumimoji="1" lang="ja-JP" altLang="en-US" dirty="0" smtClean="0"/>
+              <a:t>　　　　　　</a:t>
+            </a:r>
+            <a:endParaRPr kumimoji="1" lang="ja-JP" altLang="en-US" dirty="0"/>
+          </a:p>
+        </p:txBody>
+      </p:sp>
+      <p:sp>
+        <p:nvSpPr>
+          <p:cNvPr id="83" name="テキスト ボックス 82"/>
+          <p:cNvSpPr txBox="1"/>
+          <p:nvPr/>
+        </p:nvSpPr>
+        <p:spPr>
+          <a:xfrm>
+            <a:off x="3793805" y="5857892"/>
+            <a:ext cx="492443" cy="369332"/>
+          </a:xfrm>
+          <a:prstGeom prst="rect">
+            <a:avLst/>
+          </a:prstGeom>
+        </p:spPr>
+        <p:style>
+          <a:lnRef idx="2">
+            <a:schemeClr val="accent2">
+              <a:shade val="50000"/>
+            </a:schemeClr>
+          </a:lnRef>
+          <a:fillRef idx="1">
+            <a:schemeClr val="accent2"/>
+          </a:fillRef>
+          <a:effectRef idx="0">
+            <a:schemeClr val="accent2"/>
+          </a:effectRef>
+          <a:fontRef idx="minor">
+            <a:schemeClr val="lt1"/>
+          </a:fontRef>
+        </p:style>
+        <p:txBody>
+          <a:bodyPr wrap="none" rtlCol="0">
+            <a:spAutoFit/>
+          </a:bodyPr>
+          <a:lstStyle/>
+          <a:p>
+            <a:r>
+              <a:rPr kumimoji="1" lang="ja-JP" altLang="en-US" dirty="0" smtClean="0"/>
+              <a:t>　　</a:t>
+            </a:r>
+            <a:endParaRPr kumimoji="1" lang="ja-JP" altLang="en-US" dirty="0"/>
+          </a:p>
+        </p:txBody>
+      </p:sp>
+      <p:sp>
+        <p:nvSpPr>
+          <p:cNvPr id="84" name="テキスト ボックス 83"/>
+          <p:cNvSpPr txBox="1"/>
+          <p:nvPr/>
+        </p:nvSpPr>
+        <p:spPr>
+          <a:xfrm>
+            <a:off x="4286248" y="5857892"/>
+            <a:ext cx="1107996" cy="369332"/>
+          </a:xfrm>
+          <a:prstGeom prst="rect">
+            <a:avLst/>
+          </a:prstGeom>
+        </p:spPr>
+        <p:style>
+          <a:lnRef idx="2">
+            <a:schemeClr val="accent1">
+              <a:shade val="50000"/>
+            </a:schemeClr>
+          </a:lnRef>
+          <a:fillRef idx="1">
+            <a:schemeClr val="accent1"/>
+          </a:fillRef>
+          <a:effectRef idx="0">
+            <a:schemeClr val="accent1"/>
+          </a:effectRef>
+          <a:fontRef idx="minor">
+            <a:schemeClr val="lt1"/>
+          </a:fontRef>
+        </p:style>
+        <p:txBody>
+          <a:bodyPr wrap="none" rtlCol="0">
+            <a:spAutoFit/>
+          </a:bodyPr>
+          <a:lstStyle/>
+          <a:p>
+            <a:r>
+              <a:rPr kumimoji="1" lang="ja-JP" altLang="en-US" dirty="0" smtClean="0"/>
+              <a:t>　　　　　　</a:t>
+            </a:r>
+            <a:endParaRPr kumimoji="1" lang="ja-JP" altLang="en-US" dirty="0"/>
+          </a:p>
+        </p:txBody>
+      </p:sp>
+      <p:sp>
+        <p:nvSpPr>
+          <p:cNvPr id="85" name="テキスト ボックス 84"/>
+          <p:cNvSpPr txBox="1"/>
+          <p:nvPr/>
+        </p:nvSpPr>
+        <p:spPr>
+          <a:xfrm>
+            <a:off x="5429256" y="5857892"/>
+            <a:ext cx="492443" cy="369332"/>
+          </a:xfrm>
+          <a:prstGeom prst="rect">
+            <a:avLst/>
+          </a:prstGeom>
+        </p:spPr>
+        <p:style>
+          <a:lnRef idx="2">
+            <a:schemeClr val="accent2">
+              <a:shade val="50000"/>
+            </a:schemeClr>
+          </a:lnRef>
+          <a:fillRef idx="1">
+            <a:schemeClr val="accent2"/>
+          </a:fillRef>
+          <a:effectRef idx="0">
+            <a:schemeClr val="accent2"/>
+          </a:effectRef>
+          <a:fontRef idx="minor">
+            <a:schemeClr val="lt1"/>
+          </a:fontRef>
+        </p:style>
+        <p:txBody>
+          <a:bodyPr wrap="none" rtlCol="0">
+            <a:spAutoFit/>
+          </a:bodyPr>
+          <a:lstStyle/>
+          <a:p>
+            <a:r>
+              <a:rPr kumimoji="1" lang="ja-JP" altLang="en-US" dirty="0" smtClean="0"/>
+              <a:t>　　</a:t>
+            </a:r>
+            <a:endParaRPr kumimoji="1" lang="ja-JP" altLang="en-US" dirty="0"/>
+          </a:p>
+        </p:txBody>
+      </p:sp>
+      <p:sp>
+        <p:nvSpPr>
+          <p:cNvPr id="86" name="テキスト ボックス 85"/>
+          <p:cNvSpPr txBox="1"/>
+          <p:nvPr/>
+        </p:nvSpPr>
+        <p:spPr>
+          <a:xfrm>
+            <a:off x="5929322" y="5857892"/>
+            <a:ext cx="1107996" cy="369332"/>
+          </a:xfrm>
+          <a:prstGeom prst="rect">
+            <a:avLst/>
+          </a:prstGeom>
+        </p:spPr>
+        <p:style>
+          <a:lnRef idx="2">
+            <a:schemeClr val="accent1">
+              <a:shade val="50000"/>
+            </a:schemeClr>
+          </a:lnRef>
+          <a:fillRef idx="1">
+            <a:schemeClr val="accent1"/>
+          </a:fillRef>
+          <a:effectRef idx="0">
+            <a:schemeClr val="accent1"/>
+          </a:effectRef>
+          <a:fontRef idx="minor">
+            <a:schemeClr val="lt1"/>
+          </a:fontRef>
+        </p:style>
+        <p:txBody>
+          <a:bodyPr wrap="none" rtlCol="0">
+            <a:spAutoFit/>
+          </a:bodyPr>
+          <a:lstStyle/>
+          <a:p>
+            <a:r>
+              <a:rPr kumimoji="1" lang="ja-JP" altLang="en-US" dirty="0" smtClean="0"/>
+              <a:t>　　　　　　</a:t>
+            </a:r>
+            <a:endParaRPr kumimoji="1" lang="ja-JP" altLang="en-US" dirty="0"/>
+          </a:p>
+        </p:txBody>
+      </p:sp>
+      <p:sp>
+        <p:nvSpPr>
+          <p:cNvPr id="87" name="テキスト ボックス 86"/>
+          <p:cNvSpPr txBox="1"/>
+          <p:nvPr/>
+        </p:nvSpPr>
+        <p:spPr>
+          <a:xfrm>
+            <a:off x="428596" y="5857892"/>
+            <a:ext cx="300082" cy="369332"/>
+          </a:xfrm>
+          <a:prstGeom prst="rect">
+            <a:avLst/>
+          </a:prstGeom>
+        </p:spPr>
+        <p:style>
+          <a:lnRef idx="2">
+            <a:schemeClr val="dk1"/>
+          </a:lnRef>
+          <a:fillRef idx="1">
+            <a:schemeClr val="lt1"/>
+          </a:fillRef>
+          <a:effectRef idx="0">
+            <a:schemeClr val="dk1"/>
+          </a:effectRef>
+          <a:fontRef idx="minor">
+            <a:schemeClr val="dk1"/>
+          </a:fontRef>
+        </p:style>
+        <p:txBody>
+          <a:bodyPr wrap="none" rtlCol="0">
+            <a:spAutoFit/>
+          </a:bodyPr>
+          <a:lstStyle/>
+          <a:p>
+            <a:r>
+              <a:rPr lang="en-US" altLang="ja-JP" dirty="0" smtClean="0"/>
+              <a:t>+</a:t>
+            </a:r>
+            <a:endParaRPr kumimoji="1" lang="ja-JP" altLang="en-US" dirty="0"/>
+          </a:p>
+        </p:txBody>
+      </p:sp>
+      <p:cxnSp>
+        <p:nvCxnSpPr>
+          <p:cNvPr id="92" name="直線コネクタ 91"/>
+          <p:cNvCxnSpPr/>
+          <p:nvPr/>
+        </p:nvCxnSpPr>
+        <p:spPr>
+          <a:xfrm>
+            <a:off x="428596" y="5000636"/>
+            <a:ext cx="7358114" cy="1588"/>
+          </a:xfrm>
+          <a:prstGeom prst="line">
+            <a:avLst/>
+          </a:prstGeom>
+          <a:ln>
+            <a:prstDash val="lgDash"/>
+          </a:ln>
+        </p:spPr>
+        <p:style>
+          <a:lnRef idx="3">
+            <a:schemeClr val="dk1"/>
+          </a:lnRef>
+          <a:fillRef idx="0">
+            <a:schemeClr val="dk1"/>
+          </a:fillRef>
+          <a:effectRef idx="2">
+            <a:schemeClr val="dk1"/>
+          </a:effectRef>
+          <a:fontRef idx="minor">
+            <a:schemeClr val="tx1"/>
+          </a:fontRef>
+        </p:style>
+      </p:cxnSp>
+      <p:cxnSp>
+        <p:nvCxnSpPr>
+          <p:cNvPr id="95" name="直線矢印コネクタ 94"/>
+          <p:cNvCxnSpPr/>
+          <p:nvPr/>
+        </p:nvCxnSpPr>
+        <p:spPr>
+          <a:xfrm rot="5400000" flipH="1" flipV="1">
+            <a:off x="4108050" y="5678900"/>
+            <a:ext cx="356396" cy="1588"/>
+          </a:xfrm>
+          <a:prstGeom prst="straightConnector1">
+            <a:avLst/>
+          </a:prstGeom>
+          <a:ln>
+            <a:tailEnd type="arrow"/>
+          </a:ln>
+        </p:spPr>
+        <p:style>
+          <a:lnRef idx="3">
+            <a:schemeClr val="dk1"/>
+          </a:lnRef>
+          <a:fillRef idx="0">
+            <a:schemeClr val="dk1"/>
+          </a:fillRef>
+          <a:effectRef idx="2">
+            <a:schemeClr val="dk1"/>
+          </a:effectRef>
+          <a:fontRef idx="minor">
+            <a:schemeClr val="tx1"/>
+          </a:fontRef>
+        </p:style>
+      </p:cxnSp>
+      <p:cxnSp>
+        <p:nvCxnSpPr>
+          <p:cNvPr id="96" name="直線矢印コネクタ 95"/>
+          <p:cNvCxnSpPr/>
+          <p:nvPr/>
+        </p:nvCxnSpPr>
+        <p:spPr>
+          <a:xfrm>
+            <a:off x="4786314" y="5572140"/>
+            <a:ext cx="642942" cy="356396"/>
+          </a:xfrm>
+          <a:prstGeom prst="straightConnector1">
+            <a:avLst/>
+          </a:prstGeom>
+          <a:ln>
+            <a:tailEnd type="arrow"/>
+          </a:ln>
+        </p:spPr>
+        <p:style>
+          <a:lnRef idx="3">
+            <a:schemeClr val="dk1"/>
+          </a:lnRef>
+          <a:fillRef idx="0">
+            <a:schemeClr val="dk1"/>
+          </a:fillRef>
+          <a:effectRef idx="2">
+            <a:schemeClr val="dk1"/>
+          </a:effectRef>
+          <a:fontRef idx="minor">
+            <a:schemeClr val="tx1"/>
+          </a:fontRef>
+        </p:style>
+      </p:cxnSp>
+      <p:cxnSp>
+        <p:nvCxnSpPr>
+          <p:cNvPr id="97" name="直線矢印コネクタ 96"/>
+          <p:cNvCxnSpPr/>
+          <p:nvPr/>
+        </p:nvCxnSpPr>
+        <p:spPr>
+          <a:xfrm rot="5400000" flipH="1" flipV="1">
+            <a:off x="5786843" y="5714619"/>
+            <a:ext cx="284958" cy="1588"/>
+          </a:xfrm>
+          <a:prstGeom prst="straightConnector1">
+            <a:avLst/>
+          </a:prstGeom>
+          <a:ln>
+            <a:tailEnd type="arrow"/>
+          </a:ln>
+        </p:spPr>
+        <p:style>
+          <a:lnRef idx="3">
+            <a:schemeClr val="dk1"/>
+          </a:lnRef>
+          <a:fillRef idx="0">
+            <a:schemeClr val="dk1"/>
+          </a:fillRef>
+          <a:effectRef idx="2">
+            <a:schemeClr val="dk1"/>
+          </a:effectRef>
+          <a:fontRef idx="minor">
+            <a:schemeClr val="tx1"/>
+          </a:fontRef>
+        </p:style>
+      </p:cxnSp>
+      <p:sp>
+        <p:nvSpPr>
+          <p:cNvPr id="107" name="テキスト ボックス 106"/>
+          <p:cNvSpPr txBox="1"/>
+          <p:nvPr/>
+        </p:nvSpPr>
+        <p:spPr>
+          <a:xfrm>
+            <a:off x="714348" y="6215082"/>
+            <a:ext cx="6655989" cy="461665"/>
+          </a:xfrm>
+          <a:prstGeom prst="rect">
+            <a:avLst/>
+          </a:prstGeom>
+        </p:spPr>
+        <p:style>
+          <a:lnRef idx="1">
+            <a:schemeClr val="accent6"/>
+          </a:lnRef>
+          <a:fillRef idx="2">
+            <a:schemeClr val="accent6"/>
+          </a:fillRef>
+          <a:effectRef idx="1">
+            <a:schemeClr val="accent6"/>
+          </a:effectRef>
+          <a:fontRef idx="minor">
+            <a:schemeClr val="dk1"/>
+          </a:fontRef>
+        </p:style>
+        <p:txBody>
+          <a:bodyPr wrap="none" rtlCol="0">
+            <a:spAutoFit/>
+          </a:bodyPr>
+          <a:lstStyle/>
+          <a:p>
+            <a:r>
+              <a:rPr kumimoji="1" lang="ja-JP" altLang="en-US" sz="2400" dirty="0" smtClean="0"/>
+              <a:t>矢印先端が折りたたみ表示だったら</a:t>
+            </a:r>
+            <a:r>
+              <a:rPr kumimoji="1" lang="en-US" altLang="ja-JP" sz="2400" dirty="0" smtClean="0"/>
+              <a:t>CPU</a:t>
+            </a:r>
+            <a:r>
+              <a:rPr kumimoji="1" lang="ja-JP" altLang="en-US" sz="2400" dirty="0" smtClean="0"/>
+              <a:t>へポイント</a:t>
+            </a:r>
+            <a:endParaRPr kumimoji="1" lang="ja-JP" altLang="en-US" sz="2400" dirty="0"/>
+          </a:p>
+        </p:txBody>
+      </p:sp>
+    </p:spTree>
+  </p:cSld>
+  <p:clrMapOvr>
+    <a:masterClrMapping/>
+  </p:clrMapOvr>
+</p:sld>
+</file>
+
+<file path=ppt/slides/slide7.xml><?xml version="1.0" encoding="utf-8"?>
+<p:sld xmlns:a="http://schemas.openxmlformats.org/drawingml/2006/main" xmlns:r="http://schemas.openxmlformats.org/officeDocument/2006/relationships" xmlns:p="http://schemas.openxmlformats.org/presentationml/2006/main">
+  <p:cSld>
+    <p:spTree>
+      <p:nvGrpSpPr>
+        <p:cNvPr id="1" name=""/>
+        <p:cNvGrpSpPr/>
+        <p:nvPr/>
+      </p:nvGrpSpPr>
+      <p:grpSpPr>
+        <a:xfrm>
+          <a:off x="0" y="0"/>
+          <a:ext cx="0" cy="0"/>
+          <a:chOff x="0" y="0"/>
+          <a:chExt cx="0" cy="0"/>
+        </a:xfrm>
+      </p:grpSpPr>
+      <p:sp>
+        <p:nvSpPr>
+          <p:cNvPr id="2" name="タイトル 1"/>
+          <p:cNvSpPr>
+            <a:spLocks noGrp="1"/>
+          </p:cNvSpPr>
+          <p:nvPr>
+            <p:ph type="title"/>
+          </p:nvPr>
+        </p:nvSpPr>
+        <p:spPr/>
+        <p:txBody>
+          <a:bodyPr/>
+          <a:lstStyle/>
+          <a:p>
+            <a:r>
+              <a:rPr kumimoji="1" lang="ja-JP" altLang="en-US" dirty="0" smtClean="0"/>
+              <a:t>入力</a:t>
+            </a:r>
+            <a:r>
+              <a:rPr kumimoji="1" lang="en-US" altLang="ja-JP" dirty="0" smtClean="0"/>
+              <a:t>(</a:t>
+            </a:r>
+            <a:r>
+              <a:rPr kumimoji="1" lang="ja-JP" altLang="en-US" dirty="0" smtClean="0"/>
+              <a:t>初期化情報</a:t>
+            </a:r>
+            <a:r>
+              <a:rPr kumimoji="1" lang="en-US" altLang="ja-JP" dirty="0" smtClean="0"/>
+              <a:t>)</a:t>
             </a:r>
             <a:endParaRPr kumimoji="1" lang="ja-JP" altLang="en-US" dirty="0"/>
           </a:p>
@@ -4562,36 +10449,46 @@
           <a:lstStyle/>
           <a:p>
             <a:r>
-              <a:rPr kumimoji="1" lang="ja-JP" altLang="en-US" dirty="0" smtClean="0"/>
-              <a:t>必要とする入力のほとんどは現在の可視化機能と同じなので、現在の可視化機能を拡張</a:t>
-            </a:r>
-            <a:endParaRPr kumimoji="1" lang="en-US" altLang="ja-JP" dirty="0" smtClean="0"/>
-          </a:p>
-          <a:p>
-            <a:r>
               <a:rPr lang="ja-JP" altLang="en-US" dirty="0" smtClean="0"/>
-              <a:t>共通ログ</a:t>
+              <a:t>リソースファイル</a:t>
+            </a:r>
+            <a:endParaRPr lang="en-US" altLang="ja-JP" dirty="0" smtClean="0"/>
+          </a:p>
+          <a:p>
+            <a:pPr lvl="1"/>
+            <a:r>
+              <a:rPr lang="en-US" altLang="ja-JP" dirty="0" smtClean="0"/>
+              <a:t>branches/</a:t>
+            </a:r>
+            <a:r>
+              <a:rPr lang="en-US" altLang="ja-JP" dirty="0" err="1" smtClean="0"/>
+              <a:t>goto</a:t>
+            </a:r>
+            <a:r>
+              <a:rPr lang="en-US" altLang="ja-JP" dirty="0" smtClean="0"/>
+              <a:t>/</a:t>
+            </a:r>
+            <a:r>
+              <a:rPr lang="en-US" altLang="ja-JP" dirty="0" err="1" smtClean="0"/>
+              <a:t>sampleFile</a:t>
+            </a:r>
+            <a:r>
+              <a:rPr lang="en-US" altLang="ja-JP" dirty="0" smtClean="0"/>
+              <a:t>/</a:t>
+            </a:r>
+            <a:r>
+              <a:rPr lang="en-US" altLang="ja-JP" dirty="0" err="1" smtClean="0"/>
+              <a:t>fmp</a:t>
+            </a:r>
+            <a:r>
+              <a:rPr lang="en-US" altLang="ja-JP" dirty="0" smtClean="0"/>
+              <a:t>/fmp.res </a:t>
             </a:r>
             <a:r>
               <a:rPr lang="ja-JP" altLang="en-US" dirty="0" smtClean="0"/>
-              <a:t>形式への変換だけでレイアウトに必要な情報を揃えられる</a:t>
+              <a:t>より</a:t>
             </a:r>
             <a:endParaRPr lang="en-US" altLang="ja-JP" dirty="0" smtClean="0"/>
-          </a:p>
-          <a:p>
-            <a:pPr lvl="1"/>
-            <a:r>
-              <a:rPr kumimoji="1" lang="ja-JP" altLang="en-US" dirty="0" smtClean="0"/>
-              <a:t>要調査：後藤修論</a:t>
-            </a:r>
-            <a:endParaRPr kumimoji="1" lang="en-US" altLang="ja-JP" dirty="0" smtClean="0"/>
-          </a:p>
-          <a:p>
-            <a:r>
-              <a:rPr kumimoji="1" lang="ja-JP" altLang="en-US" dirty="0" smtClean="0"/>
-              <a:t>継承や委譲で対応したい</a:t>
-            </a:r>
-            <a:endParaRPr kumimoji="1" lang="ja-JP" altLang="en-US" dirty="0"/>
           </a:p>
         </p:txBody>
       </p:sp>
@@ -4613,7 +10510,636 @@
             <a:fld id="{A67DFC8C-1F5E-4254-A57A-68887A1C3919}" type="slidenum">
               <a:rPr lang="ja-JP" altLang="en-US" smtClean="0"/>
               <a:pPr/>
-              <a:t>5</a:t>
+              <a:t>7</a:t>
+            </a:fld>
+            <a:endParaRPr lang="ja-JP" altLang="en-US"/>
+          </a:p>
+        </p:txBody>
+      </p:sp>
+      <p:sp>
+        <p:nvSpPr>
+          <p:cNvPr id="7" name="正方形/長方形 6"/>
+          <p:cNvSpPr/>
+          <p:nvPr/>
+        </p:nvSpPr>
+        <p:spPr>
+          <a:xfrm>
+            <a:off x="1285852" y="2610683"/>
+            <a:ext cx="2357454" cy="2677656"/>
+          </a:xfrm>
+          <a:prstGeom prst="rect">
+            <a:avLst/>
+          </a:prstGeom>
+        </p:spPr>
+        <p:style>
+          <a:lnRef idx="2">
+            <a:schemeClr val="accent1"/>
+          </a:lnRef>
+          <a:fillRef idx="1">
+            <a:schemeClr val="lt1"/>
+          </a:fillRef>
+          <a:effectRef idx="0">
+            <a:schemeClr val="accent1"/>
+          </a:effectRef>
+          <a:fontRef idx="minor">
+            <a:schemeClr val="dk1"/>
+          </a:fontRef>
+        </p:style>
+        <p:txBody>
+          <a:bodyPr wrap="square">
+            <a:spAutoFit/>
+          </a:bodyPr>
+          <a:lstStyle/>
+          <a:p>
+            <a:r>
+              <a:rPr lang="en-US" altLang="ja-JP" sz="2400" dirty="0" smtClean="0"/>
+              <a:t>"TASK1":{</a:t>
+            </a:r>
+          </a:p>
+          <a:p>
+            <a:r>
+              <a:rPr lang="en-US" altLang="ja-JP" sz="2400" dirty="0" smtClean="0"/>
+              <a:t>    "Type":"Task",</a:t>
+            </a:r>
+          </a:p>
+          <a:p>
+            <a:r>
+              <a:rPr lang="en-US" altLang="ja-JP" sz="2400" dirty="0" smtClean="0"/>
+              <a:t>    "Attributes":</a:t>
+            </a:r>
+          </a:p>
+          <a:p>
+            <a:r>
+              <a:rPr lang="en-US" altLang="ja-JP" sz="2400" dirty="0" smtClean="0"/>
+              <a:t>    {</a:t>
+            </a:r>
+          </a:p>
+          <a:p>
+            <a:r>
+              <a:rPr lang="en-US" altLang="ja-JP" sz="2400" dirty="0" smtClean="0"/>
+              <a:t>        "</a:t>
+            </a:r>
+            <a:r>
+              <a:rPr lang="en-US" altLang="ja-JP" sz="2400" dirty="0" err="1" smtClean="0"/>
+              <a:t>prcId</a:t>
+            </a:r>
+            <a:r>
+              <a:rPr lang="en-US" altLang="ja-JP" sz="2400" dirty="0" smtClean="0"/>
+              <a:t>" :1,</a:t>
+            </a:r>
+          </a:p>
+          <a:p>
+            <a:r>
+              <a:rPr lang="en-US" altLang="ja-JP" sz="2400" dirty="0" smtClean="0"/>
+              <a:t>        "id"    :1,</a:t>
+            </a:r>
+          </a:p>
+          <a:p>
+            <a:r>
+              <a:rPr lang="en-US" altLang="ja-JP" sz="2400" dirty="0" smtClean="0"/>
+              <a:t>…</a:t>
+            </a:r>
+            <a:endParaRPr lang="ja-JP" altLang="en-US" sz="2400" dirty="0"/>
+          </a:p>
+        </p:txBody>
+      </p:sp>
+      <p:sp>
+        <p:nvSpPr>
+          <p:cNvPr id="8" name="テキスト ボックス 7"/>
+          <p:cNvSpPr txBox="1"/>
+          <p:nvPr/>
+        </p:nvSpPr>
+        <p:spPr>
+          <a:xfrm>
+            <a:off x="3714744" y="2857496"/>
+            <a:ext cx="2640466" cy="400110"/>
+          </a:xfrm>
+          <a:prstGeom prst="rect">
+            <a:avLst/>
+          </a:prstGeom>
+        </p:spPr>
+        <p:style>
+          <a:lnRef idx="1">
+            <a:schemeClr val="accent6"/>
+          </a:lnRef>
+          <a:fillRef idx="2">
+            <a:schemeClr val="accent6"/>
+          </a:fillRef>
+          <a:effectRef idx="1">
+            <a:schemeClr val="accent6"/>
+          </a:effectRef>
+          <a:fontRef idx="minor">
+            <a:schemeClr val="dk1"/>
+          </a:fontRef>
+        </p:style>
+        <p:txBody>
+          <a:bodyPr wrap="none" rtlCol="0">
+            <a:spAutoFit/>
+          </a:bodyPr>
+          <a:lstStyle/>
+          <a:p>
+            <a:r>
+              <a:rPr kumimoji="1" lang="ja-JP" altLang="en-US" sz="2000" dirty="0" smtClean="0"/>
+              <a:t>割り当てられた</a:t>
+            </a:r>
+            <a:r>
+              <a:rPr kumimoji="1" lang="en-US" altLang="ja-JP" dirty="0" smtClean="0"/>
+              <a:t>CPU</a:t>
+            </a:r>
+            <a:r>
+              <a:rPr kumimoji="1" lang="ja-JP" altLang="en-US" dirty="0" smtClean="0"/>
+              <a:t>の</a:t>
+            </a:r>
+            <a:r>
+              <a:rPr kumimoji="1" lang="en-US" altLang="ja-JP" dirty="0" smtClean="0"/>
+              <a:t>ID</a:t>
+            </a:r>
+            <a:endParaRPr kumimoji="1" lang="ja-JP" altLang="en-US" dirty="0"/>
+          </a:p>
+        </p:txBody>
+      </p:sp>
+      <p:cxnSp>
+        <p:nvCxnSpPr>
+          <p:cNvPr id="10" name="直線矢印コネクタ 9"/>
+          <p:cNvCxnSpPr/>
+          <p:nvPr/>
+        </p:nvCxnSpPr>
+        <p:spPr>
+          <a:xfrm rot="5400000">
+            <a:off x="2928926" y="3429000"/>
+            <a:ext cx="928694" cy="642942"/>
+          </a:xfrm>
+          <a:prstGeom prst="straightConnector1">
+            <a:avLst/>
+          </a:prstGeom>
+          <a:ln>
+            <a:tailEnd type="arrow"/>
+          </a:ln>
+        </p:spPr>
+        <p:style>
+          <a:lnRef idx="3">
+            <a:schemeClr val="accent6"/>
+          </a:lnRef>
+          <a:fillRef idx="0">
+            <a:schemeClr val="accent6"/>
+          </a:fillRef>
+          <a:effectRef idx="2">
+            <a:schemeClr val="accent6"/>
+          </a:effectRef>
+          <a:fontRef idx="minor">
+            <a:schemeClr val="tx1"/>
+          </a:fontRef>
+        </p:style>
+      </p:cxnSp>
+      <p:sp>
+        <p:nvSpPr>
+          <p:cNvPr id="11" name="テキスト ボックス 10"/>
+          <p:cNvSpPr txBox="1"/>
+          <p:nvPr/>
+        </p:nvSpPr>
+        <p:spPr>
+          <a:xfrm>
+            <a:off x="4071934" y="3571876"/>
+            <a:ext cx="3988592" cy="1569660"/>
+          </a:xfrm>
+          <a:prstGeom prst="rect">
+            <a:avLst/>
+          </a:prstGeom>
+        </p:spPr>
+        <p:style>
+          <a:lnRef idx="1">
+            <a:schemeClr val="accent3"/>
+          </a:lnRef>
+          <a:fillRef idx="2">
+            <a:schemeClr val="accent3"/>
+          </a:fillRef>
+          <a:effectRef idx="1">
+            <a:schemeClr val="accent3"/>
+          </a:effectRef>
+          <a:fontRef idx="minor">
+            <a:schemeClr val="dk1"/>
+          </a:fontRef>
+        </p:style>
+        <p:txBody>
+          <a:bodyPr wrap="none" rtlCol="0">
+            <a:spAutoFit/>
+          </a:bodyPr>
+          <a:lstStyle/>
+          <a:p>
+            <a:r>
+              <a:rPr kumimoji="1" lang="ja-JP" altLang="en-US" sz="2400" dirty="0" smtClean="0"/>
+              <a:t>リソースファイルの走査により</a:t>
+            </a:r>
+            <a:endParaRPr kumimoji="1" lang="en-US" altLang="ja-JP" sz="2400" dirty="0" smtClean="0"/>
+          </a:p>
+          <a:p>
+            <a:pPr>
+              <a:buFont typeface="Arial" pitchFamily="34" charset="0"/>
+              <a:buChar char="•"/>
+            </a:pPr>
+            <a:r>
+              <a:rPr kumimoji="1" lang="en-US" altLang="ja-JP" sz="2400" dirty="0" smtClean="0"/>
+              <a:t>CPU</a:t>
+            </a:r>
+            <a:r>
+              <a:rPr kumimoji="1" lang="ja-JP" altLang="en-US" sz="2400" dirty="0" smtClean="0"/>
+              <a:t>の個数</a:t>
+            </a:r>
+            <a:endParaRPr kumimoji="1" lang="en-US" altLang="ja-JP" sz="2400" dirty="0" smtClean="0"/>
+          </a:p>
+          <a:p>
+            <a:pPr>
+              <a:buFont typeface="Arial" pitchFamily="34" charset="0"/>
+              <a:buChar char="•"/>
+            </a:pPr>
+            <a:r>
+              <a:rPr lang="ja-JP" altLang="en-US" sz="2400" dirty="0" smtClean="0"/>
+              <a:t>タスクの</a:t>
+            </a:r>
+            <a:r>
+              <a:rPr lang="en-US" altLang="ja-JP" sz="2400" dirty="0" smtClean="0"/>
+              <a:t>CPU</a:t>
+            </a:r>
+            <a:r>
+              <a:rPr lang="ja-JP" altLang="en-US" sz="2400" dirty="0" smtClean="0"/>
+              <a:t>割り当て</a:t>
+            </a:r>
+            <a:endParaRPr lang="en-US" altLang="ja-JP" sz="2400" dirty="0" smtClean="0"/>
+          </a:p>
+          <a:p>
+            <a:r>
+              <a:rPr lang="ja-JP" altLang="en-US" sz="2400" dirty="0" smtClean="0"/>
+              <a:t>がわかる</a:t>
+            </a:r>
+            <a:endParaRPr kumimoji="1" lang="ja-JP" altLang="en-US" sz="2400" dirty="0"/>
+          </a:p>
+        </p:txBody>
+      </p:sp>
+    </p:spTree>
+  </p:cSld>
+  <p:clrMapOvr>
+    <a:masterClrMapping/>
+  </p:clrMapOvr>
+</p:sld>
+</file>
+
+<file path=ppt/slides/slide8.xml><?xml version="1.0" encoding="utf-8"?>
+<p:sld xmlns:a="http://schemas.openxmlformats.org/drawingml/2006/main" xmlns:r="http://schemas.openxmlformats.org/officeDocument/2006/relationships" xmlns:p="http://schemas.openxmlformats.org/presentationml/2006/main">
+  <p:cSld>
+    <p:spTree>
+      <p:nvGrpSpPr>
+        <p:cNvPr id="1" name=""/>
+        <p:cNvGrpSpPr/>
+        <p:nvPr/>
+      </p:nvGrpSpPr>
+      <p:grpSpPr>
+        <a:xfrm>
+          <a:off x="0" y="0"/>
+          <a:ext cx="0" cy="0"/>
+          <a:chOff x="0" y="0"/>
+          <a:chExt cx="0" cy="0"/>
+        </a:xfrm>
+      </p:grpSpPr>
+      <p:sp>
+        <p:nvSpPr>
+          <p:cNvPr id="2" name="タイトル 1"/>
+          <p:cNvSpPr>
+            <a:spLocks noGrp="1"/>
+          </p:cNvSpPr>
+          <p:nvPr>
+            <p:ph type="title"/>
+          </p:nvPr>
+        </p:nvSpPr>
+        <p:spPr/>
+        <p:txBody>
+          <a:bodyPr>
+            <a:normAutofit/>
+          </a:bodyPr>
+          <a:lstStyle/>
+          <a:p>
+            <a:r>
+              <a:rPr kumimoji="1" lang="ja-JP" altLang="en-US" dirty="0" smtClean="0"/>
+              <a:t>入力</a:t>
+            </a:r>
+            <a:r>
+              <a:rPr kumimoji="1" lang="en-US" altLang="ja-JP" dirty="0" smtClean="0"/>
+              <a:t>(</a:t>
+            </a:r>
+            <a:r>
+              <a:rPr kumimoji="1" lang="ja-JP" altLang="en-US" dirty="0" smtClean="0"/>
+              <a:t>ログ</a:t>
+            </a:r>
+            <a:r>
+              <a:rPr kumimoji="1" lang="en-US" altLang="ja-JP" dirty="0" smtClean="0"/>
+              <a:t>)</a:t>
+            </a:r>
+            <a:endParaRPr kumimoji="1" lang="ja-JP" altLang="en-US" dirty="0"/>
+          </a:p>
+        </p:txBody>
+      </p:sp>
+      <p:sp>
+        <p:nvSpPr>
+          <p:cNvPr id="3" name="コンテンツ プレースホルダ 2"/>
+          <p:cNvSpPr>
+            <a:spLocks noGrp="1"/>
+          </p:cNvSpPr>
+          <p:nvPr>
+            <p:ph idx="1"/>
+          </p:nvPr>
+        </p:nvSpPr>
+        <p:spPr/>
+        <p:txBody>
+          <a:bodyPr/>
+          <a:lstStyle/>
+          <a:p>
+            <a:r>
+              <a:rPr lang="ja-JP" altLang="en-US" dirty="0" smtClean="0"/>
+              <a:t>マイグレーション</a:t>
+            </a:r>
+            <a:endParaRPr lang="en-US" altLang="ja-JP" dirty="0" smtClean="0"/>
+          </a:p>
+          <a:p>
+            <a:pPr lvl="1"/>
+            <a:r>
+              <a:rPr lang="ja-JP" altLang="en-US" dirty="0" smtClean="0"/>
+              <a:t>追加</a:t>
+            </a:r>
+            <a:r>
+              <a:rPr lang="ja-JP" altLang="en-US" dirty="0" smtClean="0"/>
+              <a:t>で追跡</a:t>
+            </a:r>
+            <a:endParaRPr lang="en-US" altLang="ja-JP" dirty="0" smtClean="0"/>
+          </a:p>
+          <a:p>
+            <a:pPr lvl="1"/>
+            <a:r>
+              <a:rPr lang="en-US" altLang="ja-JP" dirty="0" smtClean="0"/>
+              <a:t>branches/</a:t>
+            </a:r>
+            <a:r>
+              <a:rPr lang="en-US" altLang="ja-JP" dirty="0" err="1" smtClean="0"/>
+              <a:t>goto</a:t>
+            </a:r>
+            <a:r>
+              <a:rPr lang="en-US" altLang="ja-JP" dirty="0" smtClean="0"/>
+              <a:t>/</a:t>
+            </a:r>
+            <a:r>
+              <a:rPr lang="en-US" altLang="ja-JP" dirty="0" err="1" smtClean="0"/>
+              <a:t>convertRules</a:t>
+            </a:r>
+            <a:r>
+              <a:rPr lang="en-US" altLang="ja-JP" dirty="0" smtClean="0"/>
+              <a:t>/fmp.cnv </a:t>
+            </a:r>
+            <a:r>
+              <a:rPr lang="ja-JP" altLang="en-US" dirty="0" smtClean="0"/>
+              <a:t>より</a:t>
+            </a:r>
+            <a:endParaRPr lang="en-US" altLang="ja-JP" dirty="0" smtClean="0"/>
+          </a:p>
+          <a:p>
+            <a:pPr lvl="1"/>
+            <a:r>
+              <a:rPr lang="en-US" altLang="ja-JP" u="sng" dirty="0" smtClean="0"/>
+              <a:t>[TIME]:[CPUID]: task TSKID migrates from </a:t>
+            </a:r>
+            <a:r>
+              <a:rPr lang="en-US" altLang="ja-JP" u="sng" dirty="0" smtClean="0"/>
+              <a:t>processor </a:t>
+            </a:r>
+            <a:r>
+              <a:rPr lang="en-US" altLang="ja-JP" u="sng" dirty="0" smtClean="0"/>
+              <a:t>CPUID to processor </a:t>
+            </a:r>
+            <a:r>
+              <a:rPr lang="en-US" altLang="ja-JP" u="sng" dirty="0" smtClean="0"/>
+              <a:t>CPUID</a:t>
+            </a:r>
+            <a:r>
+              <a:rPr lang="en-US" altLang="ja-JP" dirty="0" smtClean="0"/>
+              <a:t/>
+            </a:r>
+            <a:br>
+              <a:rPr lang="en-US" altLang="ja-JP" dirty="0" smtClean="0"/>
+            </a:br>
+            <a:r>
+              <a:rPr lang="ja-JP" altLang="en-US" dirty="0" smtClean="0"/>
+              <a:t>標準形式ログ</a:t>
+            </a:r>
+            <a:endParaRPr lang="en-US" altLang="ja-JP" dirty="0" smtClean="0"/>
+          </a:p>
+          <a:p>
+            <a:pPr lvl="1"/>
+            <a:r>
+              <a:rPr lang="ja-JP" altLang="en-US" dirty="0" smtClean="0"/>
+              <a:t>タスク</a:t>
+            </a:r>
+            <a:r>
+              <a:rPr lang="ja-JP" altLang="en-US" dirty="0" smtClean="0"/>
+              <a:t>の再割り当てを追跡するため</a:t>
+            </a:r>
+            <a:endParaRPr lang="en-US" altLang="ja-JP" dirty="0" smtClean="0"/>
+          </a:p>
+          <a:p>
+            <a:pPr lvl="2"/>
+            <a:endParaRPr kumimoji="1" lang="ja-JP" altLang="en-US" dirty="0"/>
+          </a:p>
+        </p:txBody>
+      </p:sp>
+      <p:sp>
+        <p:nvSpPr>
+          <p:cNvPr id="4" name="スライド番号プレースホルダ 3"/>
+          <p:cNvSpPr>
+            <a:spLocks noGrp="1"/>
+          </p:cNvSpPr>
+          <p:nvPr>
+            <p:ph type="sldNum" sz="quarter" idx="12"/>
+          </p:nvPr>
+        </p:nvSpPr>
+        <p:spPr/>
+        <p:txBody>
+          <a:bodyPr/>
+          <a:lstStyle/>
+          <a:p>
+            <a:fld id="{A67DFC8C-1F5E-4254-A57A-68887A1C3919}" type="slidenum">
+              <a:rPr lang="ja-JP" altLang="en-US" smtClean="0"/>
+              <a:pPr/>
+              <a:t>8</a:t>
+            </a:fld>
+            <a:endParaRPr lang="ja-JP" altLang="en-US"/>
+          </a:p>
+        </p:txBody>
+      </p:sp>
+    </p:spTree>
+  </p:cSld>
+  <p:clrMapOvr>
+    <a:masterClrMapping/>
+  </p:clrMapOvr>
+</p:sld>
+</file>
+
+<file path=ppt/slides/slide9.xml><?xml version="1.0" encoding="utf-8"?>
+<p:sld xmlns:a="http://schemas.openxmlformats.org/drawingml/2006/main" xmlns:r="http://schemas.openxmlformats.org/officeDocument/2006/relationships" xmlns:p="http://schemas.openxmlformats.org/presentationml/2006/main">
+  <p:cSld>
+    <p:spTree>
+      <p:nvGrpSpPr>
+        <p:cNvPr id="1" name=""/>
+        <p:cNvGrpSpPr/>
+        <p:nvPr/>
+      </p:nvGrpSpPr>
+      <p:grpSpPr>
+        <a:xfrm>
+          <a:off x="0" y="0"/>
+          <a:ext cx="0" cy="0"/>
+          <a:chOff x="0" y="0"/>
+          <a:chExt cx="0" cy="0"/>
+        </a:xfrm>
+      </p:grpSpPr>
+      <p:sp>
+        <p:nvSpPr>
+          <p:cNvPr id="2" name="タイトル 1"/>
+          <p:cNvSpPr>
+            <a:spLocks noGrp="1"/>
+          </p:cNvSpPr>
+          <p:nvPr>
+            <p:ph type="title"/>
+          </p:nvPr>
+        </p:nvSpPr>
+        <p:spPr/>
+        <p:txBody>
+          <a:bodyPr/>
+          <a:lstStyle/>
+          <a:p>
+            <a:r>
+              <a:rPr kumimoji="1" lang="ja-JP" altLang="en-US" dirty="0" smtClean="0"/>
+              <a:t>設計方針</a:t>
+            </a:r>
+            <a:endParaRPr kumimoji="1" lang="ja-JP" altLang="en-US" dirty="0"/>
+          </a:p>
+        </p:txBody>
+      </p:sp>
+      <p:sp>
+        <p:nvSpPr>
+          <p:cNvPr id="3" name="コンテンツ プレースホルダ 2"/>
+          <p:cNvSpPr>
+            <a:spLocks noGrp="1"/>
+          </p:cNvSpPr>
+          <p:nvPr>
+            <p:ph idx="1"/>
+          </p:nvPr>
+        </p:nvSpPr>
+        <p:spPr/>
+        <p:txBody>
+          <a:bodyPr>
+            <a:normAutofit/>
+          </a:bodyPr>
+          <a:lstStyle/>
+          <a:p>
+            <a:r>
+              <a:rPr kumimoji="1" lang="en-US" altLang="ja-JP" dirty="0" smtClean="0"/>
+              <a:t>FMP</a:t>
+            </a:r>
+            <a:r>
+              <a:rPr kumimoji="1" lang="ja-JP" altLang="en-US" dirty="0" smtClean="0"/>
+              <a:t>に限れば必要な情報は既にある</a:t>
+            </a:r>
+            <a:endParaRPr kumimoji="1" lang="en-US" altLang="ja-JP" dirty="0" smtClean="0"/>
+          </a:p>
+          <a:p>
+            <a:pPr lvl="1"/>
+            <a:r>
+              <a:rPr lang="ja-JP" altLang="en-US" dirty="0" smtClean="0"/>
+              <a:t>リソースファイル</a:t>
+            </a:r>
+            <a:endParaRPr lang="en-US" altLang="ja-JP" dirty="0" smtClean="0"/>
+          </a:p>
+          <a:p>
+            <a:pPr lvl="1"/>
+            <a:r>
+              <a:rPr kumimoji="1" lang="ja-JP" altLang="en-US" dirty="0" smtClean="0"/>
+              <a:t>標準形式</a:t>
+            </a:r>
+            <a:r>
+              <a:rPr kumimoji="1" lang="ja-JP" altLang="en-US" dirty="0" smtClean="0"/>
+              <a:t>ログ</a:t>
+            </a:r>
+            <a:endParaRPr kumimoji="1" lang="en-US" altLang="ja-JP" dirty="0" smtClean="0"/>
+          </a:p>
+          <a:p>
+            <a:r>
+              <a:rPr lang="ja-JP" altLang="en-US" dirty="0" smtClean="0"/>
+              <a:t>矢印の</a:t>
+            </a:r>
+            <a:r>
+              <a:rPr lang="ja-JP" altLang="en-US" dirty="0" smtClean="0"/>
+              <a:t>描画・</a:t>
+            </a:r>
+            <a:r>
+              <a:rPr lang="en-US" altLang="ja-JP" dirty="0" smtClean="0"/>
+              <a:t>CPU</a:t>
+            </a:r>
+            <a:r>
+              <a:rPr lang="ja-JP" altLang="en-US" dirty="0" smtClean="0"/>
+              <a:t>毎への並び替え</a:t>
+            </a:r>
+            <a:endParaRPr kumimoji="1" lang="en-US" altLang="ja-JP" dirty="0" smtClean="0"/>
+          </a:p>
+          <a:p>
+            <a:pPr lvl="1"/>
+            <a:r>
+              <a:rPr lang="en-US" altLang="ja-JP" dirty="0" smtClean="0"/>
+              <a:t>UI</a:t>
+            </a:r>
+            <a:r>
+              <a:rPr lang="ja-JP" altLang="en-US" dirty="0" smtClean="0"/>
+              <a:t>の設計変更（レーンをまたいだ図形）検討</a:t>
+            </a:r>
+            <a:endParaRPr lang="en-US" altLang="ja-JP" dirty="0" smtClean="0"/>
+          </a:p>
+          <a:p>
+            <a:r>
+              <a:rPr lang="ja-JP" altLang="en-US" dirty="0" smtClean="0"/>
+              <a:t>タスクの状態表示は継承・委譲でそのまま</a:t>
+            </a:r>
+            <a:endParaRPr lang="en-US" altLang="ja-JP" dirty="0" smtClean="0"/>
+          </a:p>
+          <a:p>
+            <a:r>
+              <a:rPr lang="ja-JP" altLang="en-US" dirty="0" smtClean="0"/>
+              <a:t>表示切り替え方法</a:t>
+            </a:r>
+            <a:endParaRPr lang="en-US" altLang="ja-JP" dirty="0" smtClean="0"/>
+          </a:p>
+          <a:p>
+            <a:pPr lvl="1"/>
+            <a:r>
+              <a:rPr lang="ja-JP" altLang="en-US" dirty="0" smtClean="0"/>
+              <a:t>メニューバーからクリック、ショートカットキー</a:t>
+            </a:r>
+            <a:endParaRPr lang="en-US" altLang="ja-JP" dirty="0" smtClean="0"/>
+          </a:p>
+        </p:txBody>
+      </p:sp>
+      <p:sp>
+        <p:nvSpPr>
+          <p:cNvPr id="4" name="スライド番号プレースホルダ 3"/>
+          <p:cNvSpPr>
+            <a:spLocks noGrp="1"/>
+          </p:cNvSpPr>
+          <p:nvPr>
+            <p:ph type="sldNum" sz="quarter" idx="12"/>
+          </p:nvPr>
+        </p:nvSpPr>
+        <p:spPr/>
+        <p:txBody>
+          <a:bodyPr/>
+          <a:lstStyle/>
+          <a:p>
+            <a:fld id="{A67DFC8C-1F5E-4254-A57A-68887A1C3919}" type="slidenum">
+              <a:rPr lang="ja-JP" altLang="en-US" smtClean="0"/>
+              <a:pPr/>
+              <a:t>9</a:t>
             </a:fld>
             <a:endParaRPr lang="ja-JP" altLang="en-US"/>
           </a:p>

--- a/doc/phase3/外部仕様書/task_per_cpu.pptx
+++ b/doc/phase3/外部仕様書/task_per_cpu.pptx
@@ -4004,13 +4004,8 @@
           <a:p>
             <a:r>
               <a:rPr lang="ja-JP" altLang="en-US" dirty="0" smtClean="0"/>
-              <a:t>柳澤</a:t>
-            </a:r>
-            <a:r>
-              <a:rPr lang="ja-JP" altLang="en-US" dirty="0" smtClean="0"/>
-              <a:t>大祐</a:t>
-            </a:r>
-            <a:endParaRPr lang="ja-JP" altLang="en-US" dirty="0" smtClean="0"/>
+              <a:t>柳澤大祐</a:t>
+            </a:r>
           </a:p>
         </p:txBody>
       </p:sp>
@@ -4110,11 +4105,7 @@
             </a:r>
             <a:r>
               <a:rPr lang="ja-JP" altLang="en-US" dirty="0" smtClean="0"/>
-              <a:t>の</a:t>
-            </a:r>
-            <a:r>
-              <a:rPr lang="ja-JP" altLang="en-US" dirty="0" smtClean="0"/>
-              <a:t>状態（現在の機能）</a:t>
+              <a:t>の状態（現在の機能）</a:t>
             </a:r>
             <a:endParaRPr lang="en-US" altLang="ja-JP" dirty="0" smtClean="0"/>
           </a:p>
@@ -4122,11 +4113,7 @@
             <a:pPr lvl="1"/>
             <a:r>
               <a:rPr lang="ja-JP" altLang="en-US" b="1" u="sng" dirty="0" smtClean="0"/>
-              <a:t>タスクの</a:t>
-            </a:r>
-            <a:r>
-              <a:rPr lang="ja-JP" altLang="en-US" b="1" u="sng" dirty="0" smtClean="0"/>
-              <a:t>再割り当て</a:t>
+              <a:t>タスクの再割り当て</a:t>
             </a:r>
             <a:endParaRPr lang="en-US" altLang="ja-JP" b="1" u="sng" dirty="0" smtClean="0"/>
           </a:p>
@@ -4140,11 +4127,7 @@
           <a:p>
             <a:r>
               <a:rPr lang="ja-JP" altLang="en-US" dirty="0" smtClean="0"/>
-              <a:t>表示切り替え</a:t>
-            </a:r>
-            <a:r>
-              <a:rPr lang="ja-JP" altLang="en-US" dirty="0" smtClean="0"/>
-              <a:t>機能</a:t>
+              <a:t>表示切り替え機能</a:t>
             </a:r>
             <a:endParaRPr lang="en-US" altLang="ja-JP" dirty="0" smtClean="0"/>
           </a:p>
@@ -6075,11 +6058,7 @@
           <a:p>
             <a:r>
               <a:rPr lang="ja-JP" altLang="en-US" sz="2000" dirty="0" smtClean="0"/>
-              <a:t>背景色に</a:t>
-            </a:r>
-            <a:r>
-              <a:rPr lang="ja-JP" altLang="en-US" sz="2000" dirty="0" smtClean="0"/>
-              <a:t>よる</a:t>
+              <a:t>背景色による</a:t>
             </a:r>
             <a:endParaRPr lang="en-US" altLang="ja-JP" sz="2000" dirty="0" smtClean="0"/>
           </a:p>
@@ -6097,11 +6076,7 @@
           <a:p>
             <a:r>
               <a:rPr kumimoji="1" lang="ja-JP" altLang="en-US" sz="2000" dirty="0" smtClean="0"/>
-              <a:t>表示</a:t>
-            </a:r>
-            <a:r>
-              <a:rPr kumimoji="1" lang="ja-JP" altLang="en-US" sz="2000" dirty="0" smtClean="0"/>
-              <a:t>を省いた</a:t>
+              <a:t>表示を省いた</a:t>
             </a:r>
             <a:endParaRPr kumimoji="1" lang="ja-JP" altLang="en-US" sz="2000" dirty="0"/>
           </a:p>
@@ -6225,11 +6200,7 @@
           <a:p>
             <a:r>
               <a:rPr kumimoji="1" lang="ja-JP" altLang="en-US" dirty="0" smtClean="0"/>
-              <a:t>出力</a:t>
-            </a:r>
-            <a:r>
-              <a:rPr kumimoji="1" lang="ja-JP" altLang="en-US" dirty="0" smtClean="0"/>
-              <a:t>（マイグレーション矢印）</a:t>
+              <a:t>出力（マイグレーション矢印）</a:t>
             </a:r>
             <a:endParaRPr kumimoji="1" lang="ja-JP" altLang="en-US" dirty="0"/>
           </a:p>
@@ -7109,11 +7080,7 @@
           <a:p>
             <a:r>
               <a:rPr kumimoji="1" lang="ja-JP" altLang="en-US" dirty="0" smtClean="0"/>
-              <a:t>出力</a:t>
-            </a:r>
-            <a:r>
-              <a:rPr kumimoji="1" lang="ja-JP" altLang="en-US" dirty="0" smtClean="0"/>
-              <a:t>（マイグレーション矢印）</a:t>
+              <a:t>出力（マイグレーション矢印）</a:t>
             </a:r>
             <a:endParaRPr kumimoji="1" lang="ja-JP" altLang="en-US" dirty="0"/>
           </a:p>
@@ -7482,11 +7449,7 @@
             </a:r>
             <a:r>
               <a:rPr lang="ja-JP" altLang="en-US" sz="2800" dirty="0" smtClean="0"/>
-              <a:t>２</a:t>
-            </a:r>
-            <a:r>
-              <a:rPr lang="ja-JP" altLang="en-US" sz="2800" dirty="0" smtClean="0"/>
-              <a:t>：タスク単位から</a:t>
+              <a:t>２：タスク単位から</a:t>
             </a:r>
             <a:r>
               <a:rPr kumimoji="1" lang="en-US" altLang="ja-JP" sz="2800" dirty="0" smtClean="0"/>
@@ -7548,15 +7511,7 @@
           <a:p>
             <a:r>
               <a:rPr lang="ja-JP" altLang="en-US" sz="2400" dirty="0" smtClean="0"/>
-              <a:t>折りたたみ</a:t>
-            </a:r>
-            <a:r>
-              <a:rPr lang="ja-JP" altLang="en-US" sz="2400" dirty="0" smtClean="0"/>
-              <a:t>表示</a:t>
-            </a:r>
-            <a:r>
-              <a:rPr lang="ja-JP" altLang="en-US" sz="2400" dirty="0" smtClean="0"/>
-              <a:t>している箇所</a:t>
+              <a:t>折りたたみ表示している箇所</a:t>
             </a:r>
             <a:endParaRPr kumimoji="1" lang="ja-JP" altLang="en-US" sz="2400" dirty="0"/>
           </a:p>
@@ -8293,11 +8248,7 @@
           <a:p>
             <a:r>
               <a:rPr kumimoji="1" lang="ja-JP" altLang="en-US" dirty="0" smtClean="0"/>
-              <a:t>出力</a:t>
-            </a:r>
-            <a:r>
-              <a:rPr kumimoji="1" lang="ja-JP" altLang="en-US" dirty="0" smtClean="0"/>
-              <a:t>（マイグレーション矢印）</a:t>
+              <a:t>出力（マイグレーション矢印）</a:t>
             </a:r>
             <a:endParaRPr kumimoji="1" lang="ja-JP" altLang="en-US" dirty="0"/>
           </a:p>
@@ -8368,11 +8319,7 @@
             </a:r>
             <a:r>
               <a:rPr lang="ja-JP" altLang="en-US" sz="2800" dirty="0" smtClean="0"/>
-              <a:t>３</a:t>
-            </a:r>
-            <a:r>
-              <a:rPr lang="ja-JP" altLang="en-US" sz="2800" dirty="0" smtClean="0"/>
-              <a:t>：選択したタスクだけをタスク単位で全て表示</a:t>
+              <a:t>３：選択したタスクだけをタスク単位で全て表示</a:t>
             </a:r>
             <a:endParaRPr kumimoji="1" lang="ja-JP" altLang="en-US" sz="2800" dirty="0"/>
           </a:p>
@@ -10862,11 +10809,7 @@
             <a:pPr lvl="1"/>
             <a:r>
               <a:rPr lang="ja-JP" altLang="en-US" dirty="0" smtClean="0"/>
-              <a:t>追加</a:t>
-            </a:r>
-            <a:r>
-              <a:rPr lang="ja-JP" altLang="en-US" dirty="0" smtClean="0"/>
-              <a:t>で追跡</a:t>
+              <a:t>追加で追跡</a:t>
             </a:r>
             <a:endParaRPr lang="en-US" altLang="ja-JP" dirty="0" smtClean="0"/>
           </a:p>
@@ -10902,19 +10845,7 @@
             <a:pPr lvl="1"/>
             <a:r>
               <a:rPr lang="en-US" altLang="ja-JP" u="sng" dirty="0" smtClean="0"/>
-              <a:t>[TIME]:[CPUID]: task TSKID migrates from </a:t>
-            </a:r>
-            <a:r>
-              <a:rPr lang="en-US" altLang="ja-JP" u="sng" dirty="0" smtClean="0"/>
-              <a:t>processor </a:t>
-            </a:r>
-            <a:r>
-              <a:rPr lang="en-US" altLang="ja-JP" u="sng" dirty="0" smtClean="0"/>
-              <a:t>CPUID to processor </a:t>
-            </a:r>
-            <a:r>
-              <a:rPr lang="en-US" altLang="ja-JP" u="sng" dirty="0" smtClean="0"/>
-              <a:t>CPUID</a:t>
+              <a:t>[TIME]:[CPUID]: task TSKID migrates from processor CPUID to processor CPUID</a:t>
             </a:r>
             <a:r>
               <a:rPr lang="en-US" altLang="ja-JP" dirty="0" smtClean="0"/>
@@ -10933,11 +10864,7 @@
             <a:pPr lvl="1"/>
             <a:r>
               <a:rPr lang="ja-JP" altLang="en-US" dirty="0" smtClean="0"/>
-              <a:t>タスク</a:t>
-            </a:r>
-            <a:r>
-              <a:rPr lang="ja-JP" altLang="en-US" dirty="0" smtClean="0"/>
-              <a:t>の再割り当てを追跡するため</a:t>
+              <a:t>タスクの再割り当てを追跡するため</a:t>
             </a:r>
             <a:endParaRPr lang="en-US" altLang="ja-JP" dirty="0" smtClean="0"/>
           </a:p>
@@ -11058,22 +10985,14 @@
             <a:pPr lvl="1"/>
             <a:r>
               <a:rPr kumimoji="1" lang="ja-JP" altLang="en-US" dirty="0" smtClean="0"/>
-              <a:t>標準形式</a:t>
-            </a:r>
-            <a:r>
-              <a:rPr kumimoji="1" lang="ja-JP" altLang="en-US" dirty="0" smtClean="0"/>
-              <a:t>ログ</a:t>
+              <a:t>標準形式ログ</a:t>
             </a:r>
             <a:endParaRPr kumimoji="1" lang="en-US" altLang="ja-JP" dirty="0" smtClean="0"/>
           </a:p>
           <a:p>
             <a:r>
               <a:rPr lang="ja-JP" altLang="en-US" dirty="0" smtClean="0"/>
-              <a:t>矢印の</a:t>
-            </a:r>
-            <a:r>
-              <a:rPr lang="ja-JP" altLang="en-US" dirty="0" smtClean="0"/>
-              <a:t>描画・</a:t>
+              <a:t>矢印の描画・</a:t>
             </a:r>
             <a:r>
               <a:rPr lang="en-US" altLang="ja-JP" dirty="0" smtClean="0"/>
@@ -11093,7 +11012,23 @@
             </a:r>
             <a:r>
               <a:rPr lang="ja-JP" altLang="en-US" dirty="0" smtClean="0"/>
-              <a:t>の設計変更（レーンをまたいだ図形）検討</a:t>
+              <a:t>の設計変更</a:t>
+            </a:r>
+            <a:r>
+              <a:rPr lang="ja-JP" altLang="en-US" dirty="0" smtClean="0"/>
+              <a:t>（</a:t>
+            </a:r>
+            <a:r>
+              <a:rPr lang="ja-JP" altLang="en-US" b="1" u="sng" dirty="0" smtClean="0"/>
+              <a:t>レーンをまたいだ図形</a:t>
+            </a:r>
+            <a:r>
+              <a:rPr lang="ja-JP" altLang="en-US" dirty="0" smtClean="0"/>
+              <a:t>）</a:t>
+            </a:r>
+            <a:r>
+              <a:rPr lang="ja-JP" altLang="en-US" dirty="0" smtClean="0"/>
+              <a:t>検討</a:t>
             </a:r>
             <a:endParaRPr lang="en-US" altLang="ja-JP" dirty="0" smtClean="0"/>
           </a:p>
